--- a/ClassMaterials/ComparableAndComparators/Slides/Part4-RunnableJars.pptx
+++ b/ClassMaterials/ComparableAndComparators/Slides/Part4-RunnableJars.pptx
@@ -9,9 +9,10 @@
     <p:sldId id="257" r:id="rId3"/>
     <p:sldId id="258" r:id="rId4"/>
     <p:sldId id="260" r:id="rId5"/>
-    <p:sldId id="259" r:id="rId6"/>
-    <p:sldId id="261" r:id="rId7"/>
-    <p:sldId id="262" r:id="rId8"/>
+    <p:sldId id="264" r:id="rId6"/>
+    <p:sldId id="263" r:id="rId7"/>
+    <p:sldId id="261" r:id="rId8"/>
+    <p:sldId id="262" r:id="rId9"/>
   </p:sldIdLst>
   <p:sldSz cx="12192000" cy="6858000"/>
   <p:notesSz cx="6858000" cy="9144000"/>
@@ -134,6 +135,149 @@
           <inkml:channelProperty channel="F" name="resolution" value="0" units="1/dev"/>
         </inkml:channelProperties>
       </inkml:inkSource>
+      <inkml:timestamp xml:id="ts0" timeString="2025-06-05T15:32:48.471"/>
+    </inkml:context>
+    <inkml:brush xml:id="br0">
+      <inkml:brushProperty name="width" value="0.1" units="cm"/>
+      <inkml:brushProperty name="height" value="0.1" units="cm"/>
+      <inkml:brushProperty name="color" value="#E71224"/>
+    </inkml:brush>
+  </inkml:definitions>
+  <inkml:trace contextRef="#ctx0" brushRef="#br0">0 16 24253,'1259'0'0</inkml:trace>
+</inkml:ink>
+</file>
+
+<file path=ppt/ink/ink10.xml><?xml version="1.0" encoding="utf-8"?>
+<inkml:ink xmlns:inkml="http://www.w3.org/2003/InkML">
+  <inkml:definitions>
+    <inkml:context xml:id="ctx0">
+      <inkml:inkSource xml:id="inkSrc0">
+        <inkml:traceFormat>
+          <inkml:channel name="X" type="integer" min="-2.14748E9" max="2.14748E9" units="cm"/>
+          <inkml:channel name="Y" type="integer" min="-2.14748E9" max="2.14748E9" units="cm"/>
+        </inkml:traceFormat>
+        <inkml:channelProperties>
+          <inkml:channelProperty channel="X" name="resolution" value="1000" units="1/cm"/>
+          <inkml:channelProperty channel="Y" name="resolution" value="1000" units="1/cm"/>
+        </inkml:channelProperties>
+      </inkml:inkSource>
+      <inkml:timestamp xml:id="ts0" timeString="2025-06-05T15:29:04.543"/>
+    </inkml:context>
+    <inkml:brush xml:id="br0">
+      <inkml:brushProperty name="width" value="0.3" units="cm"/>
+      <inkml:brushProperty name="height" value="0.6" units="cm"/>
+      <inkml:brushProperty name="color" value="#FFFC00"/>
+      <inkml:brushProperty name="tip" value="rectangle"/>
+      <inkml:brushProperty name="rasterOp" value="maskPen"/>
+      <inkml:brushProperty name="ignorePressure" value="1"/>
+    </inkml:brush>
+  </inkml:definitions>
+  <inkml:trace contextRef="#ctx0" brushRef="#br0">6361 1,'-13'0,"-190"5,160-2,-1 3,-69 17,-101 28,151-40,-117 3,-67-16,82-1,-4885 3,5024 0</inkml:trace>
+</inkml:ink>
+</file>
+
+<file path=ppt/ink/ink11.xml><?xml version="1.0" encoding="utf-8"?>
+<inkml:ink xmlns:inkml="http://www.w3.org/2003/InkML">
+  <inkml:definitions>
+    <inkml:context xml:id="ctx0">
+      <inkml:inkSource xml:id="inkSrc0">
+        <inkml:traceFormat>
+          <inkml:channel name="X" type="integer" min="-2.14748E9" max="2.14748E9" units="cm"/>
+          <inkml:channel name="Y" type="integer" min="-2.14748E9" max="2.14748E9" units="cm"/>
+        </inkml:traceFormat>
+        <inkml:channelProperties>
+          <inkml:channelProperty channel="X" name="resolution" value="1000" units="1/cm"/>
+          <inkml:channelProperty channel="Y" name="resolution" value="1000" units="1/cm"/>
+        </inkml:channelProperties>
+      </inkml:inkSource>
+      <inkml:timestamp xml:id="ts0" timeString="2025-06-05T15:29:06.787"/>
+    </inkml:context>
+    <inkml:brush xml:id="br0">
+      <inkml:brushProperty name="width" value="0.3" units="cm"/>
+      <inkml:brushProperty name="height" value="0.6" units="cm"/>
+      <inkml:brushProperty name="color" value="#FFFC00"/>
+      <inkml:brushProperty name="tip" value="rectangle"/>
+      <inkml:brushProperty name="rasterOp" value="maskPen"/>
+      <inkml:brushProperty name="ignorePressure" value="1"/>
+    </inkml:brush>
+  </inkml:definitions>
+  <inkml:trace contextRef="#ctx0" brushRef="#br0">2154 1,'0'0,"0"-1,1 1,-1 0,0 0,0 0,0 0,0 0,0 0,0 0,0 0,0 0,0 0,0 0,1 0,-1 0,0 0,0 0,0 0,0 0,0 0,0 0,0 0,0 0,0 0,1 0,-1 0,0 0,0 0,0 0,0 0,0 1,0-1,0 0,0 0,0 0,0 0,0 0,0 0,1 0,-1 0,0 0,0 0,0 0,0 1,0-1,0 0,0 0,0 0,0 0,0 0,0 0,0 0,0 0,0 0,0 1,0-1,0 0,0 0,0 0,0 0,0 0,0 0,0 0,-1 0,-6 7,-14 5,20-11,-19 9,0-1,0 0,-1-2,0 0,0-2,-1 0,0-1,-43 1,-438-3,232-5,-823 3,1066 0</inkml:trace>
+</inkml:ink>
+</file>
+
+<file path=ppt/ink/ink12.xml><?xml version="1.0" encoding="utf-8"?>
+<inkml:ink xmlns:inkml="http://www.w3.org/2003/InkML">
+  <inkml:definitions>
+    <inkml:context xml:id="ctx0">
+      <inkml:inkSource xml:id="inkSrc0">
+        <inkml:traceFormat>
+          <inkml:channel name="X" type="integer" min="-2.14748E9" max="2.14748E9" units="cm"/>
+          <inkml:channel name="Y" type="integer" min="-2.14748E9" max="2.14748E9" units="cm"/>
+        </inkml:traceFormat>
+        <inkml:channelProperties>
+          <inkml:channelProperty channel="X" name="resolution" value="1000" units="1/cm"/>
+          <inkml:channelProperty channel="Y" name="resolution" value="1000" units="1/cm"/>
+        </inkml:channelProperties>
+      </inkml:inkSource>
+      <inkml:timestamp xml:id="ts0" timeString="2025-06-05T15:29:08.483"/>
+    </inkml:context>
+    <inkml:brush xml:id="br0">
+      <inkml:brushProperty name="width" value="0.3" units="cm"/>
+      <inkml:brushProperty name="height" value="0.6" units="cm"/>
+      <inkml:brushProperty name="color" value="#FFFC00"/>
+      <inkml:brushProperty name="tip" value="rectangle"/>
+      <inkml:brushProperty name="rasterOp" value="maskPen"/>
+      <inkml:brushProperty name="ignorePressure" value="1"/>
+    </inkml:brush>
+  </inkml:definitions>
+  <inkml:trace contextRef="#ctx0" brushRef="#br0">1167 0,'-1'2,"1"-1,-1 1,1-1,-1 1,1-1,-1 1,0-1,0 0,0 1,1-1,-1 0,-1 1,1-1,0 0,0 0,0 0,-1 0,1 0,0-1,-1 1,-1 1,-34 12,-4-6,0-3,-1-1,1-2,-59-4,26 1,-666-1,712 2</inkml:trace>
+</inkml:ink>
+</file>
+
+<file path=ppt/ink/ink13.xml><?xml version="1.0" encoding="utf-8"?>
+<inkml:ink xmlns:inkml="http://www.w3.org/2003/InkML">
+  <inkml:definitions>
+    <inkml:context xml:id="ctx0">
+      <inkml:inkSource xml:id="inkSrc0">
+        <inkml:traceFormat>
+          <inkml:channel name="X" type="integer" min="-2.14748E9" max="2.14748E9" units="cm"/>
+          <inkml:channel name="Y" type="integer" min="-2.14748E9" max="2.14748E9" units="cm"/>
+          <inkml:channel name="F" type="integer" max="32767" units="dev"/>
+        </inkml:traceFormat>
+        <inkml:channelProperties>
+          <inkml:channelProperty channel="X" name="resolution" value="1000" units="1/cm"/>
+          <inkml:channelProperty channel="Y" name="resolution" value="1000" units="1/cm"/>
+          <inkml:channelProperty channel="F" name="resolution" value="0" units="1/dev"/>
+        </inkml:channelProperties>
+      </inkml:inkSource>
+      <inkml:timestamp xml:id="ts0" timeString="2025-06-05T15:29:21.136"/>
+    </inkml:context>
+    <inkml:brush xml:id="br0">
+      <inkml:brushProperty name="width" value="0.1" units="cm"/>
+      <inkml:brushProperty name="height" value="0.1" units="cm"/>
+      <inkml:brushProperty name="color" value="#E71224"/>
+    </inkml:brush>
+  </inkml:definitions>
+  <inkml:trace contextRef="#ctx0" brushRef="#br0">0 0 24207,'14667'0'0</inkml:trace>
+</inkml:ink>
+</file>
+
+<file path=ppt/ink/ink14.xml><?xml version="1.0" encoding="utf-8"?>
+<inkml:ink xmlns:inkml="http://www.w3.org/2003/InkML">
+  <inkml:definitions>
+    <inkml:context xml:id="ctx0">
+      <inkml:inkSource xml:id="inkSrc0">
+        <inkml:traceFormat>
+          <inkml:channel name="X" type="integer" min="-2.14748E9" max="2.14748E9" units="cm"/>
+          <inkml:channel name="Y" type="integer" min="-2.14748E9" max="2.14748E9" units="cm"/>
+          <inkml:channel name="F" type="integer" max="32767" units="dev"/>
+        </inkml:traceFormat>
+        <inkml:channelProperties>
+          <inkml:channelProperty channel="X" name="resolution" value="1000" units="1/cm"/>
+          <inkml:channelProperty channel="Y" name="resolution" value="1000" units="1/cm"/>
+          <inkml:channelProperty channel="F" name="resolution" value="0" units="1/dev"/>
+        </inkml:channelProperties>
+      </inkml:inkSource>
       <inkml:timestamp xml:id="ts0" timeString="2025-05-20T15:02:14.471"/>
     </inkml:context>
     <inkml:brush xml:id="br0">
@@ -146,7 +290,259 @@
 </inkml:ink>
 </file>
 
-<file path=ppt/ink/ink10.xml><?xml version="1.0" encoding="utf-8"?>
+<file path=ppt/ink/ink15.xml><?xml version="1.0" encoding="utf-8"?>
+<inkml:ink xmlns:inkml="http://www.w3.org/2003/InkML">
+  <inkml:definitions>
+    <inkml:context xml:id="ctx0">
+      <inkml:inkSource xml:id="inkSrc0">
+        <inkml:traceFormat>
+          <inkml:channel name="X" type="integer" min="-2.14748E9" max="2.14748E9" units="cm"/>
+          <inkml:channel name="Y" type="integer" min="-2.14748E9" max="2.14748E9" units="cm"/>
+          <inkml:channel name="F" type="integer" max="32767" units="dev"/>
+        </inkml:traceFormat>
+        <inkml:channelProperties>
+          <inkml:channelProperty channel="X" name="resolution" value="1000" units="1/cm"/>
+          <inkml:channelProperty channel="Y" name="resolution" value="1000" units="1/cm"/>
+          <inkml:channelProperty channel="F" name="resolution" value="0" units="1/dev"/>
+        </inkml:channelProperties>
+      </inkml:inkSource>
+      <inkml:timestamp xml:id="ts0" timeString="2025-05-20T15:02:20.551"/>
+    </inkml:context>
+    <inkml:brush xml:id="br0">
+      <inkml:brushProperty name="width" value="0.1" units="cm"/>
+      <inkml:brushProperty name="height" value="0.1" units="cm"/>
+      <inkml:brushProperty name="color" value="#E71224"/>
+    </inkml:brush>
+  </inkml:definitions>
+  <inkml:trace contextRef="#ctx0" brushRef="#br0">0 59 24575,'5694'0'0,"-5342"-29"0,-103 4 0,202 21 0,-238 6 0,685-2 0,-842 3 0,0 2 0,78 18 0,-25-3 0,-46-14 0,1-3 0,71-5 0,-42 0 0,288 18 0,-1 40 0,-229-35 0,217 1 0,-353-22 0,244 26 0,-16-2 0,432-19 0,-360-8 0,96 3 0,-345-3 0,0-4 0,103-23 0,56-7 0,454 2 0,426 33 0,-551 4 0,1450-2 0,-1847-7 0,210-37 0,-255 28 0,46 2 0,255 9 0,-210 8 0,1856-3-1365,-2035 0-5461</inkml:trace>
+</inkml:ink>
+</file>
+
+<file path=ppt/ink/ink16.xml><?xml version="1.0" encoding="utf-8"?>
+<inkml:ink xmlns:inkml="http://www.w3.org/2003/InkML">
+  <inkml:definitions>
+    <inkml:context xml:id="ctx0">
+      <inkml:inkSource xml:id="inkSrc0">
+        <inkml:traceFormat>
+          <inkml:channel name="X" type="integer" min="-2.14748E9" max="2.14748E9" units="cm"/>
+          <inkml:channel name="Y" type="integer" min="-2.14748E9" max="2.14748E9" units="cm"/>
+          <inkml:channel name="F" type="integer" max="32767" units="dev"/>
+        </inkml:traceFormat>
+        <inkml:channelProperties>
+          <inkml:channelProperty channel="X" name="resolution" value="1000" units="1/cm"/>
+          <inkml:channelProperty channel="Y" name="resolution" value="1000" units="1/cm"/>
+          <inkml:channelProperty channel="F" name="resolution" value="0" units="1/dev"/>
+        </inkml:channelProperties>
+      </inkml:inkSource>
+      <inkml:timestamp xml:id="ts0" timeString="2025-05-20T15:02:23.062"/>
+    </inkml:context>
+    <inkml:brush xml:id="br0">
+      <inkml:brushProperty name="width" value="0.1" units="cm"/>
+      <inkml:brushProperty name="height" value="0.1" units="cm"/>
+      <inkml:brushProperty name="color" value="#E71224"/>
+    </inkml:brush>
+  </inkml:definitions>
+  <inkml:trace contextRef="#ctx0" brushRef="#br0">2338 1 24575,'-2095'0'0,"2070"1"-195,0 1 0,0 1 0,0 1 0,1 1 0,-1 1 0,-32 14 0,21-6-6631</inkml:trace>
+</inkml:ink>
+</file>
+
+<file path=ppt/ink/ink17.xml><?xml version="1.0" encoding="utf-8"?>
+<inkml:ink xmlns:inkml="http://www.w3.org/2003/InkML">
+  <inkml:definitions>
+    <inkml:context xml:id="ctx0">
+      <inkml:inkSource xml:id="inkSrc0">
+        <inkml:traceFormat>
+          <inkml:channel name="X" type="integer" min="-2.14748E9" max="2.14748E9" units="cm"/>
+          <inkml:channel name="Y" type="integer" min="-2.14748E9" max="2.14748E9" units="cm"/>
+          <inkml:channel name="F" type="integer" max="32767" units="dev"/>
+        </inkml:traceFormat>
+        <inkml:channelProperties>
+          <inkml:channelProperty channel="X" name="resolution" value="1000" units="1/cm"/>
+          <inkml:channelProperty channel="Y" name="resolution" value="1000" units="1/cm"/>
+          <inkml:channelProperty channel="F" name="resolution" value="0" units="1/dev"/>
+        </inkml:channelProperties>
+      </inkml:inkSource>
+      <inkml:timestamp xml:id="ts0" timeString="2025-05-20T15:02:29.931"/>
+    </inkml:context>
+    <inkml:brush xml:id="br0">
+      <inkml:brushProperty name="width" value="0.1" units="cm"/>
+      <inkml:brushProperty name="height" value="0.1" units="cm"/>
+      <inkml:brushProperty name="color" value="#E71224"/>
+    </inkml:brush>
+  </inkml:definitions>
+  <inkml:trace contextRef="#ctx0" brushRef="#br0">1 1 24575,'5'1'0,"-1"1"0,1 0 0,0 0 0,-1 0 0,1 1 0,-1 0 0,0 0 0,1 0 0,-1 0 0,6 7 0,8 5 0,33 18 0,68 33 0,-70-41 0,0 2 0,46 36 0,-57-35 5,32 26-1375,-50-35-5456</inkml:trace>
+</inkml:ink>
+</file>
+
+<file path=ppt/ink/ink18.xml><?xml version="1.0" encoding="utf-8"?>
+<inkml:ink xmlns:inkml="http://www.w3.org/2003/InkML">
+  <inkml:definitions>
+    <inkml:context xml:id="ctx0">
+      <inkml:inkSource xml:id="inkSrc0">
+        <inkml:traceFormat>
+          <inkml:channel name="X" type="integer" min="-2.14748E9" max="2.14748E9" units="cm"/>
+          <inkml:channel name="Y" type="integer" min="-2.14748E9" max="2.14748E9" units="cm"/>
+          <inkml:channel name="F" type="integer" max="32767" units="dev"/>
+        </inkml:traceFormat>
+        <inkml:channelProperties>
+          <inkml:channelProperty channel="X" name="resolution" value="1000" units="1/cm"/>
+          <inkml:channelProperty channel="Y" name="resolution" value="1000" units="1/cm"/>
+          <inkml:channelProperty channel="F" name="resolution" value="0" units="1/dev"/>
+        </inkml:channelProperties>
+      </inkml:inkSource>
+      <inkml:timestamp xml:id="ts0" timeString="2025-05-20T15:02:30.503"/>
+    </inkml:context>
+    <inkml:brush xml:id="br0">
+      <inkml:brushProperty name="width" value="0.1" units="cm"/>
+      <inkml:brushProperty name="height" value="0.1" units="cm"/>
+      <inkml:brushProperty name="color" value="#E71224"/>
+    </inkml:brush>
+  </inkml:definitions>
+  <inkml:trace contextRef="#ctx0" brushRef="#br0">571 0 24575,'-5'5'0,"-6"6"0,-10 6 0,-7 5 0,-4 4 0,0-4 0,0 1 0,0 0 0,7 1 0,-17 11 0,-11-1 0,0 4 0,3 0 0,5-2 0,7-7 0,-1 1 0,7-4-8191</inkml:trace>
+</inkml:ink>
+</file>
+
+<file path=ppt/ink/ink19.xml><?xml version="1.0" encoding="utf-8"?>
+<inkml:ink xmlns:inkml="http://www.w3.org/2003/InkML">
+  <inkml:definitions>
+    <inkml:context xml:id="ctx0">
+      <inkml:inkSource xml:id="inkSrc0">
+        <inkml:traceFormat>
+          <inkml:channel name="X" type="integer" min="-2.14748E9" max="2.14748E9" units="cm"/>
+          <inkml:channel name="Y" type="integer" min="-2.14748E9" max="2.14748E9" units="cm"/>
+          <inkml:channel name="F" type="integer" max="32767" units="dev"/>
+        </inkml:traceFormat>
+        <inkml:channelProperties>
+          <inkml:channelProperty channel="X" name="resolution" value="1000" units="1/cm"/>
+          <inkml:channelProperty channel="Y" name="resolution" value="1000" units="1/cm"/>
+          <inkml:channelProperty channel="F" name="resolution" value="0" units="1/dev"/>
+        </inkml:channelProperties>
+      </inkml:inkSource>
+      <inkml:timestamp xml:id="ts0" timeString="2025-05-20T15:02:33.467"/>
+    </inkml:context>
+    <inkml:brush xml:id="br0">
+      <inkml:brushProperty name="width" value="0.1" units="cm"/>
+      <inkml:brushProperty name="height" value="0.1" units="cm"/>
+      <inkml:brushProperty name="color" value="#E71224"/>
+    </inkml:brush>
+  </inkml:definitions>
+  <inkml:trace contextRef="#ctx0" brushRef="#br0">986 0 24575,'-52'0'0,"-178"4"0,180 0 0,0 2 0,-75 18 0,77-8 0,0 1 0,-73 39 0,91-41 0,9-6 0,-35 9 0,42-14 0,0 0 0,1 1 0,-1 0 0,1 1 0,0 1 0,-20 13 0,29-16 0,0-1 0,1 1 0,0 0 0,0 0 0,0 0 0,0 0 0,0 0 0,1 1 0,0-1 0,0 1 0,0 0 0,0-1 0,1 1 0,0 0 0,0 0 0,0 0 0,1 0 0,-1 0 0,1 0 0,1 0 0,-1 0 0,0 1 0,1-2 0,0 1 0,1 0 0,-1 0 0,3 6 0,1 1 0,0 0 0,0 0 0,2 0 0,-1-1 0,2 0 0,-1 0 0,1-1 0,1 0 0,12 12 0,0-7 0,0 0 0,1-1 0,1-1 0,0-2 0,38 14 0,-25-9 0,6 0 0,1-1 0,0-2 0,60 9 0,137 8 0,-188-25 0,-13 0 0,0-2 0,0-1 0,1-3 0,71-9 0,-105 9 0,-1-1 0,1 1 0,-1-1 0,1 0 0,-1-1 0,0 1 0,0-1 0,0 0 0,0 0 0,7-7 0,-11 8 0,0 1 0,0 0 0,0 0 0,0 0 0,0-1 0,0 1 0,0 0 0,-1-1 0,1 1 0,-1-1 0,1 1 0,-1-1 0,1 1 0,-1-1 0,0 1 0,0-1 0,0-2 0,0 2 0,-1 0 0,1 0 0,-1 0 0,0 0 0,0 0 0,0 0 0,0 0 0,0 0 0,0 0 0,0 1 0,-1-1 0,1 0 0,-1 1 0,1-1 0,-1 1 0,-3-2 0,-16-12 0,-32-17 0,36 23 0,1-1 0,0 0 0,1-1 0,-20-17 0,35 27 0,-1 1 0,0-1 0,1 1 0,-1-1 0,0 0 0,1 1 0,-1-1 0,1 0 0,-1 1 0,1-1 0,-1 0 0,1 0 0,0 1 0,-1-1 0,1 0 0,0 0 0,0 0 0,-1 1 0,1-1 0,0 0 0,0 0 0,0-1 0,1 1 0,-1 1 0,1-1 0,-1 1 0,1-1 0,-1 1 0,1 0 0,-1-1 0,1 1 0,0 0 0,-1 0 0,1-1 0,-1 1 0,1 0 0,0 0 0,-1 0 0,1 0 0,0 0 0,-1-1 0,1 1 0,0 1 0,0-1 0,42 7 0,210 70 0,-248-76 0,-1 0 0,0 1 0,0 0 0,0-1 0,-1 1 0,1 0 0,0 1 0,-1-1 0,1 1 0,-1-1 0,0 1 0,0 0 0,5 6 0,-7-6 0,1 1 0,0-1 0,-1 1 0,0 0 0,0-1 0,0 1 0,0 0 0,-1-1 0,1 1 0,-1 0 0,0 0 0,0 0 0,0-1 0,-1 1 0,-1 6 0,-5 20-273,-1-1 0,-2-1 0,-1 0 0,-24 45 0,13-33-6553</inkml:trace>
+</inkml:ink>
+</file>
+
+<file path=ppt/ink/ink2.xml><?xml version="1.0" encoding="utf-8"?>
+<inkml:ink xmlns:inkml="http://www.w3.org/2003/InkML">
+  <inkml:definitions>
+    <inkml:context xml:id="ctx0">
+      <inkml:inkSource xml:id="inkSrc0">
+        <inkml:traceFormat>
+          <inkml:channel name="X" type="integer" min="-2.14748E9" max="2.14748E9" units="cm"/>
+          <inkml:channel name="Y" type="integer" min="-2.14748E9" max="2.14748E9" units="cm"/>
+          <inkml:channel name="F" type="integer" max="32767" units="dev"/>
+        </inkml:traceFormat>
+        <inkml:channelProperties>
+          <inkml:channelProperty channel="X" name="resolution" value="1000" units="1/cm"/>
+          <inkml:channelProperty channel="Y" name="resolution" value="1000" units="1/cm"/>
+          <inkml:channelProperty channel="F" name="resolution" value="0" units="1/dev"/>
+        </inkml:channelProperties>
+      </inkml:inkSource>
+      <inkml:timestamp xml:id="ts0" timeString="2025-06-05T15:32:52.070"/>
+    </inkml:context>
+    <inkml:brush xml:id="br0">
+      <inkml:brushProperty name="width" value="0.1" units="cm"/>
+      <inkml:brushProperty name="height" value="0.1" units="cm"/>
+      <inkml:brushProperty name="color" value="#E71224"/>
+    </inkml:brush>
+  </inkml:definitions>
+  <inkml:trace contextRef="#ctx0" brushRef="#br0">22 0 24575,'45'35'0,"-36"-29"0,-1-1 0,0 2 0,0-1 0,-1 1 0,7 8 0,10 17 0,-2 1 0,-2 1 0,-1 1 0,26 67 0,-43-96 0,-1-1 0,0 0 0,0 1 0,0-1 0,0 1 0,-1-1 0,0 1 0,0-1 0,-1 1 0,1-1 0,-1 0 0,0 1 0,-1-1 0,0 0 0,1 1 0,-1-1 0,-1 0 0,-3 6 0,-6 9 0,-1-1 0,-1 0 0,-17 18 0,16-19 0,-42 42 31,40-44-380,1 0 0,1 2 0,-25 35 0,31-37-6477</inkml:trace>
+</inkml:ink>
+</file>
+
+<file path=ppt/ink/ink20.xml><?xml version="1.0" encoding="utf-8"?>
+<inkml:ink xmlns:inkml="http://www.w3.org/2003/InkML">
+  <inkml:definitions>
+    <inkml:context xml:id="ctx0">
+      <inkml:inkSource xml:id="inkSrc0">
+        <inkml:traceFormat>
+          <inkml:channel name="X" type="integer" min="-2.14748E9" max="2.14748E9" units="cm"/>
+          <inkml:channel name="Y" type="integer" min="-2.14748E9" max="2.14748E9" units="cm"/>
+          <inkml:channel name="F" type="integer" max="32767" units="dev"/>
+        </inkml:traceFormat>
+        <inkml:channelProperties>
+          <inkml:channelProperty channel="X" name="resolution" value="1000" units="1/cm"/>
+          <inkml:channelProperty channel="Y" name="resolution" value="1000" units="1/cm"/>
+          <inkml:channelProperty channel="F" name="resolution" value="0" units="1/dev"/>
+        </inkml:channelProperties>
+      </inkml:inkSource>
+      <inkml:timestamp xml:id="ts0" timeString="2025-05-20T15:02:28.171"/>
+    </inkml:context>
+    <inkml:brush xml:id="br0">
+      <inkml:brushProperty name="width" value="0.1" units="cm"/>
+      <inkml:brushProperty name="height" value="0.1" units="cm"/>
+      <inkml:brushProperty name="color" value="#E71224"/>
+    </inkml:brush>
+  </inkml:definitions>
+  <inkml:trace contextRef="#ctx0" brushRef="#br0">1 0 24575,'5'0'0,"10"5"0,13 6 0,6 6 0,3 5 0,3 4 0,-4 1 0,1-3 0,-1-1 0,-7 0 0,-3 1 0,-2-3 0,-4-1 0,3-4 0,-2-4-8191</inkml:trace>
+</inkml:ink>
+</file>
+
+<file path=ppt/ink/ink21.xml><?xml version="1.0" encoding="utf-8"?>
+<inkml:ink xmlns:inkml="http://www.w3.org/2003/InkML">
+  <inkml:definitions>
+    <inkml:context xml:id="ctx0">
+      <inkml:inkSource xml:id="inkSrc0">
+        <inkml:traceFormat>
+          <inkml:channel name="X" type="integer" min="-2.14748E9" max="2.14748E9" units="cm"/>
+          <inkml:channel name="Y" type="integer" min="-2.14748E9" max="2.14748E9" units="cm"/>
+          <inkml:channel name="F" type="integer" max="32767" units="dev"/>
+        </inkml:traceFormat>
+        <inkml:channelProperties>
+          <inkml:channelProperty channel="X" name="resolution" value="1000" units="1/cm"/>
+          <inkml:channelProperty channel="Y" name="resolution" value="1000" units="1/cm"/>
+          <inkml:channelProperty channel="F" name="resolution" value="0" units="1/dev"/>
+        </inkml:channelProperties>
+      </inkml:inkSource>
+      <inkml:timestamp xml:id="ts0" timeString="2025-05-20T15:02:28.652"/>
+    </inkml:context>
+    <inkml:brush xml:id="br0">
+      <inkml:brushProperty name="width" value="0.1" units="cm"/>
+      <inkml:brushProperty name="height" value="0.1" units="cm"/>
+      <inkml:brushProperty name="color" value="#E71224"/>
+    </inkml:brush>
+  </inkml:definitions>
+  <inkml:trace contextRef="#ctx0" brushRef="#br0">823 0 24575,'-5'0'0,"-6"5"0,-11 11 0,-11 7 0,-24 9 0,-11 5 0,0 5 0,3 0 0,3-3 0,7-2 0,-15 1 0,-1 0 0,2-8 0,4 2 0,7-1 0,15-5-8191</inkml:trace>
+</inkml:ink>
+</file>
+
+<file path=ppt/ink/ink22.xml><?xml version="1.0" encoding="utf-8"?>
+<inkml:ink xmlns:inkml="http://www.w3.org/2003/InkML">
+  <inkml:definitions>
+    <inkml:context xml:id="ctx0">
+      <inkml:inkSource xml:id="inkSrc0">
+        <inkml:traceFormat>
+          <inkml:channel name="X" type="integer" min="-2.14748E9" max="2.14748E9" units="cm"/>
+          <inkml:channel name="Y" type="integer" min="-2.14748E9" max="2.14748E9" units="cm"/>
+          <inkml:channel name="F" type="integer" max="32767" units="dev"/>
+        </inkml:traceFormat>
+        <inkml:channelProperties>
+          <inkml:channelProperty channel="X" name="resolution" value="1000" units="1/cm"/>
+          <inkml:channelProperty channel="Y" name="resolution" value="1000" units="1/cm"/>
+          <inkml:channelProperty channel="F" name="resolution" value="0" units="1/dev"/>
+        </inkml:channelProperties>
+      </inkml:inkSource>
+      <inkml:timestamp xml:id="ts0" timeString="2025-05-20T15:02:36.449"/>
+    </inkml:context>
+    <inkml:brush xml:id="br0">
+      <inkml:brushProperty name="width" value="0.1" units="cm"/>
+      <inkml:brushProperty name="height" value="0.1" units="cm"/>
+      <inkml:brushProperty name="color" value="#E71224"/>
+    </inkml:brush>
+  </inkml:definitions>
+  <inkml:trace contextRef="#ctx0" brushRef="#br0">897 26 24575,'-5'-3'0,"-1"0"0,1 0 0,0 0 0,-1 1 0,0 0 0,1 0 0,-1 0 0,0 1 0,0-1 0,0 2 0,0-1 0,0 1 0,0-1 0,-7 2 0,0-2 0,-99 0 0,0 5 0,-206 34 0,317-38 0,-24 3 0,1 2 0,0 1 0,-38 13 0,56-16 0,0 0 0,0 0 0,0 0 0,0 1 0,1 0 0,0 0 0,-1 0 0,1 0 0,1 1 0,-1 0 0,1 0 0,-1 1 0,2-1 0,-1 1 0,0 0 0,1 0 0,0 0 0,-2 7 0,-1 8 0,1 0 0,1 0 0,1 0 0,-1 26 0,5 88 0,0-87 0,0-42 0,-1 1 0,1 0 0,0 0 0,0-1 0,1 1 0,0-1 0,0 1 0,0-1 0,1 0 0,0 1 0,1-2 0,-1 1 0,1 0 0,0-1 0,6 7 0,-1-3 0,1 0 0,0-1 0,1-1 0,-1 1 0,2-2 0,-1 1 0,13 4 0,0-2 0,0 0 0,0-2 0,0-1 0,1 0 0,0-2 0,29 1 0,157-6 0,-86-3 0,48 15 0,-168-10 0,-1-1 0,0 0 0,0 0 0,1 0 0,-1 0 0,0-1 0,0 1 0,0-1 0,7-2 0,-9 2 0,-1 0 0,0 0 0,1 1 0,-1-1 0,0 0 0,0 0 0,1 0 0,-1 0 0,0-1 0,0 1 0,0 0 0,0 0 0,0-1 0,-1 1 0,1 0 0,0-1 0,-1 1 0,1-1 0,-1 1 0,1-1 0,-1 1 0,0-1 0,1 1 0,-1-1 0,0 1 0,0-1 0,0 0 0,-1-2 0,-1-10 0,-1 0 0,0 0 0,-1 0 0,-10-24 0,-3-10 0,20 53 0,1 1 0,0-1 0,1 1 0,0-1 0,0 0 0,8 6 0,5 6 0,0 0 0,15 20 0,-30-33 0,1 1 0,-1-1 0,0 1 0,0 0 0,0 0 0,-1 1 0,1-1 0,-2 0 0,1 1 0,0 0 0,-1-1 0,0 1 0,0 0 0,-1 8 0,-1-9 6,0 0 1,0 1-1,-1-1 0,0 0 0,0 0 0,-1 0 1,1-1-1,-1 1 0,0 0 0,0-1 0,-1 0 1,1 0-1,-1 0 0,-8 7 0,-8 6-414,-39 24-1,46-32-232,-24 15-6185</inkml:trace>
+</inkml:ink>
+</file>
+
+<file path=ppt/ink/ink23.xml><?xml version="1.0" encoding="utf-8"?>
 <inkml:ink xmlns:inkml="http://www.w3.org/2003/InkML">
   <inkml:definitions>
     <inkml:context xml:id="ctx0">
@@ -174,7 +570,7 @@
 </inkml:ink>
 </file>
 
-<file path=ppt/ink/ink11.xml><?xml version="1.0" encoding="utf-8"?>
+<file path=ppt/ink/ink24.xml><?xml version="1.0" encoding="utf-8"?>
 <inkml:ink xmlns:inkml="http://www.w3.org/2003/InkML">
   <inkml:definitions>
     <inkml:context xml:id="ctx0">
@@ -202,7 +598,7 @@
 </inkml:ink>
 </file>
 
-<file path=ppt/ink/ink12.xml><?xml version="1.0" encoding="utf-8"?>
+<file path=ppt/ink/ink25.xml><?xml version="1.0" encoding="utf-8"?>
 <inkml:ink xmlns:inkml="http://www.w3.org/2003/InkML">
   <inkml:definitions>
     <inkml:context xml:id="ctx0">
@@ -230,7 +626,7 @@
 </inkml:ink>
 </file>
 
-<file path=ppt/ink/ink13.xml><?xml version="1.0" encoding="utf-8"?>
+<file path=ppt/ink/ink26.xml><?xml version="1.0" encoding="utf-8"?>
 <inkml:ink xmlns:inkml="http://www.w3.org/2003/InkML">
   <inkml:definitions>
     <inkml:context xml:id="ctx0">
@@ -258,34 +654,6 @@
 </inkml:ink>
 </file>
 
-<file path=ppt/ink/ink2.xml><?xml version="1.0" encoding="utf-8"?>
-<inkml:ink xmlns:inkml="http://www.w3.org/2003/InkML">
-  <inkml:definitions>
-    <inkml:context xml:id="ctx0">
-      <inkml:inkSource xml:id="inkSrc0">
-        <inkml:traceFormat>
-          <inkml:channel name="X" type="integer" min="-2.14748E9" max="2.14748E9" units="cm"/>
-          <inkml:channel name="Y" type="integer" min="-2.14748E9" max="2.14748E9" units="cm"/>
-          <inkml:channel name="F" type="integer" max="32767" units="dev"/>
-        </inkml:traceFormat>
-        <inkml:channelProperties>
-          <inkml:channelProperty channel="X" name="resolution" value="1000" units="1/cm"/>
-          <inkml:channelProperty channel="Y" name="resolution" value="1000" units="1/cm"/>
-          <inkml:channelProperty channel="F" name="resolution" value="0" units="1/dev"/>
-        </inkml:channelProperties>
-      </inkml:inkSource>
-      <inkml:timestamp xml:id="ts0" timeString="2025-05-20T15:02:20.551"/>
-    </inkml:context>
-    <inkml:brush xml:id="br0">
-      <inkml:brushProperty name="width" value="0.1" units="cm"/>
-      <inkml:brushProperty name="height" value="0.1" units="cm"/>
-      <inkml:brushProperty name="color" value="#E71224"/>
-    </inkml:brush>
-  </inkml:definitions>
-  <inkml:trace contextRef="#ctx0" brushRef="#br0">0 59 24575,'5694'0'0,"-5342"-29"0,-103 4 0,202 21 0,-238 6 0,685-2 0,-842 3 0,0 2 0,78 18 0,-25-3 0,-46-14 0,1-3 0,71-5 0,-42 0 0,288 18 0,-1 40 0,-229-35 0,217 1 0,-353-22 0,244 26 0,-16-2 0,432-19 0,-360-8 0,96 3 0,-345-3 0,0-4 0,103-23 0,56-7 0,454 2 0,426 33 0,-551 4 0,1450-2 0,-1847-7 0,210-37 0,-255 28 0,46 2 0,255 9 0,-210 8 0,1856-3-1365,-2035 0-5461</inkml:trace>
-</inkml:ink>
-</file>
-
 <file path=ppt/ink/ink3.xml><?xml version="1.0" encoding="utf-8"?>
 <inkml:ink xmlns:inkml="http://www.w3.org/2003/InkML">
   <inkml:definitions>
@@ -302,7 +670,7 @@
           <inkml:channelProperty channel="F" name="resolution" value="0" units="1/dev"/>
         </inkml:channelProperties>
       </inkml:inkSource>
-      <inkml:timestamp xml:id="ts0" timeString="2025-05-20T15:02:23.062"/>
+      <inkml:timestamp xml:id="ts0" timeString="2025-06-05T15:33:09.108"/>
     </inkml:context>
     <inkml:brush xml:id="br0">
       <inkml:brushProperty name="width" value="0.1" units="cm"/>
@@ -310,7 +678,7 @@
       <inkml:brushProperty name="color" value="#E71224"/>
     </inkml:brush>
   </inkml:definitions>
-  <inkml:trace contextRef="#ctx0" brushRef="#br0">2338 1 24575,'-2095'0'0,"2070"1"-195,0 1 0,0 1 0,0 1 0,1 1 0,-1 1 0,-32 14 0,21-6-6631</inkml:trace>
+  <inkml:trace contextRef="#ctx0" brushRef="#br0">0 127 24466,'1312'0'0,"-1564"-127"0,504 254 0,-504-1 0</inkml:trace>
 </inkml:ink>
 </file>
 
@@ -330,7 +698,7 @@
           <inkml:channelProperty channel="F" name="resolution" value="0" units="1/dev"/>
         </inkml:channelProperties>
       </inkml:inkSource>
-      <inkml:timestamp xml:id="ts0" timeString="2025-05-20T15:02:29.931"/>
+      <inkml:timestamp xml:id="ts0" timeString="2025-06-05T15:28:26.804"/>
     </inkml:context>
     <inkml:brush xml:id="br0">
       <inkml:brushProperty name="width" value="0.1" units="cm"/>
@@ -338,7 +706,7 @@
       <inkml:brushProperty name="color" value="#E71224"/>
     </inkml:brush>
   </inkml:definitions>
-  <inkml:trace contextRef="#ctx0" brushRef="#br0">1 1 24575,'5'1'0,"-1"1"0,1 0 0,0 0 0,-1 0 0,1 1 0,-1 0 0,0 0 0,1 0 0,-1 0 0,6 7 0,8 5 0,33 18 0,68 33 0,-70-41 0,0 2 0,46 36 0,-57-35 5,32 26-1375,-50-35-5456</inkml:trace>
+  <inkml:trace contextRef="#ctx0" brushRef="#br0">1 0 23193,'1339'0'0</inkml:trace>
 </inkml:ink>
 </file>
 
@@ -358,7 +726,7 @@
           <inkml:channelProperty channel="F" name="resolution" value="0" units="1/dev"/>
         </inkml:channelProperties>
       </inkml:inkSource>
-      <inkml:timestamp xml:id="ts0" timeString="2025-05-20T15:02:30.503"/>
+      <inkml:timestamp xml:id="ts0" timeString="2025-06-05T15:28:30.736"/>
     </inkml:context>
     <inkml:brush xml:id="br0">
       <inkml:brushProperty name="width" value="0.1" units="cm"/>
@@ -366,7 +734,7 @@
       <inkml:brushProperty name="color" value="#E71224"/>
     </inkml:brush>
   </inkml:definitions>
-  <inkml:trace contextRef="#ctx0" brushRef="#br0">571 0 24575,'-5'5'0,"-6"6"0,-10 6 0,-7 5 0,-4 4 0,0-4 0,0 1 0,0 0 0,7 1 0,-17 11 0,-11-1 0,0 4 0,3 0 0,5-2 0,7-7 0,-1 1 0,7-4-8191</inkml:trace>
+  <inkml:trace contextRef="#ctx0" brushRef="#br0">11 1 24575,'7'8'0,"0"1"0,-1-1 0,10 20 0,11 14 0,-7-17 0,-1 0 0,0 1 0,-3 2 0,27 55 0,-40-73 3,0 1-1,0-1 1,-1 1-1,-1 0 1,0 0-1,0 0 1,-1 0-1,0 0 1,-1-1 0,0 1-1,-1 0 1,0 0-1,-1-1 1,0 1-1,-9 18 1,-6 7-71,-1 0 1,-48 65-1,6-10-1135,46-65-5623</inkml:trace>
 </inkml:ink>
 </file>
 
@@ -386,7 +754,7 @@
           <inkml:channelProperty channel="F" name="resolution" value="0" units="1/dev"/>
         </inkml:channelProperties>
       </inkml:inkSource>
-      <inkml:timestamp xml:id="ts0" timeString="2025-05-20T15:02:33.467"/>
+      <inkml:timestamp xml:id="ts0" timeString="2025-06-05T15:28:44.533"/>
     </inkml:context>
     <inkml:brush xml:id="br0">
       <inkml:brushProperty name="width" value="0.1" units="cm"/>
@@ -394,7 +762,7 @@
       <inkml:brushProperty name="color" value="#E71224"/>
     </inkml:brush>
   </inkml:definitions>
-  <inkml:trace contextRef="#ctx0" brushRef="#br0">986 0 24575,'-52'0'0,"-178"4"0,180 0 0,0 2 0,-75 18 0,77-8 0,0 1 0,-73 39 0,91-41 0,9-6 0,-35 9 0,42-14 0,0 0 0,1 1 0,-1 0 0,1 1 0,0 1 0,-20 13 0,29-16 0,0-1 0,1 1 0,0 0 0,0 0 0,0 0 0,0 0 0,0 0 0,1 1 0,0-1 0,0 1 0,0 0 0,0-1 0,1 1 0,0 0 0,0 0 0,0 0 0,1 0 0,-1 0 0,1 0 0,1 0 0,-1 0 0,0 1 0,1-2 0,0 1 0,1 0 0,-1 0 0,3 6 0,1 1 0,0 0 0,0 0 0,2 0 0,-1-1 0,2 0 0,-1 0 0,1-1 0,1 0 0,12 12 0,0-7 0,0 0 0,1-1 0,1-1 0,0-2 0,38 14 0,-25-9 0,6 0 0,1-1 0,0-2 0,60 9 0,137 8 0,-188-25 0,-13 0 0,0-2 0,0-1 0,1-3 0,71-9 0,-105 9 0,-1-1 0,1 1 0,-1-1 0,1 0 0,-1-1 0,0 1 0,0-1 0,0 0 0,0 0 0,7-7 0,-11 8 0,0 1 0,0 0 0,0 0 0,0 0 0,0-1 0,0 1 0,0 0 0,-1-1 0,1 1 0,-1-1 0,1 1 0,-1-1 0,1 1 0,-1-1 0,0 1 0,0-1 0,0-2 0,0 2 0,-1 0 0,1 0 0,-1 0 0,0 0 0,0 0 0,0 0 0,0 0 0,0 0 0,0 0 0,0 1 0,-1-1 0,1 0 0,-1 1 0,1-1 0,-1 1 0,-3-2 0,-16-12 0,-32-17 0,36 23 0,1-1 0,0 0 0,1-1 0,-20-17 0,35 27 0,-1 1 0,0-1 0,1 1 0,-1-1 0,0 0 0,1 1 0,-1-1 0,1 0 0,-1 1 0,1-1 0,-1 0 0,1 0 0,0 1 0,-1-1 0,1 0 0,0 0 0,0 0 0,-1 1 0,1-1 0,0 0 0,0 0 0,0-1 0,1 1 0,-1 1 0,1-1 0,-1 1 0,1-1 0,-1 1 0,1 0 0,-1-1 0,1 1 0,0 0 0,-1 0 0,1-1 0,-1 1 0,1 0 0,0 0 0,-1 0 0,1 0 0,0 0 0,-1-1 0,1 1 0,0 1 0,0-1 0,42 7 0,210 70 0,-248-76 0,-1 0 0,0 1 0,0 0 0,0-1 0,-1 1 0,1 0 0,0 1 0,-1-1 0,1 1 0,-1-1 0,0 1 0,0 0 0,5 6 0,-7-6 0,1 1 0,0-1 0,-1 1 0,0 0 0,0-1 0,0 1 0,0 0 0,-1-1 0,1 1 0,-1 0 0,0 0 0,0 0 0,0-1 0,-1 1 0,-1 6 0,-5 20-273,-1-1 0,-2-1 0,-1 0 0,-24 45 0,13-33-6553</inkml:trace>
+  <inkml:trace contextRef="#ctx0" brushRef="#br0">0 0 23380,'821'0'0</inkml:trace>
 </inkml:ink>
 </file>
 
@@ -414,7 +782,7 @@
           <inkml:channelProperty channel="F" name="resolution" value="0" units="1/dev"/>
         </inkml:channelProperties>
       </inkml:inkSource>
-      <inkml:timestamp xml:id="ts0" timeString="2025-05-20T15:02:28.171"/>
+      <inkml:timestamp xml:id="ts0" timeString="2025-06-05T15:28:50.516"/>
     </inkml:context>
     <inkml:brush xml:id="br0">
       <inkml:brushProperty name="width" value="0.1" units="cm"/>
@@ -422,7 +790,7 @@
       <inkml:brushProperty name="color" value="#E71224"/>
     </inkml:brush>
   </inkml:definitions>
-  <inkml:trace contextRef="#ctx0" brushRef="#br0">1 0 24575,'5'0'0,"10"5"0,13 6 0,6 6 0,3 5 0,3 4 0,-4 1 0,1-3 0,-1-1 0,-7 0 0,-3 1 0,-2-3 0,-4-1 0,3-4 0,-2-4-8191</inkml:trace>
+  <inkml:trace contextRef="#ctx0" brushRef="#br0">7 1 24575,'1'3'0,"0"1"0,1-1 0,-1 1 0,1-1 0,0 0 0,0 0 0,0 0 0,0 0 0,1 0 0,-1-1 0,5 5 0,-1-1 0,144 170 0,-112-147 0,-32-25 0,0 0 0,-1 0 0,1 0 0,-1 1 0,1-1 0,4 8 0,-9-10 0,0-1 0,0 1 0,0 0 0,0-1 0,-1 1 0,1 0 0,0 0 0,-1-1 0,0 1 0,1 0 0,-1 0 0,0 0 0,0 0 0,0 0 0,0-1 0,0 1 0,-1 0 0,1 0 0,0 0 0,-1 0 0,0-1 0,1 1 0,-1 0 0,0 0 0,0-1 0,0 1 0,0-1 0,-1 2 0,-5 7 0,-1-2 0,0 1 0,0-1 0,-1-1 0,0 1 0,0-1 0,-17 9 0,15-10 0,0 2 0,0-1 0,1 2 0,0-1 0,0 1 0,-10 13 0,4 2 67,-19 38 0,-4 6-1566,26-49-5327</inkml:trace>
 </inkml:ink>
 </file>
 
@@ -442,7 +810,7 @@
           <inkml:channelProperty channel="F" name="resolution" value="0" units="1/dev"/>
         </inkml:channelProperties>
       </inkml:inkSource>
-      <inkml:timestamp xml:id="ts0" timeString="2025-05-20T15:02:28.652"/>
+      <inkml:timestamp xml:id="ts0" timeString="2025-06-05T15:28:53.109"/>
     </inkml:context>
     <inkml:brush xml:id="br0">
       <inkml:brushProperty name="width" value="0.1" units="cm"/>
@@ -450,7 +818,7 @@
       <inkml:brushProperty name="color" value="#E71224"/>
     </inkml:brush>
   </inkml:definitions>
-  <inkml:trace contextRef="#ctx0" brushRef="#br0">823 0 24575,'-5'0'0,"-6"5"0,-11 11 0,-11 7 0,-24 9 0,-11 5 0,0 5 0,3 0 0,3-3 0,7-2 0,-15 1 0,-1 0 0,2-8 0,4 2 0,7-1 0,15-5-8191</inkml:trace>
+  <inkml:trace contextRef="#ctx0" brushRef="#br0">0 2 23839,'657'0'0</inkml:trace>
 </inkml:ink>
 </file>
 
@@ -470,7 +838,7 @@
           <inkml:channelProperty channel="F" name="resolution" value="0" units="1/dev"/>
         </inkml:channelProperties>
       </inkml:inkSource>
-      <inkml:timestamp xml:id="ts0" timeString="2025-05-20T15:02:36.449"/>
+      <inkml:timestamp xml:id="ts0" timeString="2025-06-05T15:28:57.373"/>
     </inkml:context>
     <inkml:brush xml:id="br0">
       <inkml:brushProperty name="width" value="0.1" units="cm"/>
@@ -478,7 +846,7 @@
       <inkml:brushProperty name="color" value="#E71224"/>
     </inkml:brush>
   </inkml:definitions>
-  <inkml:trace contextRef="#ctx0" brushRef="#br0">897 26 24575,'-5'-3'0,"-1"0"0,1 0 0,0 0 0,-1 1 0,0 0 0,1 0 0,-1 0 0,0 1 0,0-1 0,0 2 0,0-1 0,0 1 0,0-1 0,-7 2 0,0-2 0,-99 0 0,0 5 0,-206 34 0,317-38 0,-24 3 0,1 2 0,0 1 0,-38 13 0,56-16 0,0 0 0,0 0 0,0 0 0,0 1 0,1 0 0,0 0 0,-1 0 0,1 0 0,1 1 0,-1 0 0,1 0 0,-1 1 0,2-1 0,-1 1 0,0 0 0,1 0 0,0 0 0,-2 7 0,-1 8 0,1 0 0,1 0 0,1 0 0,-1 26 0,5 88 0,0-87 0,0-42 0,-1 1 0,1 0 0,0 0 0,0-1 0,1 1 0,0-1 0,0 1 0,0-1 0,1 0 0,0 1 0,1-2 0,-1 1 0,1 0 0,0-1 0,6 7 0,-1-3 0,1 0 0,0-1 0,1-1 0,-1 1 0,2-2 0,-1 1 0,13 4 0,0-2 0,0 0 0,0-2 0,0-1 0,1 0 0,0-2 0,29 1 0,157-6 0,-86-3 0,48 15 0,-168-10 0,-1-1 0,0 0 0,0 0 0,1 0 0,-1 0 0,0-1 0,0 1 0,0-1 0,7-2 0,-9 2 0,-1 0 0,0 0 0,1 1 0,-1-1 0,0 0 0,0 0 0,1 0 0,-1 0 0,0-1 0,0 1 0,0 0 0,0 0 0,0-1 0,-1 1 0,1 0 0,0-1 0,-1 1 0,1-1 0,-1 1 0,1-1 0,-1 1 0,0-1 0,1 1 0,-1-1 0,0 1 0,0-1 0,0 0 0,-1-2 0,-1-10 0,-1 0 0,0 0 0,-1 0 0,-10-24 0,-3-10 0,20 53 0,1 1 0,0-1 0,1 1 0,0-1 0,0 0 0,8 6 0,5 6 0,0 0 0,15 20 0,-30-33 0,1 1 0,-1-1 0,0 1 0,0 0 0,0 0 0,-1 1 0,1-1 0,-2 0 0,1 1 0,0 0 0,-1-1 0,0 1 0,0 0 0,-1 8 0,-1-9 6,0 0 1,0 1-1,-1-1 0,0 0 0,0 0 0,-1 0 1,1-1-1,-1 1 0,0 0 0,0-1 0,-1 0 1,1 0-1,-1 0 0,-8 7 0,-8 6-414,-39 24-1,46-32-232,-24 15-6185</inkml:trace>
+  <inkml:trace contextRef="#ctx0" brushRef="#br0">1 0 24575,'0'7'0,"1"-1"0,0 1 0,0-1 0,1 0 0,-1 1 0,1-1 0,1 0 0,-1 0 0,7 9 0,36 51 0,-19-31 0,-7-8 0,-10-15 0,-1-1 0,0 2 0,6 13 0,-12-20 0,0 0 0,0 0 0,0 1 0,-1-1 0,0 0 0,0 0 0,-1 1 0,0-1 0,0 0 0,-1 9 0,-2 2-114,-2 0 1,0-1-1,0 1 0,-2-1 0,0 0 1,0-1-1,-2 0 0,0 0 0,0 0 1,-2-1-1,-14 16 0,1-3-6712</inkml:trace>
 </inkml:ink>
 </file>
 
@@ -629,7 +997,7 @@
           <a:p>
             <a:fld id="{A4B6CF09-4858-460D-8A47-505BBC133714}" type="datetimeFigureOut">
               <a:rPr lang="en-US" smtClean="0"/>
-              <a:t>5/26/2025</a:t>
+              <a:t>6/5/2025</a:t>
             </a:fld>
             <a:endParaRPr lang="en-US"/>
           </a:p>
@@ -827,7 +1195,7 @@
           <a:p>
             <a:fld id="{A4B6CF09-4858-460D-8A47-505BBC133714}" type="datetimeFigureOut">
               <a:rPr lang="en-US" smtClean="0"/>
-              <a:t>5/26/2025</a:t>
+              <a:t>6/5/2025</a:t>
             </a:fld>
             <a:endParaRPr lang="en-US"/>
           </a:p>
@@ -1035,7 +1403,7 @@
           <a:p>
             <a:fld id="{A4B6CF09-4858-460D-8A47-505BBC133714}" type="datetimeFigureOut">
               <a:rPr lang="en-US" smtClean="0"/>
-              <a:t>5/26/2025</a:t>
+              <a:t>6/5/2025</a:t>
             </a:fld>
             <a:endParaRPr lang="en-US"/>
           </a:p>
@@ -1233,7 +1601,7 @@
           <a:p>
             <a:fld id="{A4B6CF09-4858-460D-8A47-505BBC133714}" type="datetimeFigureOut">
               <a:rPr lang="en-US" smtClean="0"/>
-              <a:t>5/26/2025</a:t>
+              <a:t>6/5/2025</a:t>
             </a:fld>
             <a:endParaRPr lang="en-US"/>
           </a:p>
@@ -1508,7 +1876,7 @@
           <a:p>
             <a:fld id="{A4B6CF09-4858-460D-8A47-505BBC133714}" type="datetimeFigureOut">
               <a:rPr lang="en-US" smtClean="0"/>
-              <a:t>5/26/2025</a:t>
+              <a:t>6/5/2025</a:t>
             </a:fld>
             <a:endParaRPr lang="en-US"/>
           </a:p>
@@ -1773,7 +2141,7 @@
           <a:p>
             <a:fld id="{A4B6CF09-4858-460D-8A47-505BBC133714}" type="datetimeFigureOut">
               <a:rPr lang="en-US" smtClean="0"/>
-              <a:t>5/26/2025</a:t>
+              <a:t>6/5/2025</a:t>
             </a:fld>
             <a:endParaRPr lang="en-US"/>
           </a:p>
@@ -2185,7 +2553,7 @@
           <a:p>
             <a:fld id="{A4B6CF09-4858-460D-8A47-505BBC133714}" type="datetimeFigureOut">
               <a:rPr lang="en-US" smtClean="0"/>
-              <a:t>5/26/2025</a:t>
+              <a:t>6/5/2025</a:t>
             </a:fld>
             <a:endParaRPr lang="en-US"/>
           </a:p>
@@ -2326,7 +2694,7 @@
           <a:p>
             <a:fld id="{A4B6CF09-4858-460D-8A47-505BBC133714}" type="datetimeFigureOut">
               <a:rPr lang="en-US" smtClean="0"/>
-              <a:t>5/26/2025</a:t>
+              <a:t>6/5/2025</a:t>
             </a:fld>
             <a:endParaRPr lang="en-US"/>
           </a:p>
@@ -2439,7 +2807,7 @@
           <a:p>
             <a:fld id="{A4B6CF09-4858-460D-8A47-505BBC133714}" type="datetimeFigureOut">
               <a:rPr lang="en-US" smtClean="0"/>
-              <a:t>5/26/2025</a:t>
+              <a:t>6/5/2025</a:t>
             </a:fld>
             <a:endParaRPr lang="en-US"/>
           </a:p>
@@ -2750,7 +3118,7 @@
           <a:p>
             <a:fld id="{A4B6CF09-4858-460D-8A47-505BBC133714}" type="datetimeFigureOut">
               <a:rPr lang="en-US" smtClean="0"/>
-              <a:t>5/26/2025</a:t>
+              <a:t>6/5/2025</a:t>
             </a:fld>
             <a:endParaRPr lang="en-US"/>
           </a:p>
@@ -3038,7 +3406,7 @@
           <a:p>
             <a:fld id="{A4B6CF09-4858-460D-8A47-505BBC133714}" type="datetimeFigureOut">
               <a:rPr lang="en-US" smtClean="0"/>
-              <a:t>5/26/2025</a:t>
+              <a:t>6/5/2025</a:t>
             </a:fld>
             <a:endParaRPr lang="en-US"/>
           </a:p>
@@ -3279,7 +3647,7 @@
           <a:p>
             <a:fld id="{A4B6CF09-4858-460D-8A47-505BBC133714}" type="datetimeFigureOut">
               <a:rPr lang="en-US" smtClean="0"/>
-              <a:t>5/26/2025</a:t>
+              <a:t>6/5/2025</a:t>
             </a:fld>
             <a:endParaRPr lang="en-US"/>
           </a:p>
@@ -3826,46 +4194,51 @@
             <p:ph idx="1"/>
           </p:nvPr>
         </p:nvSpPr>
-        <p:spPr/>
+        <p:spPr>
+          <a:xfrm>
+            <a:off x="452284" y="1825625"/>
+            <a:ext cx="10901516" cy="4351338"/>
+          </a:xfrm>
+        </p:spPr>
         <p:txBody>
           <a:bodyPr>
-            <a:normAutofit lnSpcReduction="10000"/>
+            <a:normAutofit/>
           </a:bodyPr>
           <a:lstStyle/>
           <a:p>
             <a:r>
               <a:rPr lang="en-US" dirty="0"/>
-              <a:t>You can share your source code and have people run it themselves</a:t>
+              <a:t>Can share your source code (forces people to compile/run)</a:t>
             </a:r>
           </a:p>
           <a:p>
             <a:r>
               <a:rPr lang="en-US" dirty="0"/>
-              <a:t>Often people want to just RUN your program</a:t>
+              <a:t>Easier to share a RUNNABLE file</a:t>
             </a:r>
           </a:p>
           <a:p>
             <a:r>
               <a:rPr lang="en-US" dirty="0"/>
-              <a:t>You can export your Eclipse project to share as a standalone file</a:t>
+              <a:t>You can EXPORT your Eclipse project as a Runnable file</a:t>
             </a:r>
           </a:p>
           <a:p>
             <a:r>
               <a:rPr lang="en-US" dirty="0"/>
-              <a:t>Java has executables called JARs that can be run from anywhere that supports Java</a:t>
+              <a:t>Java uses JARs that can be run from anywhere with Java support</a:t>
             </a:r>
           </a:p>
           <a:p>
             <a:r>
               <a:rPr lang="en-US" dirty="0"/>
-              <a:t>Your code runs on a Virtual Machine that is translated to whatever hardware the host machine is running</a:t>
+              <a:t>Code runs on a Virtual Machine that is translated to whatever hardware the host machine is running</a:t>
             </a:r>
           </a:p>
           <a:p>
             <a:r>
               <a:rPr lang="en-US" dirty="0"/>
-              <a:t>Running your code easily on many platforms is called Portability and is one great feature of Java</a:t>
+              <a:t>Portability (write once run everywhere) is one great features of Java</a:t>
             </a:r>
           </a:p>
         </p:txBody>
@@ -3985,10 +4358,10 @@
       </p:sp>
       <p:pic>
         <p:nvPicPr>
-          <p:cNvPr id="5" name="Picture 4">
-            <a:extLst>
-              <a:ext uri="{FF2B5EF4-FFF2-40B4-BE49-F238E27FC236}">
-                <a16:creationId xmlns:a16="http://schemas.microsoft.com/office/drawing/2014/main" id="{FBFE6E5A-1589-0D4E-9051-0768BFE1A1BB}"/>
+          <p:cNvPr id="7" name="Picture 6">
+            <a:extLst>
+              <a:ext uri="{FF2B5EF4-FFF2-40B4-BE49-F238E27FC236}">
+                <a16:creationId xmlns:a16="http://schemas.microsoft.com/office/drawing/2014/main" id="{D76ADF6D-4C0F-7884-1475-E2EC7C888013}"/>
               </a:ext>
             </a:extLst>
           </p:cNvPr>
@@ -3999,36 +4372,6 @@
         </p:nvPicPr>
         <p:blipFill>
           <a:blip r:embed="rId2"/>
-          <a:stretch>
-            <a:fillRect/>
-          </a:stretch>
-        </p:blipFill>
-        <p:spPr>
-          <a:xfrm>
-            <a:off x="442883" y="1690688"/>
-            <a:ext cx="4077269" cy="3896269"/>
-          </a:xfrm>
-          <a:prstGeom prst="rect">
-            <a:avLst/>
-          </a:prstGeom>
-        </p:spPr>
-      </p:pic>
-      <p:pic>
-        <p:nvPicPr>
-          <p:cNvPr id="7" name="Picture 6">
-            <a:extLst>
-              <a:ext uri="{FF2B5EF4-FFF2-40B4-BE49-F238E27FC236}">
-                <a16:creationId xmlns:a16="http://schemas.microsoft.com/office/drawing/2014/main" id="{D76ADF6D-4C0F-7884-1475-E2EC7C888013}"/>
-              </a:ext>
-            </a:extLst>
-          </p:cNvPr>
-          <p:cNvPicPr>
-            <a:picLocks noChangeAspect="1"/>
-          </p:cNvPicPr>
-          <p:nvPr/>
-        </p:nvPicPr>
-        <p:blipFill>
-          <a:blip r:embed="rId3"/>
           <a:stretch>
             <a:fillRect/>
           </a:stretch>
@@ -4043,6 +4386,189 @@
           </a:prstGeom>
         </p:spPr>
       </p:pic>
+      <p:pic>
+        <p:nvPicPr>
+          <p:cNvPr id="6" name="Picture 5">
+            <a:extLst>
+              <a:ext uri="{FF2B5EF4-FFF2-40B4-BE49-F238E27FC236}">
+                <a16:creationId xmlns:a16="http://schemas.microsoft.com/office/drawing/2014/main" id="{7D0D5F8E-0385-D515-C65D-64D07B19BD55}"/>
+              </a:ext>
+            </a:extLst>
+          </p:cNvPr>
+          <p:cNvPicPr>
+            <a:picLocks noChangeAspect="1"/>
+          </p:cNvPicPr>
+          <p:nvPr/>
+        </p:nvPicPr>
+        <p:blipFill>
+          <a:blip r:embed="rId3"/>
+          <a:stretch>
+            <a:fillRect/>
+          </a:stretch>
+        </p:blipFill>
+        <p:spPr>
+          <a:xfrm>
+            <a:off x="730260" y="1690688"/>
+            <a:ext cx="3600953" cy="3762900"/>
+          </a:xfrm>
+          <a:prstGeom prst="rect">
+            <a:avLst/>
+          </a:prstGeom>
+        </p:spPr>
+      </p:pic>
+      <mc:AlternateContent xmlns:mc="http://schemas.openxmlformats.org/markup-compatibility/2006">
+        <mc:Choice xmlns:p14="http://schemas.microsoft.com/office/powerpoint/2010/main" Requires="p14">
+          <p:contentPart p14:bwMode="auto" r:id="rId4">
+            <p14:nvContentPartPr>
+              <p14:cNvPr id="9" name="Ink 8">
+                <a:extLst>
+                  <a:ext uri="{FF2B5EF4-FFF2-40B4-BE49-F238E27FC236}">
+                    <a16:creationId xmlns:a16="http://schemas.microsoft.com/office/drawing/2014/main" id="{9D233E34-C029-90F0-9DCA-074C7FD536D3}"/>
+                  </a:ext>
+                </a:extLst>
+              </p14:cNvPr>
+              <p14:cNvContentPartPr/>
+              <p14:nvPr/>
+            </p14:nvContentPartPr>
+            <p14:xfrm>
+              <a:off x="2241337" y="4916028"/>
+              <a:ext cx="453600" cy="720"/>
+            </p14:xfrm>
+          </p:contentPart>
+        </mc:Choice>
+        <mc:Fallback>
+          <p:pic>
+            <p:nvPicPr>
+              <p:cNvPr id="9" name="Ink 8">
+                <a:extLst>
+                  <a:ext uri="{FF2B5EF4-FFF2-40B4-BE49-F238E27FC236}">
+                    <a16:creationId xmlns:a16="http://schemas.microsoft.com/office/drawing/2014/main" id="{9D233E34-C029-90F0-9DCA-074C7FD536D3}"/>
+                  </a:ext>
+                </a:extLst>
+              </p:cNvPr>
+              <p:cNvPicPr/>
+              <p:nvPr/>
+            </p:nvPicPr>
+            <p:blipFill>
+              <a:blip r:embed="rId5"/>
+              <a:stretch>
+                <a:fillRect/>
+              </a:stretch>
+            </p:blipFill>
+            <p:spPr>
+              <a:xfrm>
+                <a:off x="2223337" y="4880028"/>
+                <a:ext cx="489240" cy="72000"/>
+              </a:xfrm>
+              <a:prstGeom prst="rect">
+                <a:avLst/>
+              </a:prstGeom>
+            </p:spPr>
+          </p:pic>
+        </mc:Fallback>
+      </mc:AlternateContent>
+      <mc:AlternateContent xmlns:mc="http://schemas.openxmlformats.org/markup-compatibility/2006">
+        <mc:Choice xmlns:p14="http://schemas.microsoft.com/office/powerpoint/2010/main" Requires="p14">
+          <p:contentPart p14:bwMode="auto" r:id="rId6">
+            <p14:nvContentPartPr>
+              <p14:cNvPr id="10" name="Ink 9">
+                <a:extLst>
+                  <a:ext uri="{FF2B5EF4-FFF2-40B4-BE49-F238E27FC236}">
+                    <a16:creationId xmlns:a16="http://schemas.microsoft.com/office/drawing/2014/main" id="{75109245-B0CA-56BB-1E95-7636B650DA0F}"/>
+                  </a:ext>
+                </a:extLst>
+              </p14:cNvPr>
+              <p14:cNvContentPartPr/>
+              <p14:nvPr/>
+            </p14:nvContentPartPr>
+            <p14:xfrm>
+              <a:off x="2617537" y="4798308"/>
+              <a:ext cx="93240" cy="258480"/>
+            </p14:xfrm>
+          </p:contentPart>
+        </mc:Choice>
+        <mc:Fallback>
+          <p:pic>
+            <p:nvPicPr>
+              <p:cNvPr id="10" name="Ink 9">
+                <a:extLst>
+                  <a:ext uri="{FF2B5EF4-FFF2-40B4-BE49-F238E27FC236}">
+                    <a16:creationId xmlns:a16="http://schemas.microsoft.com/office/drawing/2014/main" id="{75109245-B0CA-56BB-1E95-7636B650DA0F}"/>
+                  </a:ext>
+                </a:extLst>
+              </p:cNvPr>
+              <p:cNvPicPr/>
+              <p:nvPr/>
+            </p:nvPicPr>
+            <p:blipFill>
+              <a:blip r:embed="rId7"/>
+              <a:stretch>
+                <a:fillRect/>
+              </a:stretch>
+            </p:blipFill>
+            <p:spPr>
+              <a:xfrm>
+                <a:off x="2599537" y="4780308"/>
+                <a:ext cx="128880" cy="294120"/>
+              </a:xfrm>
+              <a:prstGeom prst="rect">
+                <a:avLst/>
+              </a:prstGeom>
+            </p:spPr>
+          </p:pic>
+        </mc:Fallback>
+      </mc:AlternateContent>
+      <mc:AlternateContent xmlns:mc="http://schemas.openxmlformats.org/markup-compatibility/2006">
+        <mc:Choice xmlns:p14="http://schemas.microsoft.com/office/powerpoint/2010/main" Requires="p14">
+          <p:contentPart p14:bwMode="auto" r:id="rId8">
+            <p14:nvContentPartPr>
+              <p14:cNvPr id="16" name="Ink 15">
+                <a:extLst>
+                  <a:ext uri="{FF2B5EF4-FFF2-40B4-BE49-F238E27FC236}">
+                    <a16:creationId xmlns:a16="http://schemas.microsoft.com/office/drawing/2014/main" id="{0A68E209-B903-78BB-93B7-BEDE3CDD07AF}"/>
+                  </a:ext>
+                </a:extLst>
+              </p14:cNvPr>
+              <p14:cNvContentPartPr/>
+              <p14:nvPr/>
+            </p14:nvContentPartPr>
+            <p14:xfrm>
+              <a:off x="5692657" y="4762308"/>
+              <a:ext cx="472680" cy="91080"/>
+            </p14:xfrm>
+          </p:contentPart>
+        </mc:Choice>
+        <mc:Fallback>
+          <p:pic>
+            <p:nvPicPr>
+              <p:cNvPr id="16" name="Ink 15">
+                <a:extLst>
+                  <a:ext uri="{FF2B5EF4-FFF2-40B4-BE49-F238E27FC236}">
+                    <a16:creationId xmlns:a16="http://schemas.microsoft.com/office/drawing/2014/main" id="{0A68E209-B903-78BB-93B7-BEDE3CDD07AF}"/>
+                  </a:ext>
+                </a:extLst>
+              </p:cNvPr>
+              <p:cNvPicPr/>
+              <p:nvPr/>
+            </p:nvPicPr>
+            <p:blipFill>
+              <a:blip r:embed="rId9"/>
+              <a:stretch>
+                <a:fillRect/>
+              </a:stretch>
+            </p:blipFill>
+            <p:spPr>
+              <a:xfrm>
+                <a:off x="5674657" y="4744308"/>
+                <a:ext cx="508320" cy="126720"/>
+              </a:xfrm>
+              <a:prstGeom prst="rect">
+                <a:avLst/>
+              </a:prstGeom>
+            </p:spPr>
+          </p:pic>
+        </mc:Fallback>
+      </mc:AlternateContent>
     </p:spTree>
     <p:extLst>
       <p:ext uri="{BB962C8B-B14F-4D97-AF65-F5344CB8AC3E}">
@@ -4091,7 +4617,7 @@
         </p:nvSpPr>
         <p:spPr>
           <a:xfrm>
-            <a:off x="213028" y="1619847"/>
+            <a:off x="246349" y="2809550"/>
             <a:ext cx="4196024" cy="2200589"/>
           </a:xfrm>
         </p:spPr>
@@ -4128,10 +4654,10 @@
       </p:sp>
       <p:pic>
         <p:nvPicPr>
-          <p:cNvPr id="5" name="Picture 4">
-            <a:extLst>
-              <a:ext uri="{FF2B5EF4-FFF2-40B4-BE49-F238E27FC236}">
-                <a16:creationId xmlns:a16="http://schemas.microsoft.com/office/drawing/2014/main" id="{4936F1B8-BFDF-8D9B-6850-596420048FAF}"/>
+          <p:cNvPr id="6" name="Picture 5">
+            <a:extLst>
+              <a:ext uri="{FF2B5EF4-FFF2-40B4-BE49-F238E27FC236}">
+                <a16:creationId xmlns:a16="http://schemas.microsoft.com/office/drawing/2014/main" id="{4FE040E6-1FFD-6224-1A92-38D49C41F4E2}"/>
               </a:ext>
             </a:extLst>
           </p:cNvPr>
@@ -4148,8 +4674,8 @@
         </p:blipFill>
         <p:spPr>
           <a:xfrm>
-            <a:off x="4815172" y="53076"/>
-            <a:ext cx="7163800" cy="6439799"/>
+            <a:off x="342473" y="5102449"/>
+            <a:ext cx="4003776" cy="1406261"/>
           </a:xfrm>
           <a:prstGeom prst="rect">
             <a:avLst/>
@@ -4158,10 +4684,10 @@
       </p:pic>
       <p:pic>
         <p:nvPicPr>
-          <p:cNvPr id="7" name="Picture 6">
-            <a:extLst>
-              <a:ext uri="{FF2B5EF4-FFF2-40B4-BE49-F238E27FC236}">
-                <a16:creationId xmlns:a16="http://schemas.microsoft.com/office/drawing/2014/main" id="{7A09A2DC-9F21-05E0-7A52-6F7BE1F6F3EF}"/>
+          <p:cNvPr id="9" name="Picture 8">
+            <a:extLst>
+              <a:ext uri="{FF2B5EF4-FFF2-40B4-BE49-F238E27FC236}">
+                <a16:creationId xmlns:a16="http://schemas.microsoft.com/office/drawing/2014/main" id="{1C52CFD3-AEE4-BC9F-696D-B60E7FF5740B}"/>
               </a:ext>
             </a:extLst>
           </p:cNvPr>
@@ -4178,8 +4704,8 @@
         </p:blipFill>
         <p:spPr>
           <a:xfrm>
-            <a:off x="213028" y="4184687"/>
-            <a:ext cx="4276411" cy="2308188"/>
+            <a:off x="134370" y="181471"/>
+            <a:ext cx="4899746" cy="1945593"/>
           </a:xfrm>
           <a:prstGeom prst="rect">
             <a:avLst/>
@@ -4188,10 +4714,10 @@
       </p:pic>
       <p:pic>
         <p:nvPicPr>
-          <p:cNvPr id="2" name="Picture 1">
-            <a:extLst>
-              <a:ext uri="{FF2B5EF4-FFF2-40B4-BE49-F238E27FC236}">
-                <a16:creationId xmlns:a16="http://schemas.microsoft.com/office/drawing/2014/main" id="{39F26D0F-04AA-AF6E-19D0-C54001F6EBE7}"/>
+          <p:cNvPr id="11" name="Picture 10">
+            <a:extLst>
+              <a:ext uri="{FF2B5EF4-FFF2-40B4-BE49-F238E27FC236}">
+                <a16:creationId xmlns:a16="http://schemas.microsoft.com/office/drawing/2014/main" id="{0D5D6E36-49EF-95A9-8426-FB72D754F5F3}"/>
               </a:ext>
             </a:extLst>
           </p:cNvPr>
@@ -4208,8 +4734,8 @@
         </p:blipFill>
         <p:spPr>
           <a:xfrm>
-            <a:off x="86577" y="181471"/>
-            <a:ext cx="4515568" cy="1074126"/>
+            <a:off x="6569549" y="181471"/>
+            <a:ext cx="5409423" cy="6327239"/>
           </a:xfrm>
           <a:prstGeom prst="rect">
             <a:avLst/>
@@ -4251,7 +4777,7 @@
           <p:cNvPr id="2" name="Title 1">
             <a:extLst>
               <a:ext uri="{FF2B5EF4-FFF2-40B4-BE49-F238E27FC236}">
-                <a16:creationId xmlns:a16="http://schemas.microsoft.com/office/drawing/2014/main" id="{77888A2A-9B10-8F7F-3155-166BDD3125AC}"/>
+                <a16:creationId xmlns:a16="http://schemas.microsoft.com/office/drawing/2014/main" id="{043EF21D-D02B-FDA6-A555-F9BAC0CBB4EC}"/>
               </a:ext>
             </a:extLst>
           </p:cNvPr>
@@ -4262,61 +4788,20 @@
             <p:ph type="title"/>
           </p:nvPr>
         </p:nvSpPr>
-        <p:spPr/>
+        <p:spPr>
+          <a:xfrm>
+            <a:off x="3955584" y="360089"/>
+            <a:ext cx="8000999" cy="1325563"/>
+          </a:xfrm>
+        </p:spPr>
         <p:txBody>
           <a:bodyPr/>
           <a:lstStyle/>
           <a:p>
             <a:r>
               <a:rPr lang="en-US" dirty="0"/>
-              <a:t>Gotchas</a:t>
-            </a:r>
-          </a:p>
-        </p:txBody>
-      </p:sp>
-      <p:sp>
-        <p:nvSpPr>
-          <p:cNvPr id="3" name="Content Placeholder 2">
-            <a:extLst>
-              <a:ext uri="{FF2B5EF4-FFF2-40B4-BE49-F238E27FC236}">
-                <a16:creationId xmlns:a16="http://schemas.microsoft.com/office/drawing/2014/main" id="{096CBE70-9170-EB2A-2F34-CD9EBCFF760D}"/>
-              </a:ext>
-            </a:extLst>
-          </p:cNvPr>
-          <p:cNvSpPr>
-            <a:spLocks noGrp="1"/>
-          </p:cNvSpPr>
-          <p:nvPr>
-            <p:ph idx="1"/>
-          </p:nvPr>
-        </p:nvSpPr>
-        <p:spPr/>
-        <p:txBody>
-          <a:bodyPr/>
-          <a:lstStyle/>
-          <a:p>
-            <a:r>
-              <a:rPr lang="en-US" dirty="0"/>
-              <a:t>Watch out for local file paths</a:t>
-            </a:r>
-          </a:p>
-          <a:p>
-            <a:r>
-              <a:rPr lang="en-US" dirty="0"/>
-              <a:t>Make sure that you use relative paths (/XYZ… )</a:t>
-            </a:r>
-          </a:p>
-          <a:p>
-            <a:r>
-              <a:rPr lang="en-US" dirty="0"/>
-              <a:t>Using absolute paths (“C:/Users/yoder1/…”) will not work on other machines!</a:t>
-            </a:r>
-          </a:p>
-          <a:p>
-            <a:endParaRPr lang="en-US" dirty="0"/>
-          </a:p>
-          <a:p>
-            <a:endParaRPr lang="en-US" dirty="0"/>
+              <a:t>Example In Starter Repo</a:t>
+            </a:r>
           </a:p>
         </p:txBody>
       </p:sp>
@@ -4325,7 +4810,7 @@
           <p:cNvPr id="7" name="Picture 6">
             <a:extLst>
               <a:ext uri="{FF2B5EF4-FFF2-40B4-BE49-F238E27FC236}">
-                <a16:creationId xmlns:a16="http://schemas.microsoft.com/office/drawing/2014/main" id="{DAD8BCB4-137E-3F6B-AB3D-A04764329FD3}"/>
+                <a16:creationId xmlns:a16="http://schemas.microsoft.com/office/drawing/2014/main" id="{43EC2AAC-A632-C818-42B1-0954BFCEFBC1}"/>
               </a:ext>
             </a:extLst>
           </p:cNvPr>
@@ -4342,18 +4827,558 @@
         </p:blipFill>
         <p:spPr>
           <a:xfrm>
-            <a:off x="978877" y="4863898"/>
-            <a:ext cx="6087325" cy="1448002"/>
+            <a:off x="24882" y="0"/>
+            <a:ext cx="3667637" cy="3715268"/>
           </a:xfrm>
           <a:prstGeom prst="rect">
             <a:avLst/>
           </a:prstGeom>
         </p:spPr>
       </p:pic>
+      <p:pic>
+        <p:nvPicPr>
+          <p:cNvPr id="5" name="Picture 4">
+            <a:extLst>
+              <a:ext uri="{FF2B5EF4-FFF2-40B4-BE49-F238E27FC236}">
+                <a16:creationId xmlns:a16="http://schemas.microsoft.com/office/drawing/2014/main" id="{2565DC20-50BF-A6ED-F47E-9D6CD05B2120}"/>
+              </a:ext>
+            </a:extLst>
+          </p:cNvPr>
+          <p:cNvPicPr>
+            <a:picLocks noChangeAspect="1"/>
+          </p:cNvPicPr>
+          <p:nvPr/>
+        </p:nvPicPr>
+        <p:blipFill>
+          <a:blip r:embed="rId3"/>
+          <a:stretch>
+            <a:fillRect/>
+          </a:stretch>
+        </p:blipFill>
+        <p:spPr>
+          <a:xfrm>
+            <a:off x="2478841" y="2580678"/>
+            <a:ext cx="9688277" cy="4277322"/>
+          </a:xfrm>
+          <a:prstGeom prst="rect">
+            <a:avLst/>
+          </a:prstGeom>
+        </p:spPr>
+      </p:pic>
+      <mc:AlternateContent xmlns:mc="http://schemas.openxmlformats.org/markup-compatibility/2006">
+        <mc:Choice xmlns:p14="http://schemas.microsoft.com/office/powerpoint/2010/main" Requires="p14">
+          <p:contentPart p14:bwMode="auto" r:id="rId4">
+            <p14:nvContentPartPr>
+              <p14:cNvPr id="9" name="Ink 8">
+                <a:extLst>
+                  <a:ext uri="{FF2B5EF4-FFF2-40B4-BE49-F238E27FC236}">
+                    <a16:creationId xmlns:a16="http://schemas.microsoft.com/office/drawing/2014/main" id="{A3DD0068-80FB-44E9-D12F-630CE0E236B2}"/>
+                  </a:ext>
+                </a:extLst>
+              </p14:cNvPr>
+              <p14:cNvContentPartPr/>
+              <p14:nvPr/>
+            </p14:nvContentPartPr>
+            <p14:xfrm>
+              <a:off x="235417" y="1228908"/>
+              <a:ext cx="482760" cy="720"/>
+            </p14:xfrm>
+          </p:contentPart>
+        </mc:Choice>
+        <mc:Fallback>
+          <p:pic>
+            <p:nvPicPr>
+              <p:cNvPr id="9" name="Ink 8">
+                <a:extLst>
+                  <a:ext uri="{FF2B5EF4-FFF2-40B4-BE49-F238E27FC236}">
+                    <a16:creationId xmlns:a16="http://schemas.microsoft.com/office/drawing/2014/main" id="{A3DD0068-80FB-44E9-D12F-630CE0E236B2}"/>
+                  </a:ext>
+                </a:extLst>
+              </p:cNvPr>
+              <p:cNvPicPr/>
+              <p:nvPr/>
+            </p:nvPicPr>
+            <p:blipFill>
+              <a:blip r:embed="rId5"/>
+              <a:stretch>
+                <a:fillRect/>
+              </a:stretch>
+            </p:blipFill>
+            <p:spPr>
+              <a:xfrm>
+                <a:off x="217777" y="1192908"/>
+                <a:ext cx="518400" cy="72000"/>
+              </a:xfrm>
+              <a:prstGeom prst="rect">
+                <a:avLst/>
+              </a:prstGeom>
+            </p:spPr>
+          </p:pic>
+        </mc:Fallback>
+      </mc:AlternateContent>
+      <mc:AlternateContent xmlns:mc="http://schemas.openxmlformats.org/markup-compatibility/2006">
+        <mc:Choice xmlns:p14="http://schemas.microsoft.com/office/powerpoint/2010/main" Requires="p14">
+          <p:contentPart p14:bwMode="auto" r:id="rId6">
+            <p14:nvContentPartPr>
+              <p14:cNvPr id="10" name="Ink 9">
+                <a:extLst>
+                  <a:ext uri="{FF2B5EF4-FFF2-40B4-BE49-F238E27FC236}">
+                    <a16:creationId xmlns:a16="http://schemas.microsoft.com/office/drawing/2014/main" id="{C3A3BD6F-CE89-1BE5-D642-44001B535736}"/>
+                  </a:ext>
+                </a:extLst>
+              </p14:cNvPr>
+              <p14:cNvContentPartPr/>
+              <p14:nvPr/>
+            </p14:nvContentPartPr>
+            <p14:xfrm>
+              <a:off x="664897" y="1120548"/>
+              <a:ext cx="74160" cy="275040"/>
+            </p14:xfrm>
+          </p:contentPart>
+        </mc:Choice>
+        <mc:Fallback>
+          <p:pic>
+            <p:nvPicPr>
+              <p:cNvPr id="10" name="Ink 9">
+                <a:extLst>
+                  <a:ext uri="{FF2B5EF4-FFF2-40B4-BE49-F238E27FC236}">
+                    <a16:creationId xmlns:a16="http://schemas.microsoft.com/office/drawing/2014/main" id="{C3A3BD6F-CE89-1BE5-D642-44001B535736}"/>
+                  </a:ext>
+                </a:extLst>
+              </p:cNvPr>
+              <p:cNvPicPr/>
+              <p:nvPr/>
+            </p:nvPicPr>
+            <p:blipFill>
+              <a:blip r:embed="rId7"/>
+              <a:stretch>
+                <a:fillRect/>
+              </a:stretch>
+            </p:blipFill>
+            <p:spPr>
+              <a:xfrm>
+                <a:off x="647257" y="1102908"/>
+                <a:ext cx="109800" cy="310680"/>
+              </a:xfrm>
+              <a:prstGeom prst="rect">
+                <a:avLst/>
+              </a:prstGeom>
+            </p:spPr>
+          </p:pic>
+        </mc:Fallback>
+      </mc:AlternateContent>
+      <mc:AlternateContent xmlns:mc="http://schemas.openxmlformats.org/markup-compatibility/2006">
+        <mc:Choice xmlns:p14="http://schemas.microsoft.com/office/powerpoint/2010/main" Requires="p14">
+          <p:contentPart p14:bwMode="auto" r:id="rId8">
+            <p14:nvContentPartPr>
+              <p14:cNvPr id="12" name="Ink 11">
+                <a:extLst>
+                  <a:ext uri="{FF2B5EF4-FFF2-40B4-BE49-F238E27FC236}">
+                    <a16:creationId xmlns:a16="http://schemas.microsoft.com/office/drawing/2014/main" id="{9CEE1FF0-2295-C5DF-8A7B-C7CBD840EA6D}"/>
+                  </a:ext>
+                </a:extLst>
+              </p14:cNvPr>
+              <p14:cNvContentPartPr/>
+              <p14:nvPr/>
+            </p14:nvContentPartPr>
+            <p14:xfrm>
+              <a:off x="265297" y="2320428"/>
+              <a:ext cx="295560" cy="720"/>
+            </p14:xfrm>
+          </p:contentPart>
+        </mc:Choice>
+        <mc:Fallback>
+          <p:pic>
+            <p:nvPicPr>
+              <p:cNvPr id="12" name="Ink 11">
+                <a:extLst>
+                  <a:ext uri="{FF2B5EF4-FFF2-40B4-BE49-F238E27FC236}">
+                    <a16:creationId xmlns:a16="http://schemas.microsoft.com/office/drawing/2014/main" id="{9CEE1FF0-2295-C5DF-8A7B-C7CBD840EA6D}"/>
+                  </a:ext>
+                </a:extLst>
+              </p:cNvPr>
+              <p:cNvPicPr/>
+              <p:nvPr/>
+            </p:nvPicPr>
+            <p:blipFill>
+              <a:blip r:embed="rId9"/>
+              <a:stretch>
+                <a:fillRect/>
+              </a:stretch>
+            </p:blipFill>
+            <p:spPr>
+              <a:xfrm>
+                <a:off x="247297" y="2284428"/>
+                <a:ext cx="331200" cy="72000"/>
+              </a:xfrm>
+              <a:prstGeom prst="rect">
+                <a:avLst/>
+              </a:prstGeom>
+            </p:spPr>
+          </p:pic>
+        </mc:Fallback>
+      </mc:AlternateContent>
+      <mc:AlternateContent xmlns:mc="http://schemas.openxmlformats.org/markup-compatibility/2006">
+        <mc:Choice xmlns:p14="http://schemas.microsoft.com/office/powerpoint/2010/main" Requires="p14">
+          <p:contentPart p14:bwMode="auto" r:id="rId10">
+            <p14:nvContentPartPr>
+              <p14:cNvPr id="13" name="Ink 12">
+                <a:extLst>
+                  <a:ext uri="{FF2B5EF4-FFF2-40B4-BE49-F238E27FC236}">
+                    <a16:creationId xmlns:a16="http://schemas.microsoft.com/office/drawing/2014/main" id="{30B26AEC-BB11-307B-55C0-71B5BE1CBE84}"/>
+                  </a:ext>
+                </a:extLst>
+              </p14:cNvPr>
+              <p14:cNvContentPartPr/>
+              <p14:nvPr/>
+            </p14:nvContentPartPr>
+            <p14:xfrm>
+              <a:off x="489217" y="2202348"/>
+              <a:ext cx="101160" cy="236880"/>
+            </p14:xfrm>
+          </p:contentPart>
+        </mc:Choice>
+        <mc:Fallback>
+          <p:pic>
+            <p:nvPicPr>
+              <p:cNvPr id="13" name="Ink 12">
+                <a:extLst>
+                  <a:ext uri="{FF2B5EF4-FFF2-40B4-BE49-F238E27FC236}">
+                    <a16:creationId xmlns:a16="http://schemas.microsoft.com/office/drawing/2014/main" id="{30B26AEC-BB11-307B-55C0-71B5BE1CBE84}"/>
+                  </a:ext>
+                </a:extLst>
+              </p:cNvPr>
+              <p:cNvPicPr/>
+              <p:nvPr/>
+            </p:nvPicPr>
+            <p:blipFill>
+              <a:blip r:embed="rId11"/>
+              <a:stretch>
+                <a:fillRect/>
+              </a:stretch>
+            </p:blipFill>
+            <p:spPr>
+              <a:xfrm>
+                <a:off x="471217" y="2184708"/>
+                <a:ext cx="136800" cy="272520"/>
+              </a:xfrm>
+              <a:prstGeom prst="rect">
+                <a:avLst/>
+              </a:prstGeom>
+            </p:spPr>
+          </p:pic>
+        </mc:Fallback>
+      </mc:AlternateContent>
+      <mc:AlternateContent xmlns:mc="http://schemas.openxmlformats.org/markup-compatibility/2006">
+        <mc:Choice xmlns:p14="http://schemas.microsoft.com/office/powerpoint/2010/main" Requires="p14">
+          <p:contentPart p14:bwMode="auto" r:id="rId12">
+            <p14:nvContentPartPr>
+              <p14:cNvPr id="15" name="Ink 14">
+                <a:extLst>
+                  <a:ext uri="{FF2B5EF4-FFF2-40B4-BE49-F238E27FC236}">
+                    <a16:creationId xmlns:a16="http://schemas.microsoft.com/office/drawing/2014/main" id="{FD25EFCA-BF3D-D763-DCF1-028288E2D4DA}"/>
+                  </a:ext>
+                </a:extLst>
+              </p14:cNvPr>
+              <p14:cNvContentPartPr/>
+              <p14:nvPr/>
+            </p14:nvContentPartPr>
+            <p14:xfrm>
+              <a:off x="619177" y="2546148"/>
+              <a:ext cx="236880" cy="720"/>
+            </p14:xfrm>
+          </p:contentPart>
+        </mc:Choice>
+        <mc:Fallback>
+          <p:pic>
+            <p:nvPicPr>
+              <p:cNvPr id="15" name="Ink 14">
+                <a:extLst>
+                  <a:ext uri="{FF2B5EF4-FFF2-40B4-BE49-F238E27FC236}">
+                    <a16:creationId xmlns:a16="http://schemas.microsoft.com/office/drawing/2014/main" id="{FD25EFCA-BF3D-D763-DCF1-028288E2D4DA}"/>
+                  </a:ext>
+                </a:extLst>
+              </p:cNvPr>
+              <p:cNvPicPr/>
+              <p:nvPr/>
+            </p:nvPicPr>
+            <p:blipFill>
+              <a:blip r:embed="rId13"/>
+              <a:stretch>
+                <a:fillRect/>
+              </a:stretch>
+            </p:blipFill>
+            <p:spPr>
+              <a:xfrm>
+                <a:off x="601177" y="2510148"/>
+                <a:ext cx="272520" cy="72000"/>
+              </a:xfrm>
+              <a:prstGeom prst="rect">
+                <a:avLst/>
+              </a:prstGeom>
+            </p:spPr>
+          </p:pic>
+        </mc:Fallback>
+      </mc:AlternateContent>
+      <mc:AlternateContent xmlns:mc="http://schemas.openxmlformats.org/markup-compatibility/2006">
+        <mc:Choice xmlns:p14="http://schemas.microsoft.com/office/powerpoint/2010/main" Requires="p14">
+          <p:contentPart p14:bwMode="auto" r:id="rId14">
+            <p14:nvContentPartPr>
+              <p14:cNvPr id="16" name="Ink 15">
+                <a:extLst>
+                  <a:ext uri="{FF2B5EF4-FFF2-40B4-BE49-F238E27FC236}">
+                    <a16:creationId xmlns:a16="http://schemas.microsoft.com/office/drawing/2014/main" id="{DF07423A-C882-99A2-8898-81D4767043A2}"/>
+                  </a:ext>
+                </a:extLst>
+              </p14:cNvPr>
+              <p14:cNvContentPartPr/>
+              <p14:nvPr/>
+            </p14:nvContentPartPr>
+            <p14:xfrm>
+              <a:off x="815737" y="2448228"/>
+              <a:ext cx="59040" cy="205200"/>
+            </p14:xfrm>
+          </p:contentPart>
+        </mc:Choice>
+        <mc:Fallback>
+          <p:pic>
+            <p:nvPicPr>
+              <p:cNvPr id="16" name="Ink 15">
+                <a:extLst>
+                  <a:ext uri="{FF2B5EF4-FFF2-40B4-BE49-F238E27FC236}">
+                    <a16:creationId xmlns:a16="http://schemas.microsoft.com/office/drawing/2014/main" id="{DF07423A-C882-99A2-8898-81D4767043A2}"/>
+                  </a:ext>
+                </a:extLst>
+              </p:cNvPr>
+              <p:cNvPicPr/>
+              <p:nvPr/>
+            </p:nvPicPr>
+            <p:blipFill>
+              <a:blip r:embed="rId15"/>
+              <a:stretch>
+                <a:fillRect/>
+              </a:stretch>
+            </p:blipFill>
+            <p:spPr>
+              <a:xfrm>
+                <a:off x="798097" y="2430228"/>
+                <a:ext cx="94680" cy="240840"/>
+              </a:xfrm>
+              <a:prstGeom prst="rect">
+                <a:avLst/>
+              </a:prstGeom>
+            </p:spPr>
+          </p:pic>
+        </mc:Fallback>
+      </mc:AlternateContent>
+      <mc:AlternateContent xmlns:mc="http://schemas.openxmlformats.org/markup-compatibility/2006">
+        <mc:Choice xmlns:p14="http://schemas.microsoft.com/office/powerpoint/2010/main" Requires="p14">
+          <p:contentPart p14:bwMode="auto" r:id="rId16">
+            <p14:nvContentPartPr>
+              <p14:cNvPr id="17" name="Ink 16">
+                <a:extLst>
+                  <a:ext uri="{FF2B5EF4-FFF2-40B4-BE49-F238E27FC236}">
+                    <a16:creationId xmlns:a16="http://schemas.microsoft.com/office/drawing/2014/main" id="{1842307F-CEE8-E7C5-EB64-1624A1CFEBA3}"/>
+                  </a:ext>
+                </a:extLst>
+              </p14:cNvPr>
+              <p14:cNvContentPartPr/>
+              <p14:nvPr/>
+            </p14:nvContentPartPr>
+            <p14:xfrm>
+              <a:off x="5910097" y="3972108"/>
+              <a:ext cx="2289960" cy="41040"/>
+            </p14:xfrm>
+          </p:contentPart>
+        </mc:Choice>
+        <mc:Fallback>
+          <p:pic>
+            <p:nvPicPr>
+              <p:cNvPr id="17" name="Ink 16">
+                <a:extLst>
+                  <a:ext uri="{FF2B5EF4-FFF2-40B4-BE49-F238E27FC236}">
+                    <a16:creationId xmlns:a16="http://schemas.microsoft.com/office/drawing/2014/main" id="{1842307F-CEE8-E7C5-EB64-1624A1CFEBA3}"/>
+                  </a:ext>
+                </a:extLst>
+              </p:cNvPr>
+              <p:cNvPicPr/>
+              <p:nvPr/>
+            </p:nvPicPr>
+            <p:blipFill>
+              <a:blip r:embed="rId17"/>
+              <a:stretch>
+                <a:fillRect/>
+              </a:stretch>
+            </p:blipFill>
+            <p:spPr>
+              <a:xfrm>
+                <a:off x="5856097" y="3864468"/>
+                <a:ext cx="2397600" cy="256680"/>
+              </a:xfrm>
+              <a:prstGeom prst="rect">
+                <a:avLst/>
+              </a:prstGeom>
+            </p:spPr>
+          </p:pic>
+        </mc:Fallback>
+      </mc:AlternateContent>
+      <mc:AlternateContent xmlns:mc="http://schemas.openxmlformats.org/markup-compatibility/2006">
+        <mc:Choice xmlns:p14="http://schemas.microsoft.com/office/powerpoint/2010/main" Requires="p14">
+          <p:contentPart p14:bwMode="auto" r:id="rId18">
+            <p14:nvContentPartPr>
+              <p14:cNvPr id="18" name="Ink 17">
+                <a:extLst>
+                  <a:ext uri="{FF2B5EF4-FFF2-40B4-BE49-F238E27FC236}">
+                    <a16:creationId xmlns:a16="http://schemas.microsoft.com/office/drawing/2014/main" id="{968CA9A2-8A2F-491C-4611-7FCABE6B48E5}"/>
+                  </a:ext>
+                </a:extLst>
+              </p14:cNvPr>
+              <p14:cNvContentPartPr/>
+              <p14:nvPr/>
+            </p14:nvContentPartPr>
+            <p14:xfrm>
+              <a:off x="1092577" y="2536428"/>
+              <a:ext cx="777240" cy="31320"/>
+            </p14:xfrm>
+          </p:contentPart>
+        </mc:Choice>
+        <mc:Fallback>
+          <p:pic>
+            <p:nvPicPr>
+              <p:cNvPr id="18" name="Ink 17">
+                <a:extLst>
+                  <a:ext uri="{FF2B5EF4-FFF2-40B4-BE49-F238E27FC236}">
+                    <a16:creationId xmlns:a16="http://schemas.microsoft.com/office/drawing/2014/main" id="{968CA9A2-8A2F-491C-4611-7FCABE6B48E5}"/>
+                  </a:ext>
+                </a:extLst>
+              </p:cNvPr>
+              <p:cNvPicPr/>
+              <p:nvPr/>
+            </p:nvPicPr>
+            <p:blipFill>
+              <a:blip r:embed="rId19"/>
+              <a:stretch>
+                <a:fillRect/>
+              </a:stretch>
+            </p:blipFill>
+            <p:spPr>
+              <a:xfrm>
+                <a:off x="1038577" y="2428428"/>
+                <a:ext cx="884880" cy="246960"/>
+              </a:xfrm>
+              <a:prstGeom prst="rect">
+                <a:avLst/>
+              </a:prstGeom>
+            </p:spPr>
+          </p:pic>
+        </mc:Fallback>
+      </mc:AlternateContent>
+      <mc:AlternateContent xmlns:mc="http://schemas.openxmlformats.org/markup-compatibility/2006">
+        <mc:Choice xmlns:p14="http://schemas.microsoft.com/office/powerpoint/2010/main" Requires="p14">
+          <p:contentPart p14:bwMode="auto" r:id="rId20">
+            <p14:nvContentPartPr>
+              <p14:cNvPr id="19" name="Ink 18">
+                <a:extLst>
+                  <a:ext uri="{FF2B5EF4-FFF2-40B4-BE49-F238E27FC236}">
+                    <a16:creationId xmlns:a16="http://schemas.microsoft.com/office/drawing/2014/main" id="{E3264AFB-BA10-0C4C-501E-9CD461801F46}"/>
+                  </a:ext>
+                </a:extLst>
+              </p14:cNvPr>
+              <p14:cNvContentPartPr/>
+              <p14:nvPr/>
+            </p14:nvContentPartPr>
+            <p14:xfrm>
+              <a:off x="858217" y="2310348"/>
+              <a:ext cx="420120" cy="22320"/>
+            </p14:xfrm>
+          </p:contentPart>
+        </mc:Choice>
+        <mc:Fallback>
+          <p:pic>
+            <p:nvPicPr>
+              <p:cNvPr id="19" name="Ink 18">
+                <a:extLst>
+                  <a:ext uri="{FF2B5EF4-FFF2-40B4-BE49-F238E27FC236}">
+                    <a16:creationId xmlns:a16="http://schemas.microsoft.com/office/drawing/2014/main" id="{E3264AFB-BA10-0C4C-501E-9CD461801F46}"/>
+                  </a:ext>
+                </a:extLst>
+              </p:cNvPr>
+              <p:cNvPicPr/>
+              <p:nvPr/>
+            </p:nvPicPr>
+            <p:blipFill>
+              <a:blip r:embed="rId21"/>
+              <a:stretch>
+                <a:fillRect/>
+              </a:stretch>
+            </p:blipFill>
+            <p:spPr>
+              <a:xfrm>
+                <a:off x="804217" y="2202348"/>
+                <a:ext cx="527760" cy="237960"/>
+              </a:xfrm>
+              <a:prstGeom prst="rect">
+                <a:avLst/>
+              </a:prstGeom>
+            </p:spPr>
+          </p:pic>
+        </mc:Fallback>
+      </mc:AlternateContent>
+      <mc:AlternateContent xmlns:mc="http://schemas.openxmlformats.org/markup-compatibility/2006">
+        <mc:Choice xmlns:p14="http://schemas.microsoft.com/office/powerpoint/2010/main" Requires="p14">
+          <p:contentPart p14:bwMode="auto" r:id="rId22">
+            <p14:nvContentPartPr>
+              <p14:cNvPr id="21" name="Ink 20">
+                <a:extLst>
+                  <a:ext uri="{FF2B5EF4-FFF2-40B4-BE49-F238E27FC236}">
+                    <a16:creationId xmlns:a16="http://schemas.microsoft.com/office/drawing/2014/main" id="{C007C910-5756-A1B5-6ECE-4D242B265691}"/>
+                  </a:ext>
+                </a:extLst>
+              </p14:cNvPr>
+              <p14:cNvContentPartPr/>
+              <p14:nvPr/>
+            </p14:nvContentPartPr>
+            <p14:xfrm>
+              <a:off x="6617137" y="5171628"/>
+              <a:ext cx="5280120" cy="720"/>
+            </p14:xfrm>
+          </p:contentPart>
+        </mc:Choice>
+        <mc:Fallback>
+          <p:pic>
+            <p:nvPicPr>
+              <p:cNvPr id="21" name="Ink 20">
+                <a:extLst>
+                  <a:ext uri="{FF2B5EF4-FFF2-40B4-BE49-F238E27FC236}">
+                    <a16:creationId xmlns:a16="http://schemas.microsoft.com/office/drawing/2014/main" id="{C007C910-5756-A1B5-6ECE-4D242B265691}"/>
+                  </a:ext>
+                </a:extLst>
+              </p:cNvPr>
+              <p:cNvPicPr/>
+              <p:nvPr/>
+            </p:nvPicPr>
+            <p:blipFill>
+              <a:blip r:embed="rId23"/>
+              <a:stretch>
+                <a:fillRect/>
+              </a:stretch>
+            </p:blipFill>
+            <p:spPr>
+              <a:xfrm>
+                <a:off x="6599137" y="5135628"/>
+                <a:ext cx="5315760" cy="72000"/>
+              </a:xfrm>
+              <a:prstGeom prst="rect">
+                <a:avLst/>
+              </a:prstGeom>
+            </p:spPr>
+          </p:pic>
+        </mc:Fallback>
+      </mc:AlternateContent>
     </p:spTree>
     <p:extLst>
       <p:ext uri="{BB962C8B-B14F-4D97-AF65-F5344CB8AC3E}">
-        <p14:creationId xmlns:p14="http://schemas.microsoft.com/office/powerpoint/2010/main" val="1420258789"/>
+        <p14:creationId xmlns:p14="http://schemas.microsoft.com/office/powerpoint/2010/main" val="285615137"/>
       </p:ext>
     </p:extLst>
   </p:cSld>
@@ -4364,6 +5389,206 @@
 </file>
 
 <file path=ppt/slides/slide6.xml><?xml version="1.0" encoding="utf-8"?>
+<p:sld xmlns:a="http://schemas.openxmlformats.org/drawingml/2006/main" xmlns:r="http://schemas.openxmlformats.org/officeDocument/2006/relationships" xmlns:p="http://schemas.openxmlformats.org/presentationml/2006/main">
+  <p:cSld>
+    <p:spTree>
+      <p:nvGrpSpPr>
+        <p:cNvPr id="1" name=""/>
+        <p:cNvGrpSpPr/>
+        <p:nvPr/>
+      </p:nvGrpSpPr>
+      <p:grpSpPr>
+        <a:xfrm>
+          <a:off x="0" y="0"/>
+          <a:ext cx="0" cy="0"/>
+          <a:chOff x="0" y="0"/>
+          <a:chExt cx="0" cy="0"/>
+        </a:xfrm>
+      </p:grpSpPr>
+      <p:sp>
+        <p:nvSpPr>
+          <p:cNvPr id="2" name="Title 1">
+            <a:extLst>
+              <a:ext uri="{FF2B5EF4-FFF2-40B4-BE49-F238E27FC236}">
+                <a16:creationId xmlns:a16="http://schemas.microsoft.com/office/drawing/2014/main" id="{9FCBEE6B-BA3F-CADA-7E05-3CCBAB335BD6}"/>
+              </a:ext>
+            </a:extLst>
+          </p:cNvPr>
+          <p:cNvSpPr>
+            <a:spLocks noGrp="1"/>
+          </p:cNvSpPr>
+          <p:nvPr>
+            <p:ph type="title"/>
+          </p:nvPr>
+        </p:nvSpPr>
+        <p:spPr>
+          <a:xfrm>
+            <a:off x="570271" y="365125"/>
+            <a:ext cx="10783529" cy="1325563"/>
+          </a:xfrm>
+        </p:spPr>
+        <p:txBody>
+          <a:bodyPr/>
+          <a:lstStyle/>
+          <a:p>
+            <a:r>
+              <a:rPr lang="en-US" dirty="0"/>
+              <a:t>Added folders but they aren’t on the build path?</a:t>
+            </a:r>
+          </a:p>
+        </p:txBody>
+      </p:sp>
+      <p:sp>
+        <p:nvSpPr>
+          <p:cNvPr id="3" name="Content Placeholder 2">
+            <a:extLst>
+              <a:ext uri="{FF2B5EF4-FFF2-40B4-BE49-F238E27FC236}">
+                <a16:creationId xmlns:a16="http://schemas.microsoft.com/office/drawing/2014/main" id="{25E76D7C-7AE0-4BFC-1491-9FFC5E46F473}"/>
+              </a:ext>
+            </a:extLst>
+          </p:cNvPr>
+          <p:cNvSpPr>
+            <a:spLocks noGrp="1"/>
+          </p:cNvSpPr>
+          <p:nvPr>
+            <p:ph idx="1"/>
+          </p:nvPr>
+        </p:nvSpPr>
+        <p:spPr/>
+        <p:txBody>
+          <a:bodyPr/>
+          <a:lstStyle/>
+          <a:p>
+            <a:r>
+              <a:rPr lang="en-US" dirty="0"/>
+              <a:t>Add the images folder to the build path (.</a:t>
+            </a:r>
+            <a:r>
+              <a:rPr lang="en-US" dirty="0" err="1"/>
+              <a:t>classpath</a:t>
+            </a:r>
+            <a:r>
+              <a:rPr lang="en-US" dirty="0"/>
+              <a:t>)</a:t>
+            </a:r>
+          </a:p>
+          <a:p>
+            <a:r>
+              <a:rPr lang="en-US" dirty="0"/>
+              <a:t>Right click on the Folder-&gt;Build Path-&gt;Use as Source Folder</a:t>
+            </a:r>
+          </a:p>
+          <a:p>
+            <a:endParaRPr lang="en-US" dirty="0"/>
+          </a:p>
+          <a:p>
+            <a:endParaRPr lang="en-US" dirty="0"/>
+          </a:p>
+          <a:p>
+            <a:endParaRPr lang="en-US" dirty="0"/>
+          </a:p>
+          <a:p>
+            <a:r>
+              <a:rPr lang="en-US" dirty="0"/>
+              <a:t>Now the files are considered part of the root and you don’t need to reference the folder:</a:t>
+            </a:r>
+          </a:p>
+          <a:p>
+            <a:pPr marL="0" indent="0">
+              <a:buNone/>
+            </a:pPr>
+            <a:r>
+              <a:rPr lang="en-US" dirty="0">
+                <a:highlight>
+                  <a:srgbClr val="FFFF00"/>
+                </a:highlight>
+                <a:latin typeface="Consolas" panose="020B0609020204030204" pitchFamily="49" charset="0"/>
+              </a:rPr>
+              <a:t>String </a:t>
+            </a:r>
+            <a:r>
+              <a:rPr lang="en-US" dirty="0" err="1">
+                <a:highlight>
+                  <a:srgbClr val="FFFF00"/>
+                </a:highlight>
+                <a:latin typeface="Consolas" panose="020B0609020204030204" pitchFamily="49" charset="0"/>
+              </a:rPr>
+              <a:t>fileName</a:t>
+            </a:r>
+            <a:r>
+              <a:rPr lang="en-US" dirty="0">
+                <a:highlight>
+                  <a:srgbClr val="FFFF00"/>
+                </a:highlight>
+                <a:latin typeface="Consolas" panose="020B0609020204030204" pitchFamily="49" charset="0"/>
+              </a:rPr>
+              <a:t> = "/" + </a:t>
+            </a:r>
+            <a:r>
+              <a:rPr lang="en-US" dirty="0" err="1">
+                <a:highlight>
+                  <a:srgbClr val="FFFF00"/>
+                </a:highlight>
+                <a:latin typeface="Consolas" panose="020B0609020204030204" pitchFamily="49" charset="0"/>
+              </a:rPr>
+              <a:t>name.toLowerCase</a:t>
+            </a:r>
+            <a:r>
+              <a:rPr lang="en-US" dirty="0">
+                <a:highlight>
+                  <a:srgbClr val="FFFF00"/>
+                </a:highlight>
+                <a:latin typeface="Consolas" panose="020B0609020204030204" pitchFamily="49" charset="0"/>
+              </a:rPr>
+              <a:t>() + "-";</a:t>
+            </a:r>
+          </a:p>
+        </p:txBody>
+      </p:sp>
+      <p:pic>
+        <p:nvPicPr>
+          <p:cNvPr id="5" name="Picture 4">
+            <a:extLst>
+              <a:ext uri="{FF2B5EF4-FFF2-40B4-BE49-F238E27FC236}">
+                <a16:creationId xmlns:a16="http://schemas.microsoft.com/office/drawing/2014/main" id="{0B038808-D614-DE95-34F9-E6AD3CC5D007}"/>
+              </a:ext>
+            </a:extLst>
+          </p:cNvPr>
+          <p:cNvPicPr>
+            <a:picLocks noChangeAspect="1"/>
+          </p:cNvPicPr>
+          <p:nvPr/>
+        </p:nvPicPr>
+        <p:blipFill>
+          <a:blip r:embed="rId2"/>
+          <a:stretch>
+            <a:fillRect/>
+          </a:stretch>
+        </p:blipFill>
+        <p:spPr>
+          <a:xfrm>
+            <a:off x="2714153" y="2719288"/>
+            <a:ext cx="6763694" cy="1419423"/>
+          </a:xfrm>
+          <a:prstGeom prst="rect">
+            <a:avLst/>
+          </a:prstGeom>
+        </p:spPr>
+      </p:pic>
+    </p:spTree>
+    <p:extLst>
+      <p:ext uri="{BB962C8B-B14F-4D97-AF65-F5344CB8AC3E}">
+        <p14:creationId xmlns:p14="http://schemas.microsoft.com/office/powerpoint/2010/main" val="2005370919"/>
+      </p:ext>
+    </p:extLst>
+  </p:cSld>
+  <p:clrMapOvr>
+    <a:masterClrMapping/>
+  </p:clrMapOvr>
+</p:sld>
+</file>
+
+<file path=ppt/slides/slide7.xml><?xml version="1.0" encoding="utf-8"?>
 <p:sld xmlns:a="http://schemas.openxmlformats.org/drawingml/2006/main" xmlns:r="http://schemas.openxmlformats.org/officeDocument/2006/relationships" xmlns:p="http://schemas.openxmlformats.org/presentationml/2006/main">
   <p:cSld>
     <p:spTree>
@@ -4962,8 +6187,8 @@
           </mc:Fallback>
         </mc:AlternateContent>
       </p:grpSp>
-      <mc:AlternateContent xmlns:mc="http://schemas.openxmlformats.org/markup-compatibility/2006">
-        <mc:Choice xmlns:p14="http://schemas.microsoft.com/office/powerpoint/2010/main" Requires="p14">
+      <mc:AlternateContent xmlns:mc="http://schemas.openxmlformats.org/markup-compatibility/2006" xmlns:p14="http://schemas.microsoft.com/office/powerpoint/2010/main">
+        <mc:Choice Requires="p14">
           <p:contentPart p14:bwMode="auto" r:id="rId22">
             <p14:nvContentPartPr>
               <p14:cNvPr id="2" name="Ink 1">
@@ -4982,7 +6207,7 @@
             </p14:xfrm>
           </p:contentPart>
         </mc:Choice>
-        <mc:Fallback>
+        <mc:Fallback xmlns="">
           <p:pic>
             <p:nvPicPr>
               <p:cNvPr id="2" name="Ink 1">
@@ -5013,8 +6238,8 @@
           </p:pic>
         </mc:Fallback>
       </mc:AlternateContent>
-      <mc:AlternateContent xmlns:mc="http://schemas.openxmlformats.org/markup-compatibility/2006">
-        <mc:Choice xmlns:p14="http://schemas.microsoft.com/office/powerpoint/2010/main" Requires="p14">
+      <mc:AlternateContent xmlns:mc="http://schemas.openxmlformats.org/markup-compatibility/2006" xmlns:p14="http://schemas.microsoft.com/office/powerpoint/2010/main">
+        <mc:Choice Requires="p14">
           <p:contentPart p14:bwMode="auto" r:id="rId24">
             <p14:nvContentPartPr>
               <p14:cNvPr id="3" name="Ink 2">
@@ -5033,7 +6258,7 @@
             </p14:xfrm>
           </p:contentPart>
         </mc:Choice>
-        <mc:Fallback>
+        <mc:Fallback xmlns="">
           <p:pic>
             <p:nvPicPr>
               <p:cNvPr id="3" name="Ink 2">
@@ -5094,7 +6319,7 @@
           <a:p>
             <a:r>
               <a:rPr lang="en-US" sz="2400" dirty="0"/>
-              <a:t>Simplest way to make sure you have access to all your resources (images/audio/</a:t>
+              <a:t>Another way to make sure you have access to all your resources (images/audio/</a:t>
             </a:r>
             <a:r>
               <a:rPr lang="en-US" sz="2400" dirty="0" err="1"/>
@@ -5115,8 +6340,8 @@
           </a:p>
         </p:txBody>
       </p:sp>
-      <mc:AlternateContent xmlns:mc="http://schemas.openxmlformats.org/markup-compatibility/2006">
-        <mc:Choice xmlns:p14="http://schemas.microsoft.com/office/powerpoint/2010/main" Requires="p14">
+      <mc:AlternateContent xmlns:mc="http://schemas.openxmlformats.org/markup-compatibility/2006" xmlns:p14="http://schemas.microsoft.com/office/powerpoint/2010/main">
+        <mc:Choice Requires="p14">
           <p:contentPart p14:bwMode="auto" r:id="rId26">
             <p14:nvContentPartPr>
               <p14:cNvPr id="14" name="Ink 13">
@@ -5135,7 +6360,7 @@
             </p14:xfrm>
           </p:contentPart>
         </mc:Choice>
-        <mc:Fallback>
+        <mc:Fallback xmlns="">
           <p:pic>
             <p:nvPicPr>
               <p:cNvPr id="14" name="Ink 13">
@@ -5166,8 +6391,8 @@
           </p:pic>
         </mc:Fallback>
       </mc:AlternateContent>
-      <mc:AlternateContent xmlns:mc="http://schemas.openxmlformats.org/markup-compatibility/2006">
-        <mc:Choice xmlns:p14="http://schemas.microsoft.com/office/powerpoint/2010/main" Requires="p14">
+      <mc:AlternateContent xmlns:mc="http://schemas.openxmlformats.org/markup-compatibility/2006" xmlns:p14="http://schemas.microsoft.com/office/powerpoint/2010/main">
+        <mc:Choice Requires="p14">
           <p:contentPart p14:bwMode="auto" r:id="rId28">
             <p14:nvContentPartPr>
               <p14:cNvPr id="17" name="Ink 16">
@@ -5186,7 +6411,7 @@
             </p14:xfrm>
           </p:contentPart>
         </mc:Choice>
-        <mc:Fallback>
+        <mc:Fallback xmlns="">
           <p:pic>
             <p:nvPicPr>
               <p:cNvPr id="17" name="Ink 16">
@@ -5230,7 +6455,7 @@
 </p:sld>
 </file>
 
-<file path=ppt/slides/slide7.xml><?xml version="1.0" encoding="utf-8"?>
+<file path=ppt/slides/slide8.xml><?xml version="1.0" encoding="utf-8"?>
 <p:sld xmlns:a="http://schemas.openxmlformats.org/drawingml/2006/main" xmlns:r="http://schemas.openxmlformats.org/officeDocument/2006/relationships" xmlns:p="http://schemas.openxmlformats.org/presentationml/2006/main">
   <p:cSld>
     <p:spTree>

--- a/ClassMaterials/ComparableAndComparators/Slides/Part4-RunnableJars.pptx
+++ b/ClassMaterials/ComparableAndComparators/Slides/Part4-RunnableJars.pptx
@@ -12,7 +12,6 @@
     <p:sldId id="264" r:id="rId6"/>
     <p:sldId id="263" r:id="rId7"/>
     <p:sldId id="261" r:id="rId8"/>
-    <p:sldId id="262" r:id="rId9"/>
   </p:sldIdLst>
   <p:sldSz cx="12192000" cy="6858000"/>
   <p:notesSz cx="6858000" cy="9144000"/>
@@ -278,7 +277,7 @@
           <inkml:channelProperty channel="F" name="resolution" value="0" units="1/dev"/>
         </inkml:channelProperties>
       </inkml:inkSource>
-      <inkml:timestamp xml:id="ts0" timeString="2025-05-20T15:02:14.471"/>
+      <inkml:timestamp xml:id="ts0" timeString="2025-06-05T19:47:20.088"/>
     </inkml:context>
     <inkml:brush xml:id="br0">
       <inkml:brushProperty name="width" value="0.1" units="cm"/>
@@ -286,7 +285,7 @@
       <inkml:brushProperty name="color" value="#E71224"/>
     </inkml:brush>
   </inkml:definitions>
-  <inkml:trace contextRef="#ctx0" brushRef="#br0">567 33 24575,'-110'-2'0,"-122"5"0,225-2 0,0 0 0,0 0 0,1 1 0,-1-1 0,0 2 0,1-1 0,-1 1 0,1 0 0,0 0 0,0 1 0,0 0 0,1 0 0,-1 0 0,1 1 0,0-1 0,0 1 0,0 1 0,-4 6 0,-5 9 0,2 0 0,0 0 0,-15 42 0,19-42 0,0 1 0,1 1 0,2 0 0,0 1 0,1-1 0,2 1 0,0 0 0,2-1 0,0 1 0,7 45 0,-6-62 0,0 1 0,1-1 0,-1 0 0,1 0 0,1 0 0,-1 0 0,1 0 0,1-1 0,-1 1 0,1-1 0,0 0 0,0 0 0,1 0 0,0-1 0,0 1 0,0-1 0,1 0 0,-1-1 0,1 1 0,0-1 0,1 0 0,-1-1 0,1 0 0,-1 0 0,1 0 0,0 0 0,9 1 0,46 7 0,1-3 0,0-3 0,117-4 0,-91-2 0,-78 0 0,1 0 0,-1-1 0,0 0 0,0 0 0,0-2 0,0 1 0,-1-1 0,1-1 0,-1 0 0,0 0 0,-1-1 0,1 0 0,-1-1 0,0 0 0,-1 0 0,1-1 0,12-17 0,-11 14 0,-1-2 0,0 1 0,-1-1 0,-1-1 0,0 1 0,0-1 0,-2 0 0,0-1 0,0 1 0,-1-1 0,-1 0 0,2-30 0,-4 18 0,-1 0 0,-2 0 0,-6-37 0,7 55 0,-2-1 0,1 1 0,-1 0 0,0 0 0,-1 0 0,0 1 0,-1-1 0,0 1 0,0 0 0,0 0 0,-1 1 0,-1 0 0,-7-8 0,-6-2 30,-1 1 0,0 0 0,-39-20 0,47 30-216,-1-1 1,0 2-1,0 0 0,-1 1 1,1 0-1,-1 1 1,-26-2-1,15 5-6640</inkml:trace>
+  <inkml:trace contextRef="#ctx0" brushRef="#br0">0 1 24575,'9'0'0,"6"0"0,9 0 0,4 0 0,2 0 0,8 0 0,5 0 0,4 0 0,2 0 0,1 0 0,0 0 0,-5 0 0,-5 0 0,-6 0 0,-4 0 0,-8 0-8191</inkml:trace>
 </inkml:ink>
 </file>
 
@@ -306,7 +305,7 @@
           <inkml:channelProperty channel="F" name="resolution" value="0" units="1/dev"/>
         </inkml:channelProperties>
       </inkml:inkSource>
-      <inkml:timestamp xml:id="ts0" timeString="2025-05-20T15:02:20.551"/>
+      <inkml:timestamp xml:id="ts0" timeString="2025-06-05T19:47:21.298"/>
     </inkml:context>
     <inkml:brush xml:id="br0">
       <inkml:brushProperty name="width" value="0.1" units="cm"/>
@@ -314,7 +313,7 @@
       <inkml:brushProperty name="color" value="#E71224"/>
     </inkml:brush>
   </inkml:definitions>
-  <inkml:trace contextRef="#ctx0" brushRef="#br0">0 59 24575,'5694'0'0,"-5342"-29"0,-103 4 0,202 21 0,-238 6 0,685-2 0,-842 3 0,0 2 0,78 18 0,-25-3 0,-46-14 0,1-3 0,71-5 0,-42 0 0,288 18 0,-1 40 0,-229-35 0,217 1 0,-353-22 0,244 26 0,-16-2 0,432-19 0,-360-8 0,96 3 0,-345-3 0,0-4 0,103-23 0,56-7 0,454 2 0,426 33 0,-551 4 0,1450-2 0,-1847-7 0,210-37 0,-255 28 0,46 2 0,255 9 0,-210 8 0,1856-3-1365,-2035 0-5461</inkml:trace>
+  <inkml:trace contextRef="#ctx0" brushRef="#br0">0 1 24575,'1614'0'-1365,"-1589"0"-5461</inkml:trace>
 </inkml:ink>
 </file>
 
@@ -334,7 +333,7 @@
           <inkml:channelProperty channel="F" name="resolution" value="0" units="1/dev"/>
         </inkml:channelProperties>
       </inkml:inkSource>
-      <inkml:timestamp xml:id="ts0" timeString="2025-05-20T15:02:23.062"/>
+      <inkml:timestamp xml:id="ts0" timeString="2025-06-05T19:47:25.693"/>
     </inkml:context>
     <inkml:brush xml:id="br0">
       <inkml:brushProperty name="width" value="0.1" units="cm"/>
@@ -342,7 +341,7 @@
       <inkml:brushProperty name="color" value="#E71224"/>
     </inkml:brush>
   </inkml:definitions>
-  <inkml:trace contextRef="#ctx0" brushRef="#br0">2338 1 24575,'-2095'0'0,"2070"1"-195,0 1 0,0 1 0,0 1 0,1 1 0,-1 1 0,-32 14 0,21-6-6631</inkml:trace>
+  <inkml:trace contextRef="#ctx0" brushRef="#br0">1515 74 24575,'-124'-5'0,"-156"-28"0,218 24 0,19 3 0,-15-3 0,-91-1 0,15 9 0,-127 4 0,246-2 0,1 1 0,0 1 0,0 1 0,1 0 0,-1 0 0,1 2 0,0-1 0,0 2 0,0 0 0,1 0 0,0 1 0,1 1 0,-20 18 0,7-3 0,1 2 0,1 0 0,2 2 0,-28 47 0,48-74 0,-9 11 0,2 0 0,0 0 0,0 1 0,1 0 0,1 0 0,0 0 0,0 1 0,2 0 0,0 0 0,0 0 0,0 22 0,3-30 0,-1 13 0,1 0 0,1 1 0,0-1 0,2 0 0,4 20 0,-5-33 0,1 0 0,-1 0 0,1 0 0,0 0 0,0-1 0,1 1 0,0-1 0,0 0 0,0 0 0,1-1 0,-1 1 0,1-1 0,0 0 0,0 0 0,1 0 0,-1-1 0,1 0 0,11 5 0,10 2 0,1 0 0,1-2 0,-1-1 0,1-2 0,39 3 0,150-2 0,-172-7 0,2081 0 0,-2088-1 0,0-2 0,0-1 0,0-2 0,46-15 0,-79 20 0,0 0 0,0-1 0,-1 0 0,1 0 0,-1 0 0,1-1 0,-1 1 0,0-2 0,-1 1 0,1 0 0,-1-1 0,1 0 0,-1 0 0,-1 0 0,1 0 0,-1-1 0,0 1 0,0-1 0,-1 0 0,1 0 0,-1 0 0,1-7 0,0-2 0,0-1 0,0 0 0,-2 0 0,0 0 0,0-1 0,-2 1 0,-4-27 0,4 37 0,-1 0 0,1 1 0,-1-1 0,-1 1 0,1 0 0,-1-1 0,0 1 0,0 0 0,0 0 0,-1 1 0,0-1 0,0 1 0,0 0 0,0 0 0,-1 0 0,1 0 0,-8-3 0,-9-5 0,0 1 0,-45-17 0,32 14 0,-13-2 0,-1 2 0,0 2 0,-1 2 0,-97-7 0,102 13 0,-81-17 0,80 12 0,-88-6 0,-120 17 0,-102-3 0,258-13-1365,71 10-5461</inkml:trace>
 </inkml:ink>
 </file>
 
@@ -362,7 +361,7 @@
           <inkml:channelProperty channel="F" name="resolution" value="0" units="1/dev"/>
         </inkml:channelProperties>
       </inkml:inkSource>
-      <inkml:timestamp xml:id="ts0" timeString="2025-05-20T15:02:29.931"/>
+      <inkml:timestamp xml:id="ts0" timeString="2025-06-05T19:47:28.082"/>
     </inkml:context>
     <inkml:brush xml:id="br0">
       <inkml:brushProperty name="width" value="0.1" units="cm"/>
@@ -370,7 +369,7 @@
       <inkml:brushProperty name="color" value="#E71224"/>
     </inkml:brush>
   </inkml:definitions>
-  <inkml:trace contextRef="#ctx0" brushRef="#br0">1 1 24575,'5'1'0,"-1"1"0,1 0 0,0 0 0,-1 0 0,1 1 0,-1 0 0,0 0 0,1 0 0,-1 0 0,6 7 0,8 5 0,33 18 0,68 33 0,-70-41 0,0 2 0,46 36 0,-57-35 5,32 26-1375,-50-35-5456</inkml:trace>
+  <inkml:trace contextRef="#ctx0" brushRef="#br0">2036 1 24575,'-1119'0'0,"937"12"0,27-1 0,105-11 0,-52 4 0,92-3 0,1 1 0,-1 0 0,1 1 0,0 0 0,0 0 0,0 1 0,1 0 0,-15 9 0,-45 31 0,28-20 0,2 2 0,-53 46 0,82-64 0,0 0 0,1 1 0,0 0 0,1 0 0,0 1 0,0 0 0,1 0 0,0 1 0,1 0 0,0 0 0,1 0 0,0 1 0,1-1 0,-3 20 0,6-26 0,-1 0 0,1 0 0,0 0 0,1 1 0,-1-1 0,1 0 0,0 0 0,1 0 0,-1 0 0,1 0 0,0 0 0,0-1 0,0 1 0,1-1 0,3 5 0,-1-2 0,1 0 0,0-1 0,0 0 0,1 0 0,0 0 0,0-1 0,0 0 0,10 4 0,13 5 0,1-1 0,0-2 0,56 12 0,-70-19 0,57 15 0,8 3 0,0-4 0,158 14 0,-144-27 0,0-5 0,0-5 0,115-19 0,-9 1 0,-131 18 0,89-19 0,168-37 0,-313 57 0,0 0 0,0-1 0,-1-1 0,1 0 0,-1-1 0,-1-1 0,0 0 0,0 0 0,0-1 0,-1-1 0,0 0 0,18-22 0,-24 25 0,0 0 0,0-1 0,0 0 0,-1 0 0,0 0 0,-1-1 0,0 0 0,0 1 0,-1-1 0,0-1 0,0 1 0,-1 0 0,0-1 0,-1 0 0,0 1 0,-1-1 0,0 1 0,0-1 0,-1 0 0,0 1 0,-5-16 0,3 18 0,0 0 0,-1 1 0,1-1 0,-2 1 0,1 0 0,-1 1 0,0-1 0,0 1 0,0 0 0,-1 0 0,0 0 0,0 1 0,0 0 0,0 0 0,-1 1 0,1-1 0,-9-1 0,-7-4 0,0 1 0,0 1 0,-1 2 0,-25-4 0,10 1 0,0-1 0,-67-25 0,96 30 0,-54-11-1365,32 11-5461</inkml:trace>
 </inkml:ink>
 </file>
 
@@ -390,7 +389,7 @@
           <inkml:channelProperty channel="F" name="resolution" value="0" units="1/dev"/>
         </inkml:channelProperties>
       </inkml:inkSource>
-      <inkml:timestamp xml:id="ts0" timeString="2025-05-20T15:02:30.503"/>
+      <inkml:timestamp xml:id="ts0" timeString="2025-06-05T19:47:30.878"/>
     </inkml:context>
     <inkml:brush xml:id="br0">
       <inkml:brushProperty name="width" value="0.1" units="cm"/>
@@ -398,7 +397,7 @@
       <inkml:brushProperty name="color" value="#E71224"/>
     </inkml:brush>
   </inkml:definitions>
-  <inkml:trace contextRef="#ctx0" brushRef="#br0">571 0 24575,'-5'5'0,"-6"6"0,-10 6 0,-7 5 0,-4 4 0,0-4 0,0 1 0,0 0 0,7 1 0,-17 11 0,-11-1 0,0 4 0,3 0 0,5-2 0,7-7 0,-1 1 0,7-4-8191</inkml:trace>
+  <inkml:trace contextRef="#ctx0" brushRef="#br0">0 1 24575,'2141'0'-1365,"-2111"0"-5461</inkml:trace>
 </inkml:ink>
 </file>
 
@@ -418,7 +417,7 @@
           <inkml:channelProperty channel="F" name="resolution" value="0" units="1/dev"/>
         </inkml:channelProperties>
       </inkml:inkSource>
-      <inkml:timestamp xml:id="ts0" timeString="2025-05-20T15:02:33.467"/>
+      <inkml:timestamp xml:id="ts0" timeString="2025-06-05T19:47:32.217"/>
     </inkml:context>
     <inkml:brush xml:id="br0">
       <inkml:brushProperty name="width" value="0.1" units="cm"/>
@@ -426,7 +425,7 @@
       <inkml:brushProperty name="color" value="#E71224"/>
     </inkml:brush>
   </inkml:definitions>
-  <inkml:trace contextRef="#ctx0" brushRef="#br0">986 0 24575,'-52'0'0,"-178"4"0,180 0 0,0 2 0,-75 18 0,77-8 0,0 1 0,-73 39 0,91-41 0,9-6 0,-35 9 0,42-14 0,0 0 0,1 1 0,-1 0 0,1 1 0,0 1 0,-20 13 0,29-16 0,0-1 0,1 1 0,0 0 0,0 0 0,0 0 0,0 0 0,0 0 0,1 1 0,0-1 0,0 1 0,0 0 0,0-1 0,1 1 0,0 0 0,0 0 0,0 0 0,1 0 0,-1 0 0,1 0 0,1 0 0,-1 0 0,0 1 0,1-2 0,0 1 0,1 0 0,-1 0 0,3 6 0,1 1 0,0 0 0,0 0 0,2 0 0,-1-1 0,2 0 0,-1 0 0,1-1 0,1 0 0,12 12 0,0-7 0,0 0 0,1-1 0,1-1 0,0-2 0,38 14 0,-25-9 0,6 0 0,1-1 0,0-2 0,60 9 0,137 8 0,-188-25 0,-13 0 0,0-2 0,0-1 0,1-3 0,71-9 0,-105 9 0,-1-1 0,1 1 0,-1-1 0,1 0 0,-1-1 0,0 1 0,0-1 0,0 0 0,0 0 0,7-7 0,-11 8 0,0 1 0,0 0 0,0 0 0,0 0 0,0-1 0,0 1 0,0 0 0,-1-1 0,1 1 0,-1-1 0,1 1 0,-1-1 0,1 1 0,-1-1 0,0 1 0,0-1 0,0-2 0,0 2 0,-1 0 0,1 0 0,-1 0 0,0 0 0,0 0 0,0 0 0,0 0 0,0 0 0,0 0 0,0 1 0,-1-1 0,1 0 0,-1 1 0,1-1 0,-1 1 0,-3-2 0,-16-12 0,-32-17 0,36 23 0,1-1 0,0 0 0,1-1 0,-20-17 0,35 27 0,-1 1 0,0-1 0,1 1 0,-1-1 0,0 0 0,1 1 0,-1-1 0,1 0 0,-1 1 0,1-1 0,-1 0 0,1 0 0,0 1 0,-1-1 0,1 0 0,0 0 0,0 0 0,-1 1 0,1-1 0,0 0 0,0 0 0,0-1 0,1 1 0,-1 1 0,1-1 0,-1 1 0,1-1 0,-1 1 0,1 0 0,-1-1 0,1 1 0,0 0 0,-1 0 0,1-1 0,-1 1 0,1 0 0,0 0 0,-1 0 0,1 0 0,0 0 0,-1-1 0,1 1 0,0 1 0,0-1 0,42 7 0,210 70 0,-248-76 0,-1 0 0,0 1 0,0 0 0,0-1 0,-1 1 0,1 0 0,0 1 0,-1-1 0,1 1 0,-1-1 0,0 1 0,0 0 0,5 6 0,-7-6 0,1 1 0,0-1 0,-1 1 0,0 0 0,0-1 0,0 1 0,0 0 0,-1-1 0,1 1 0,-1 0 0,0 0 0,0 0 0,0-1 0,-1 1 0,-1 6 0,-5 20-273,-1-1 0,-2-1 0,-1 0 0,-24 45 0,13-33-6553</inkml:trace>
+  <inkml:trace contextRef="#ctx0" brushRef="#br0">1 1 24575,'2737'0'-1365,"-2700"0"-5461</inkml:trace>
 </inkml:ink>
 </file>
 
@@ -474,15 +473,15 @@
           <inkml:channelProperty channel="F" name="resolution" value="0" units="1/dev"/>
         </inkml:channelProperties>
       </inkml:inkSource>
-      <inkml:timestamp xml:id="ts0" timeString="2025-05-20T15:02:28.171"/>
+      <inkml:timestamp xml:id="ts0" timeString="2025-06-05T19:48:35.792"/>
     </inkml:context>
     <inkml:brush xml:id="br0">
-      <inkml:brushProperty name="width" value="0.1" units="cm"/>
-      <inkml:brushProperty name="height" value="0.1" units="cm"/>
-      <inkml:brushProperty name="color" value="#E71224"/>
+      <inkml:brushProperty name="width" value="0.05" units="cm"/>
+      <inkml:brushProperty name="height" value="0.05" units="cm"/>
+      <inkml:brushProperty name="color" value="#004F8B"/>
     </inkml:brush>
   </inkml:definitions>
-  <inkml:trace contextRef="#ctx0" brushRef="#br0">1 0 24575,'5'0'0,"10"5"0,13 6 0,6 6 0,3 5 0,3 4 0,-4 1 0,1-3 0,-1-1 0,-7 0 0,-3 1 0,-2-3 0,-4-1 0,3-4 0,-2-4-8191</inkml:trace>
+  <inkml:trace contextRef="#ctx0" brushRef="#br0">365 558 24575,'1359'0'0,"-1301"-3"0,108-19 0,-19 0 0,-138 22 0,15-3 0,45-8 0,-62 9 0,0-1 0,0 1 0,0-1 0,0 0 0,0-1 0,0 1 0,-1-1 0,0-1 0,0 1 0,8-8 0,-4 2 0,-1 0 0,0-1 0,0 0 0,-1 0 0,-1-1 0,10-18 0,-14 24 0,-1-1 0,0 0 0,0 0 0,-1 0 0,1 0 0,-2 0 0,1 0 0,-1-1 0,0 1 0,0 0 0,-1 0 0,0 0 0,0 0 0,-4-12 0,3 12 0,-1 0 0,0 1 0,0-1 0,0 0 0,-1 1 0,0 0 0,0 0 0,0 0 0,-1 0 0,0 1 0,0-1 0,-1 1 0,1 1 0,-1-1 0,0 1 0,0 0 0,-11-5 0,-5 0 0,-1 1 0,0 1 0,0 0 0,-25-2 0,-8-3 0,-173-27 0,44 10 0,134 22 0,-1 3 0,0 1 0,-68 6 0,18 0 0,-1050-3 0,1147 0 0,1 0 0,-1 0 0,0 1 0,0-1 0,1 1 0,-1 0 0,1 0 0,-1 1 0,1-1 0,-1 1 0,1 0 0,0 0 0,0 1 0,0-1 0,0 1 0,0 0 0,0 0 0,1 0 0,-1 1 0,-2 3 0,2 0 0,0-1 0,0 1 0,1 0 0,0 0 0,1 0 0,-1 0 0,1 1 0,1-1 0,0 1 0,0-1 0,0 1 0,1 7 0,-1-3 0,0-1 0,1 0 0,1 1 0,0-1 0,1 0 0,0 0 0,0 0 0,1 0 0,1 0 0,-1-1 0,2 1 0,0-1 0,0 0 0,1 0 0,0-1 0,0 0 0,1 0 0,1 0 0,-1-1 0,1 0 0,1 0 0,-1-1 0,1 0 0,1-1 0,-1 0 0,1 0 0,0-1 0,21 8 0,88 26 0,-71-25 0,51 22 0,-54-16-273,1-2 0,1-2 0,0-2 0,71 10 0,-94-21-6553</inkml:trace>
 </inkml:ink>
 </file>
 
@@ -502,15 +501,15 @@
           <inkml:channelProperty channel="F" name="resolution" value="0" units="1/dev"/>
         </inkml:channelProperties>
       </inkml:inkSource>
-      <inkml:timestamp xml:id="ts0" timeString="2025-05-20T15:02:28.652"/>
+      <inkml:timestamp xml:id="ts0" timeString="2025-06-05T19:48:44.914"/>
     </inkml:context>
     <inkml:brush xml:id="br0">
-      <inkml:brushProperty name="width" value="0.1" units="cm"/>
-      <inkml:brushProperty name="height" value="0.1" units="cm"/>
-      <inkml:brushProperty name="color" value="#E71224"/>
+      <inkml:brushProperty name="width" value="0.05" units="cm"/>
+      <inkml:brushProperty name="height" value="0.05" units="cm"/>
+      <inkml:brushProperty name="color" value="#004F8B"/>
     </inkml:brush>
   </inkml:definitions>
-  <inkml:trace contextRef="#ctx0" brushRef="#br0">823 0 24575,'-5'0'0,"-6"5"0,-11 11 0,-11 7 0,-24 9 0,-11 5 0,0 5 0,3 0 0,3-3 0,7-2 0,-15 1 0,-1 0 0,2-8 0,4 2 0,7-1 0,15-5-8191</inkml:trace>
+  <inkml:trace contextRef="#ctx0" brushRef="#br0">1414 78 24575,'0'-1'0,"0"0"0,0 0 0,-1 1 0,1-1 0,0 0 0,-1 1 0,1-1 0,0 0 0,-1 1 0,1-1 0,-1 1 0,1-1 0,-1 0 0,1 1 0,-1-1 0,1 1 0,-1-1 0,0 1 0,1 0 0,-1-1 0,0 1 0,1 0 0,-1-1 0,0 1 0,0 0 0,1 0 0,-1 0 0,-1 0 0,-24-4 0,20 3 0,-452-7 0,260 11 0,120-1 0,-99 14 0,95-11 0,67-6 0,0 1 0,1 1 0,-1 0 0,1 1 0,-1 0 0,1 1 0,0 1 0,-22 9 0,11-1 0,1 1 0,0 1 0,-41 33 0,58-40 0,-1 0 0,1 1 0,1-1 0,-1 2 0,2-1 0,-1 1 0,1-1 0,0 2 0,1-1 0,0 0 0,0 1 0,1 0 0,-4 18 0,6-19 0,-1 1 0,1-1 0,0 1 0,1-1 0,0 1 0,1-1 0,0 1 0,0-1 0,1 1 0,0-1 0,1 0 0,0 0 0,0 0 0,1 0 0,0-1 0,1 1 0,0-1 0,0 0 0,1-1 0,0 1 0,0-1 0,0 0 0,1 0 0,0-1 0,1 0 0,-1 0 0,13 6 0,18 10 0,1-1 0,1-2 0,1-1 0,1-3 0,0-1 0,1-2 0,0-2 0,72 7 0,35-5 0,182-11 0,-162-3 0,1368 2 0,-1488-3 0,1-2 0,-1-2 0,61-18 0,20-2 0,-63 17 0,-45 8 0,0-1 0,-1 0 0,0-2 0,0 0 0,0-2 0,0 0 0,-1-2 0,0 0 0,20-13 0,-17 6 0,0 0 0,-1-2 0,-1-1 0,0 0 0,-1-2 0,-2 0 0,25-35 0,-36 45 0,-1-1 0,-1 0 0,0-1 0,-1 1 0,0-1 0,5-24 0,-9 32 0,0-1 0,0 1 0,-1-1 0,0 0 0,0 1 0,-1-1 0,1 1 0,-1-1 0,0 1 0,-1-1 0,1 1 0,-1-1 0,0 1 0,0 0 0,-1 0 0,0 0 0,0 0 0,0 1 0,-5-6 0,2 4 0,0 0 0,0 0 0,-1 1 0,0 0 0,0 1 0,-1-1 0,1 1 0,-1 1 0,0-1 0,0 1 0,0 1 0,-10-3 0,-16-1 0,-60-5 0,34 5 0,-451-65 0,408 60 0,1 5 0,-125 9 0,65 0 0,-1232-3-1365,1359 0-5461</inkml:trace>
 </inkml:ink>
 </file>
 
@@ -522,23 +521,24 @@
         <inkml:traceFormat>
           <inkml:channel name="X" type="integer" min="-2.14748E9" max="2.14748E9" units="cm"/>
           <inkml:channel name="Y" type="integer" min="-2.14748E9" max="2.14748E9" units="cm"/>
-          <inkml:channel name="F" type="integer" max="32767" units="dev"/>
         </inkml:traceFormat>
         <inkml:channelProperties>
           <inkml:channelProperty channel="X" name="resolution" value="1000" units="1/cm"/>
           <inkml:channelProperty channel="Y" name="resolution" value="1000" units="1/cm"/>
-          <inkml:channelProperty channel="F" name="resolution" value="0" units="1/dev"/>
         </inkml:channelProperties>
       </inkml:inkSource>
-      <inkml:timestamp xml:id="ts0" timeString="2025-05-20T15:02:36.449"/>
+      <inkml:timestamp xml:id="ts0" timeString="2025-06-05T19:49:01.866"/>
     </inkml:context>
     <inkml:brush xml:id="br0">
-      <inkml:brushProperty name="width" value="0.1" units="cm"/>
-      <inkml:brushProperty name="height" value="0.1" units="cm"/>
-      <inkml:brushProperty name="color" value="#E71224"/>
+      <inkml:brushProperty name="width" value="0.3" units="cm"/>
+      <inkml:brushProperty name="height" value="0.6" units="cm"/>
+      <inkml:brushProperty name="color" value="#FFFC00"/>
+      <inkml:brushProperty name="tip" value="rectangle"/>
+      <inkml:brushProperty name="rasterOp" value="maskPen"/>
+      <inkml:brushProperty name="ignorePressure" value="1"/>
     </inkml:brush>
   </inkml:definitions>
-  <inkml:trace contextRef="#ctx0" brushRef="#br0">897 26 24575,'-5'-3'0,"-1"0"0,1 0 0,0 0 0,-1 1 0,0 0 0,1 0 0,-1 0 0,0 1 0,0-1 0,0 2 0,0-1 0,0 1 0,0-1 0,-7 2 0,0-2 0,-99 0 0,0 5 0,-206 34 0,317-38 0,-24 3 0,1 2 0,0 1 0,-38 13 0,56-16 0,0 0 0,0 0 0,0 0 0,0 1 0,1 0 0,0 0 0,-1 0 0,1 0 0,1 1 0,-1 0 0,1 0 0,-1 1 0,2-1 0,-1 1 0,0 0 0,1 0 0,0 0 0,-2 7 0,-1 8 0,1 0 0,1 0 0,1 0 0,-1 26 0,5 88 0,0-87 0,0-42 0,-1 1 0,1 0 0,0 0 0,0-1 0,1 1 0,0-1 0,0 1 0,0-1 0,1 0 0,0 1 0,1-2 0,-1 1 0,1 0 0,0-1 0,6 7 0,-1-3 0,1 0 0,0-1 0,1-1 0,-1 1 0,2-2 0,-1 1 0,13 4 0,0-2 0,0 0 0,0-2 0,0-1 0,1 0 0,0-2 0,29 1 0,157-6 0,-86-3 0,48 15 0,-168-10 0,-1-1 0,0 0 0,0 0 0,1 0 0,-1 0 0,0-1 0,0 1 0,0-1 0,7-2 0,-9 2 0,-1 0 0,0 0 0,1 1 0,-1-1 0,0 0 0,0 0 0,1 0 0,-1 0 0,0-1 0,0 1 0,0 0 0,0 0 0,0-1 0,-1 1 0,1 0 0,0-1 0,-1 1 0,1-1 0,-1 1 0,1-1 0,-1 1 0,0-1 0,1 1 0,-1-1 0,0 1 0,0-1 0,0 0 0,-1-2 0,-1-10 0,-1 0 0,0 0 0,-1 0 0,-10-24 0,-3-10 0,20 53 0,1 1 0,0-1 0,1 1 0,0-1 0,0 0 0,8 6 0,5 6 0,0 0 0,15 20 0,-30-33 0,1 1 0,-1-1 0,0 1 0,0 0 0,0 0 0,-1 1 0,1-1 0,-2 0 0,1 1 0,0 0 0,-1-1 0,0 1 0,0 0 0,-1 8 0,-1-9 6,0 0 1,0 1-1,-1-1 0,0 0 0,0 0 0,-1 0 1,1-1-1,-1 1 0,0 0 0,0-1 0,-1 0 1,1 0-1,-1 0 0,-8 7 0,-8 6-414,-39 24-1,46-32-232,-24 15-6185</inkml:trace>
+  <inkml:trace contextRef="#ctx0" brushRef="#br0">5646 50,'-1759'0,"1612"-12,11 0,98 11,-325-12,-339 1,431 15,-1923-3,2159 0</inkml:trace>
 </inkml:ink>
 </file>
 
@@ -558,99 +558,19 @@
           <inkml:channelProperty channel="F" name="resolution" value="0" units="1/dev"/>
         </inkml:channelProperties>
       </inkml:inkSource>
-      <inkml:timestamp xml:id="ts0" timeString="2025-05-26T14:34:35.714"/>
+      <inkml:timestamp xml:id="ts0" timeString="2025-06-05T19:50:10.252"/>
     </inkml:context>
     <inkml:brush xml:id="br0">
-      <inkml:brushProperty name="width" value="0.05" units="cm"/>
-      <inkml:brushProperty name="height" value="0.05" units="cm"/>
-      <inkml:brushProperty name="color" value="#004F8B"/>
+      <inkml:brushProperty name="width" value="0.1" units="cm"/>
+      <inkml:brushProperty name="height" value="0.1" units="cm"/>
+      <inkml:brushProperty name="color" value="#AE198D"/>
+      <inkml:brushProperty name="inkEffects" value="galaxy"/>
+      <inkml:brushProperty name="anchorX" value="-9023.97461"/>
+      <inkml:brushProperty name="anchorY" value="-2637.97534"/>
+      <inkml:brushProperty name="scaleFactor" value="0.5"/>
     </inkml:brush>
   </inkml:definitions>
-  <inkml:trace contextRef="#ctx0" brushRef="#br0">1678 226 24575,'-8'-8'0,"0"2"0,-1-1 0,0 1 0,0 1 0,0 0 0,-1 0 0,0 0 0,-16-4 0,-88-19 0,85 22 0,-16-3 0,9 2 0,-67-22 0,55 11 0,0 2 0,-1 1 0,0 3 0,-73-8 0,38 14 0,0 2 0,-107 10 0,179-4 0,0 0 0,1 1 0,-1 0 0,1 1 0,0 0 0,0 1 0,-18 10 0,-2 5 0,-33 28 0,31-23 0,-44 30 0,40-31 0,1 3 0,2 0 0,0 2 0,-33 39 0,60-59 0,1 0 0,0 0 0,0 1 0,1-1 0,1 1 0,-1 1 0,2-1 0,-1 0 0,2 1 0,-1 0 0,1 0 0,1 0 0,0 0 0,1 21 0,0-24 0,1-1 0,0 1 0,1 0 0,-1 0 0,2-1 0,-1 1 0,1-1 0,0 1 0,0-1 0,1 0 0,0 0 0,1-1 0,-1 1 0,1-1 0,0 0 0,1 0 0,-1-1 0,1 0 0,0 1 0,1-2 0,8 6 0,17 6 0,0-2 0,0-1 0,1-2 0,1-1 0,65 11 0,177 2 0,287-22 0,-256-4 0,-291 3 0,148 1 0,216-27 0,-138 1 0,-172 20 0,-46 2 0,0-2 0,0 0 0,-1-1 0,1-1 0,-2-2 0,1 0 0,-1-1 0,0-2 0,-1 0 0,-1-1 0,0-1 0,-1-1 0,0 0 0,23-27 0,-33 33 0,-1 0 0,0-1 0,-1 0 0,0 0 0,0 0 0,-1-1 0,0-1 0,6-18 0,-11 26 0,0-1 0,0 0 0,0 1 0,0-1 0,-1 0 0,0 0 0,0 1 0,0-1 0,-1 0 0,0 1 0,1-1 0,-2 0 0,1 1 0,0-1 0,-1 1 0,0 0 0,0-1 0,0 1 0,-1 0 0,1 0 0,-1 0 0,0 1 0,0-1 0,-1 1 0,-5-6 0,-7-4 0,-1 1 0,-1 1 0,0 0 0,0 1 0,-1 1 0,0 0 0,-34-8 0,3 3 0,-101-13 0,41 18 0,-178 9 0,114 4 0,33-3 0,-255-8 0,360 3-455,-1-1 0,-46-13 0,30 1-6371</inkml:trace>
-</inkml:ink>
-</file>
-
-<file path=ppt/ink/ink24.xml><?xml version="1.0" encoding="utf-8"?>
-<inkml:ink xmlns:inkml="http://www.w3.org/2003/InkML">
-  <inkml:definitions>
-    <inkml:context xml:id="ctx0">
-      <inkml:inkSource xml:id="inkSrc0">
-        <inkml:traceFormat>
-          <inkml:channel name="X" type="integer" min="-2.14748E9" max="2.14748E9" units="cm"/>
-          <inkml:channel name="Y" type="integer" min="-2.14748E9" max="2.14748E9" units="cm"/>
-          <inkml:channel name="F" type="integer" max="32767" units="dev"/>
-        </inkml:traceFormat>
-        <inkml:channelProperties>
-          <inkml:channelProperty channel="X" name="resolution" value="1000" units="1/cm"/>
-          <inkml:channelProperty channel="Y" name="resolution" value="1000" units="1/cm"/>
-          <inkml:channelProperty channel="F" name="resolution" value="0" units="1/dev"/>
-        </inkml:channelProperties>
-      </inkml:inkSource>
-      <inkml:timestamp xml:id="ts0" timeString="2025-05-26T14:34:39.112"/>
-    </inkml:context>
-    <inkml:brush xml:id="br0">
-      <inkml:brushProperty name="width" value="0.05" units="cm"/>
-      <inkml:brushProperty name="height" value="0.05" units="cm"/>
-      <inkml:brushProperty name="color" value="#004F8B"/>
-    </inkml:brush>
-  </inkml:definitions>
-  <inkml:trace contextRef="#ctx0" brushRef="#br0">1097 7204 24575,'0'1'0,"1"1"0,-1-1 0,-1 1 0,1-1 0,0 0 0,0 1 0,0-1 0,-1 0 0,1 1 0,-1-1 0,1 0 0,-1 0 0,1 1 0,-1-1 0,0 0 0,0 0 0,1 0 0,-1 0 0,0 0 0,0 0 0,0 0 0,0 0 0,0 0 0,0-1 0,-1 1 0,1 0 0,0-1 0,0 1 0,0 0 0,-1-1 0,1 0 0,0 1 0,-1-1 0,1 0 0,0 0 0,-1 1 0,1-1 0,0 0 0,-2-1 0,-5 1 0,1-1 0,0 0 0,0 0 0,1-1 0,-1 0 0,-11-4 0,-18-11 0,1-2 0,0-1 0,2-1 0,0-2 0,-50-46 0,-130-154 0,185 192 0,-39-61 0,58 78 0,2 0 0,-1 0 0,2-1 0,0 1 0,1-2 0,1 1 0,-6-30 0,-5-191 0,13 153 0,-24-155 0,-44-49 0,17 76 0,-51-212 0,33 58 0,62 312 0,-8-72 0,-1-148 0,19-131 0,2 164 0,-3-705 0,2 846 0,26-170 0,-20 230 0,1 1 0,2 0 0,28-62 0,63-101 0,-85 169 0,198-301 0,-171 274 0,3 2 0,88-82 0,126-78 0,-260 217 0,25-19 0,-1 0 0,0-2 0,-2 0 0,0-2 0,35-46 0,0-11 0,122-129 0,-76 95 0,-73 77 0,-1-2 0,-1-1 0,-3-1 0,-1-1 0,19-46 0,-8 28 0,-31 53 0,1 0 0,-1 0 0,-1-1 0,1 0 0,-1 0 0,0 0 0,-1 0 0,0-1 0,-1 1 0,1-1 0,0-11 0,-3 19 0,0 0 0,0 0 0,0 0 0,0 0 0,0 0 0,0 0 0,0 0 0,-1 0 0,1 0 0,0 0 0,-1 0 0,1 0 0,-1 0 0,1 1 0,-1-1 0,1 0 0,-1 0 0,1 0 0,-1 1 0,0-1 0,0 0 0,1 1 0,-1-1 0,0 1 0,0-1 0,0 1 0,1-1 0,-1 1 0,0-1 0,0 1 0,0 0 0,0-1 0,0 1 0,0 0 0,0 0 0,0 0 0,0 0 0,0 0 0,0 0 0,0 0 0,0 0 0,0 0 0,-1 1 0,-7 1 0,0 0 0,0 0 0,-16 8 0,11-4 0,-143 56 0,-11 5 0,150-62 0,22-7 0,29-10 0,0 6 0,51-3 0,-65 9 0,-1-2 0,1 0 0,0-1 0,-1 0 0,0-2 0,1 0 0,-2-1 0,32-15 0,-32 9 0,0 0 0,15-15 0,5-3 0,-37 29 0,1 1 0,-1 0 0,0-1 0,1 1 0,-1 0 0,1-1 0,-1 1 0,0 0 0,1-1 0,-1 1 0,1 0 0,-1 0 0,1 0 0,-1-1 0,1 1 0,-1 0 0,1 0 0,-1 0 0,1 0 0,-1 0 0,1 0 0,-1 0 0,1 0 0,-1 0 0,1 0 0,-1 0 0,1 1 0,-1-1 0,1 0 0,-1 0 0,1 0 0,-1 1 0,1-1 0,-1 0 0,1 1 0,-1-1 0,1 0 0,-1 1 0,0-1 0,1 0 0,-1 1 0,1 0 0,7 24 0,-8-22 0,12 77 0,-4 0 0,-4 121 0,-2-42 0,2-112-1365,2-13-5461</inkml:trace>
-</inkml:ink>
-</file>
-
-<file path=ppt/ink/ink25.xml><?xml version="1.0" encoding="utf-8"?>
-<inkml:ink xmlns:inkml="http://www.w3.org/2003/InkML">
-  <inkml:definitions>
-    <inkml:context xml:id="ctx0">
-      <inkml:inkSource xml:id="inkSrc0">
-        <inkml:traceFormat>
-          <inkml:channel name="X" type="integer" min="-2.14748E9" max="2.14748E9" units="cm"/>
-          <inkml:channel name="Y" type="integer" min="-2.14748E9" max="2.14748E9" units="cm"/>
-          <inkml:channel name="F" type="integer" max="32767" units="dev"/>
-        </inkml:traceFormat>
-        <inkml:channelProperties>
-          <inkml:channelProperty channel="X" name="resolution" value="1000" units="1/cm"/>
-          <inkml:channelProperty channel="Y" name="resolution" value="1000" units="1/cm"/>
-          <inkml:channelProperty channel="F" name="resolution" value="0" units="1/dev"/>
-        </inkml:channelProperties>
-      </inkml:inkSource>
-      <inkml:timestamp xml:id="ts0" timeString="2025-05-26T14:35:48.828"/>
-    </inkml:context>
-    <inkml:brush xml:id="br0">
-      <inkml:brushProperty name="width" value="0.05" units="cm"/>
-      <inkml:brushProperty name="height" value="0.05" units="cm"/>
-      <inkml:brushProperty name="color" value="#004F8B"/>
-    </inkml:brush>
-  </inkml:definitions>
-  <inkml:trace contextRef="#ctx0" brushRef="#br0">985 112 24575,'-2'-1'0,"1"-1"0,-1 1 0,0 0 0,1 1 0,-1-1 0,0 0 0,1 0 0,-1 1 0,0-1 0,0 1 0,0-1 0,1 1 0,-1 0 0,0 0 0,-4 0 0,-6-1 0,-260-20 0,27 4 0,15-9 0,227 25 0,-1 1 0,0-1 0,0 1 0,0 0 0,0 0 0,0 1 0,0-1 0,0 1 0,1 0 0,-1 0 0,0 0 0,0 0 0,1 1 0,-1-1 0,1 1 0,-1 0 0,1 0 0,0 0 0,0 1 0,0-1 0,0 1 0,0 0 0,0 0 0,1 0 0,-1 0 0,1 0 0,0 0 0,0 1 0,0-1 0,-1 5 0,-19 36 0,11-24 0,1 0 0,0 1 0,2 0 0,0 1 0,1 0 0,2 0 0,-6 38 0,10-48 0,1 1 0,0-1 0,1 0 0,0 0 0,1 1 0,6 21 0,-5-26 0,0-1 0,1 0 0,-1 0 0,1 0 0,1 0 0,-1-1 0,1 1 0,1-1 0,-1-1 0,1 1 0,11 8 0,0-2 0,1-1 0,0 0 0,0-2 0,1 0 0,20 6 0,105 27 0,-114-34 0,64 17 0,1-4 0,1-4 0,0-5 0,140 1 0,-199-12 0,1 1 0,-1 2 0,0 2 0,-1 1 0,50 17 0,-47-13 0,0-3 0,0-1 0,59 3 0,119-12 0,-210 2 0,0 0 0,0-1 0,0 0 0,-1 0 0,1-1 0,0 0 0,-1 0 0,1 0 0,-1-1 0,1 0 0,-1 0 0,0 0 0,0-1 0,-1 0 0,1 0 0,-1-1 0,0 1 0,0-1 0,0 0 0,-1-1 0,1 1 0,-1-1 0,-1 0 0,1 0 0,-1 0 0,0 0 0,-1 0 0,1-1 0,-1 0 0,0 1 0,-1-1 0,1-7 0,2-40 0,-2 0 0,-10-103 0,7 144 0,0 3 0,1 0 0,-2 0 0,1 0 0,-1 0 0,-1 0 0,1 1 0,-2-1 0,1 1 0,-2-1 0,1 1 0,-1 1 0,0-1 0,-1 1 0,0 0 0,0 0 0,-1 0 0,0 1 0,0 0 0,-1 1 0,0-1 0,0 1 0,-12-6 0,-6-2 0,-1 1 0,-1 1 0,-38-10 0,-93-18 0,-28 7 0,-203-10 0,-192 20 0,383 21-1365,135 3-5461</inkml:trace>
-</inkml:ink>
-</file>
-
-<file path=ppt/ink/ink26.xml><?xml version="1.0" encoding="utf-8"?>
-<inkml:ink xmlns:inkml="http://www.w3.org/2003/InkML">
-  <inkml:definitions>
-    <inkml:context xml:id="ctx0">
-      <inkml:inkSource xml:id="inkSrc0">
-        <inkml:traceFormat>
-          <inkml:channel name="X" type="integer" min="-2.14748E9" max="2.14748E9" units="cm"/>
-          <inkml:channel name="Y" type="integer" min="-2.14748E9" max="2.14748E9" units="cm"/>
-          <inkml:channel name="F" type="integer" max="32767" units="dev"/>
-        </inkml:traceFormat>
-        <inkml:channelProperties>
-          <inkml:channelProperty channel="X" name="resolution" value="1000" units="1/cm"/>
-          <inkml:channelProperty channel="Y" name="resolution" value="1000" units="1/cm"/>
-          <inkml:channelProperty channel="F" name="resolution" value="0" units="1/dev"/>
-        </inkml:channelProperties>
-      </inkml:inkSource>
-      <inkml:timestamp xml:id="ts0" timeString="2025-05-26T14:35:54.141"/>
-    </inkml:context>
-    <inkml:brush xml:id="br0">
-      <inkml:brushProperty name="width" value="0.05" units="cm"/>
-      <inkml:brushProperty name="height" value="0.05" units="cm"/>
-      <inkml:brushProperty name="color" value="#004F8B"/>
-    </inkml:brush>
-  </inkml:definitions>
-  <inkml:trace contextRef="#ctx0" brushRef="#br0">21401 2241 24575,'-1'6'0,"-1"0"0,1-1 0,-1 1 0,0 0 0,-1-1 0,1 1 0,-1-1 0,0 0 0,-1 1 0,1-2 0,-1 1 0,0 0 0,0-1 0,-9 8 0,-20 19 0,0-1 0,-62 42 0,-83 38 0,41-36-338,-3-6-1,-3-7 1,-2-5-1,-168 40 1,-622 101-1355,-671 57-974,1378-220 2548,-1350 166-1603,486-140 1435,4-62 317,596-2-47,-3517 0 2179,2270 5 2263,1680-3-3894,0-2 1,-114-25-1,-109-48-608,177 46 140,-119-35-63,-281-124 0,486 182 0,1-1 0,0-1 0,-30-22 0,40 24 0,-1 1 0,1-1 0,0-1 0,1 0 0,0 0 0,1 0 0,0-1 0,-6-11 0,-45-106 0,39 81 0,-3 1 0,-1 1 0,-54-78 0,-43-39 0,-94-112 0,177 232 0,-2 3 0,-2 1 0,-1 1 0,-63-40 0,-138-61 0,50 30 0,51 31 0,-3 6 0,-168-57 0,157 73 0,70 26 0,-160-77 0,-55-40 0,282 136 0,1 0 0,0-1 0,0-1 0,1 0 0,1-2 0,0 0 0,0 0 0,1-1 0,1-1 0,1 0 0,0-1 0,-16-29 0,13 24 0,0 0 0,-1 1 0,-2 1 0,0 0 0,0 1 0,-2 1 0,0 1 0,-1 1 0,-37-20 0,-11 0 0,-142-51 0,128 57 0,-1 3 0,-1 4 0,0 3 0,-2 5 0,0 3 0,-114 0 0,19 0 0,35-1 0,132 11 0,-1-1 0,1-1 0,0-1 0,0 0 0,-14-7 0,-33-8 0,-38 2 0,-150-7 0,19 3 0,109-3 0,76 13 0,-60-7 0,-268 12 0,340 7 0,34-1 0,0 0 0,1 0 0,-1 1 0,0-1 0,0 0 0,1 0 0,-1 0 0,0 1 0,0-1 0,0 0 0,1 0 0,-1 0 0,0 1 0,0-1 0,0 0 0,0 1 0,0-1 0,1 0 0,-1 0 0,0 1 0,0-1 0,0 0 0,0 1 0,0-1 0,0 0 0,0 1 0,0-1 0,0 0 0,0 0 0,0 1 0,0-1 0,0 0 0,0 1 0,-1-1 0,1 0 0,0 0 0,0 1 0,0-1 0,0 0 0,0 1 0,-1-1 0,1 0 0,0 0 0,0 0 0,0 1 0,-1-1 0,1 0 0,0 0 0,0 0 0,-1 0 0,1 1 0,0-1 0,-1 0 0,1 0 0,0 0 0,0 0 0,-1 0 0,1 0 0,0 0 0,-1 0 0,1 0 0,0 0 0,-1 0 0,1 0 0,0 0 0,-1 0 0,31 26 0,-10-10 0,-14-9 0,-1 1 0,1 0 0,-1 0 0,4 11 0,-6-13 0,-1 0 0,1 0 0,0-1 0,1 0 0,-1 1 0,1-1 0,0-1 0,0 1 0,1 0 0,8 6 0,-13-11 0,0 0 0,1 1 0,-1-1 0,0 0 0,1 0 0,-1 1 0,1-1 0,-1 0 0,1 0 0,-1 0 0,0 0 0,1 0 0,-1 1 0,1-1 0,-1 0 0,1 0 0,-1 0 0,1 0 0,-1 0 0,0 0 0,1 0 0,-1-1 0,1 1 0,-1 0 0,1 0 0,-1 0 0,0 0 0,1-1 0,-1 1 0,1 0 0,-1 0 0,1-1 0,2-15 0,-11-19 0,1 23 0,0 1 0,0-1 0,-15-14 0,17 20 0,-1 0 0,1 0 0,1-1 0,-1 1 0,1-1 0,0 0 0,0 0 0,1-1 0,0 1 0,0-1 0,1 1 0,0-1 0,0 0 0,0-14 0,2 3 20,2-1 0,0 0 0,1 1 0,1-1 0,12-34 0,46-90-1505,-51 121-5341</inkml:trace>
+  <inkml:trace contextRef="#ctx0" brushRef="#br0">316 408 24575,'0'0'0,"4"0"0,6 0 0,5 0 0,8 0 0,9 0 0,1 0 0,5 0 0,-1 0 0,2 0 0,3 0 0,-3 0 0,-3 0 0,-9-5 0,2 0 0,-3 0 0,0 1 0,-1 1 0,-1 1 0,0 1 0,5 1 0,0 0 0,4 0 0,5 0 0,3 0 0,8 1 0,3-1 0,5 0 0,5 0 0,5 0 0,-3 0 0,-2 0 0,-5-5 0,-7 0 0,-9 0 0,-1 1 0,-1 1 0,1 2 0,-2 0 0,6 0 0,6 1 0,-1 0 0,4 0 0,5 1 0,-4-1 0,-7 0 0,-2 0 0,-7 0 0,1 0 0,-4 0 0,1 0 0,3 0 0,2 0 0,-2 0 0,1 0 0,-2 0 0,5 0 0,3 0 0,-4 0 0,-3 0 0,10 0 0,6 0 0,11 0 0,10 0 0,9 0 0,6 0 0,3 0 0,3 0 0,-4 0 0,-10 0 0,-10 0 0,-9 0 0,-3 0 0,0 0 0,2 0 0,2 0 0,-2 0 0,2 0 0,-4 0 0,-8 0 0,-8 0 0,-3 0 0,-6 0 0,1 0 0,1 0 0,7 0 0,3 0 0,2 0 0,5 0 0,0 0 0,0 0 0,3 0 0,9 0 0,-7 0 0,-2 0 0,-4 0 0,-7 0 0,-7 0 0,-6 0 0,-5 0 0,1 0 0,3 0 0,0 0 0,8 0 0,3 0 0,4 0 0,5 0 0,7 0 0,4 0 0,-6 0 0,3 0 0,1 0 0,3 0 0,7 0 0,2 0 0,6 0 0,1 0 0,-2 0 0,-5 0 0,-3 0 0,-1 0 0,-1 0 0,-4 0 0,0 0 0,1 0 0,-4 0 0,2 0 0,5 0 0,3 0 0,2 0 0,-10 0 0,0 0 0,-5 0 0,-3 0 0,1 0 0,-2 0 0,-2 0 0,3 0 0,9 0 0,4 0 0,2 0 0,-2 0 0,0 0 0,0 0 0,-4 0 0,5 0 0,1 0 0,15 0 0,6 0 0,11 0 0,1 0 0,1 0 0,-1 0 0,-17 0 0,-7 0 0,-7 0 0,-7 0 0,-2 0 0,-1 0 0,-3 0 0,2 0 0,-3 0 0,-7 0 0,-4 0 0,-6 0 0,3 0 0,1 0 0,5 0 0,6 0 0,11 0 0,4 0 0,7 0 0,-3 0 0,0 0 0,2 0 0,0 0 0,-10 0 0,-3 0 0,-5 0 0,-9 0 0,1 0 0,-2 0 0,-6 0 0,-5 0 0,4 0 0,-4 0 0,7 0 0,-4 0 0,6-9 0,-3-1 0,-4 0 0,-1 2 0,-4 2 0,-3 3 0,1 0 0,3 3 0,3 0 0,3-5 0,-3 1 0,2-1 0,5 2 0,7 0 0,6-4 0,6 1 0,3 1 0,2 0 0,-8 3 0,0 0 0,-4 1 0,-4 1 0,-3 0 0,8 0 0,3 0 0,4 0 0,3 1 0,2-1 0,1 0 0,-10 0 0,-5-10 0,-9 1 0,-9-1 0,-2 2 0,-1 2 0,8 2 0,6 2 0,8 1 0,10 1 0,0 1 0,12-1 0,5 0 0,-4 1 0,-2-1 0,-7 0 0,-13 0 0,-6 0 0,-11 0 0,-6 0 0,-3 0 0,3 0 0,1 0 0,8 0 0,-2 0 0,7 0 0,5 0 0,-4 0 0,4 0 0,-1 0 0,-2 0 0,-6 0 0,4 0 0,3 0 0,5 0 0,0 0 0,8 0 0,8 0 0,7 0 0,7 0 0,8 0 0,3 0 0,-3 0 0,-5 0 0,-7 0 0,-14-4 0,-9-1 0,-4 0 0,1 1 0,7 1 0,22 1 0,8 1 0,7 1 0,11 0 0,-1 0 0,-5 0 0,-14 0 0,-19 0 0,-17 0 0,-4 0 0,3 1 0,8-1 0,19 0 0,8 0 0,7 0 0,-2 0 0,-15 0 0,-5-1 0,-6 1 0,-7 0 0,-6 0 0,5 0 0,2 0 0,-2 0 0,3 0 0,-5-4 0,-7-1 0,-9 0 0,-3 1 0,-1-4 0,5 2 0,7-5 0,11 1 0,5 2 0,0-2 0,1 1 0,-5 2 0,-8 2 0,-5 2 0,-9 1 0,-2-8 0,4 0 0,7 1 0,10-4 0,16 3 0,23 2 0,13 2 0,4 2 0,-2 3 0,-13 0 0,-15 1 0,-19 0 0,-7 1 0,-3-1 0,1 0 0,-8 1 0,3-1 0,3 0 0,3 0 0,4 0 0,8 0 0,2 0 0,2 0 0,-6 0 0,0-5 0,-6 0 0,-5 0 0,-5 1 0,-8 2 0,2 0 0,4 1 0,4 0 0,1 1 0,4 0 0,3 1 0,-7-1 0,-4 0 0,-2 0 0,-3 0 0,-6 0 0,4 0 0,0 0 0,1 0 0,5 0 0,5 0 0,1 0 0,-7 0 0,-6 0 0,-3 0 0,3 0 0,16 0 0,25 0 0,16 0 0,21 0 0,3 0 0,-16 0 0,-21 0 0,-22 0 0,-18 0 0,-14 0 0,-8 0 0,-6 0 0,3 0 0,0 0 0,0 0 0,0 0 0,0 0 0,-1 0 0,1 0 0,-1 0 0,0 0 0,0 0 0,0 0 0,0 0 0,0 0 0,4 5 0,1 5 0,5-1 0,4 0 0,3 3 0,-1-3 0,-3-1 0,1 2 0,-3-1 0,-3-3 0,-3 4 0,-2-2 0,-2-2 0,-1-2 0,0-1 0,0 4 0,-1 3 0,5 5 0,1 4 0,-1 2 0,0-3 0,-6 1 0,-1-4 0,-1 1 0,1-4 0,4 2 0,2 2 0,1-3 0,-5 7 0,-2-3 0,0-3 0,-5 1 0,1-4 0,-4 8 0,-4 1 0,-3 7 0,2 2 0,-1 1 0,3-5 0,-2-2 0,-1-2 0,-2 1 0,3-1 0,-1 2 0,-1 4 0,-2 2 0,-1 4 0,-2 0 0,0 8 0,-6 4 0,-5-3 0,0-2 0,1 0 0,-3-4 0,-3 1 0,-2-7 0,1-3 0,-1-8 0,-1 0 0,-7-2 0,-6-3 0,-2 1 0,-9 1 0,-8-3 0,-8 3 0,-2-4 0,-9-3 0,-2-3 0,-3-2 0,-5-3 0,-15 0 0,-10-1 0,-17-1 0,-15 1 0,-24-1 0,-9 1 0,-15-1 0,-8 1 0,1 0 0,-6 0 0,4 0 0,6 0 0,15 0 0,25 0 0,19 0 0,21 0 0,5 0 0,7 0 0,2 0 0,-14 0 0,-5 0 0,-21 0 0,-12 0 0,-16 0 0,-8 0 0,-9 0 0,8 0 0,6 0 0,17 0 0,15 0 0,19 0 0,11 0 0,7 0 0,8 0 0,-3 0 0,-2 0 0,-10 0 0,-12 0 0,-15 0 0,-9 0 0,-6 0 0,-3 0 0,3 0 0,11 0 0,15 0 0,15 0 0,18 0 0,9 0 0,6 0 0,8 0 0,0 0 0,-5 0 0,-2 0 0,-7 0 0,-1 0 0,-6 0 0,-4 0 0,-4 0 0,-7 0 0,-1 0 0,-12 0 0,-4 0 0,-18 0 0,-8 0 0,-1 0 0,-6 0 0,17 0 0,-3 0 0,10 0 0,8 0 0,2 0 0,6 0 0,-1 0 0,-5 0 0,1 0 0,-7 0 0,-1 0 0,4 0 0,4 0 0,6 0 0,4 0 0,8 0 0,-2 0 0,2 0 0,-1 0 0,9 0 0,6 0 0,5 0 0,12 0 0,7 0 0,6 0 0,-1 0 0,-4 0 0,-9 0 0,-9 0 0,-8 0 0,-2 0 0,-5 0 0,8 0 0,2 0 0,4 0 0,2 0 0,6 0 0,6 0 0,9 0 0,5 0 0,7 0 0,6 0 0,-1 0 0,4 0 0,-8 0 0,-7 0 0,-9 0 0,-2 0 0,-6 0 0,-2 0 0,1 0 0,3 0 0,9 0 0,3 0 0,8 0 0,-4 0 0,-5 0 0,-6 0 0,-1 0 0,0 0 0,2 0 0,7 0 0,2 0 0,-4-4 0,5-6 0,-4 0 0,-6 1 0,-5 2 0,0 3 0,1-4 0,-1 2 0,6 0 0,8-2 0,2 0 0,-3 2 0,-1 1 0,-10-2 0,-6 0 0,1 1 0,-4 2 0,4 1 0,-2 2 0,4 0 0,-7 1 0,4 0 0,-7-4 0,-1-1 0,3 0 0,14-4 0,6 1 0,9 2 0,2 0 0,-1 3 0,-1 1 0,-2 1 0,-21 1 0,-12 0 0,-7 1 0,-6-1 0,6 0 0,6 0 0,4 1 0,12-1 0,6 0 0,5 0 0,-3 0 0,6 0 0,-4 0 0,-4 0 0,-11 0 0,-4 0 0,-4 0 0,-2 0 0,1 0 0,-1 0 0,1 0 0,5 0 0,2 0 0,-1 0 0,10 0 0,4 0 0,-2 0 0,8 0 0,1 0 0,2 0 0,-5 0 0,-6 0 0,-9 0 0,-11 0 0,-7 0 0,7 0 0,2 0 0,12 0 0,1 0 0,10 0 0,8 0 0,8 0 0,-5 0 0,0 0 0,-9 0 0,-10 0 0,-8 0 0,5 0 0,3 0 0,8 0 0,4 0 0,2 0 0,1 0 0,4 0 0,0 0 0,-6 0 0,-2 0 0,-6 0 0,-6 0 0,5 0 0,-3 0 0,7 0 0,2 0 0,1 0 0,2 0 0,4 0 0,1 0 0,3 0 0,-4 0 0,-8 0 0,-1 0 0,-7 0 0,0 0 0,2 0 0,-4 0 0,-2 0 0,6 0 0,-2 0 0,-2 0 0,-3 0 0,1 0 0,-1 0 0,-3 0 0,8 0 0,-1 0 0,-2 0 0,2 0 0,3 0 0,2 0 0,7 0 0,2 0 0,2 0 0,4 0 0,-1 0 0,-5 0 0,2 0 0,-6 0 0,-1 0 0,4 0 0,5 0 0,6 0 0,-1 0 0,4 0 0,-3 0 0,3 0 0,-9 0 0,3 0 0,-4 0 0,3 0 0,-1 0 0,-1 0 0,-2 0 0,-7 0 0,3 0 0,0 0 0,0 0 0,0 0 0,0 0 0,0 0 0,4 0 0,5 0 0,5 0 0,3 0 0,-6 0 0,-3 0 0,-13 0 0,-4 0 0,-6 0 0,5 0 0,3 0 0,7 0 0,7 0 0,6 0 0,5 0 0,3 0 0,-2 0 0,0 0 0,0 0 0,2 0 0,-5 0 0,1 0 0,-9 0 0,-9 0 0,2 0 0,-7 0 0,-5 0 0,4 0 0,2 0 0,6 0 0,7 0 0,6 0 0,-1-10 0,-1-4 0,-4-1 0,2 2 0,3 3 0,-3-1 0,3 2 0,3 3 0,6-4 0,3-3 0,2-3 0,4-3 0,5-2 0,4-7 0,3-1 0,3 0 0,1 0 0,5 2 0,6 0 0,-1 2 0,4-4 0,4-1 0,2 6 0,-3 2 0,1 5 0,1 0 0,-4 0 0,2 3 0,0 4 0,-2-2 0,1 3 0,1 2 0,3-2 0,0 1 0,-2-2 0,0 0 0,1-2 0,6 2 0,6 1 0,1-6 0,0 1 0,-1 2 0,-2 3 0,-2 3 0,-6 3 0</inkml:trace>
 </inkml:ink>
 </file>
 
@@ -4120,6 +4040,98 @@
           </a:p>
         </p:txBody>
       </p:sp>
+      <p:sp>
+        <p:nvSpPr>
+          <p:cNvPr id="4" name="Rectangle 3">
+            <a:extLst>
+              <a:ext uri="{FF2B5EF4-FFF2-40B4-BE49-F238E27FC236}">
+                <a16:creationId xmlns:a16="http://schemas.microsoft.com/office/drawing/2014/main" id="{020A8B35-F7D6-1953-1F61-F231E65F5E89}"/>
+              </a:ext>
+            </a:extLst>
+          </p:cNvPr>
+          <p:cNvSpPr/>
+          <p:nvPr/>
+        </p:nvSpPr>
+        <p:spPr>
+          <a:xfrm>
+            <a:off x="175404" y="4619146"/>
+            <a:ext cx="6242649" cy="1461458"/>
+          </a:xfrm>
+          <a:prstGeom prst="rect">
+            <a:avLst/>
+          </a:prstGeom>
+          <a:solidFill>
+            <a:srgbClr val="92D050"/>
+          </a:solidFill>
+        </p:spPr>
+        <p:style>
+          <a:lnRef idx="2">
+            <a:schemeClr val="accent3">
+              <a:shade val="50000"/>
+            </a:schemeClr>
+          </a:lnRef>
+          <a:fillRef idx="1">
+            <a:schemeClr val="accent3"/>
+          </a:fillRef>
+          <a:effectRef idx="0">
+            <a:schemeClr val="accent3"/>
+          </a:effectRef>
+          <a:fontRef idx="minor">
+            <a:schemeClr val="lt1"/>
+          </a:fontRef>
+        </p:style>
+        <p:txBody>
+          <a:bodyPr rtlCol="0" anchor="ctr"/>
+          <a:lstStyle/>
+          <a:p>
+            <a:r>
+              <a:rPr lang="en-US" sz="2400" dirty="0">
+                <a:solidFill>
+                  <a:srgbClr val="FFFFFF"/>
+                </a:solidFill>
+              </a:rPr>
+              <a:t>The </a:t>
+            </a:r>
+            <a:r>
+              <a:rPr lang="en-US" sz="2400" i="1" dirty="0">
+                <a:solidFill>
+                  <a:srgbClr val="FFFFFF"/>
+                </a:solidFill>
+              </a:rPr>
+              <a:t>git</a:t>
+            </a:r>
+            <a:r>
+              <a:rPr lang="en-US" sz="2400" dirty="0">
+                <a:solidFill>
+                  <a:srgbClr val="FFFFFF"/>
+                </a:solidFill>
+              </a:rPr>
+              <a:t> project for this part is:</a:t>
+            </a:r>
+          </a:p>
+          <a:p>
+            <a:pPr marL="342900" indent="-342900">
+              <a:buFont typeface="Arial" panose="020B0604020202020204" pitchFamily="34" charset="0"/>
+              <a:buChar char="•"/>
+            </a:pPr>
+            <a:r>
+              <a:rPr lang="en-US" sz="2400" i="1" dirty="0" err="1"/>
+              <a:t>PracticeSolutionChessJARDemo</a:t>
+            </a:r>
+            <a:endParaRPr lang="en-US" sz="2400" i="1" dirty="0"/>
+          </a:p>
+          <a:p>
+            <a:pPr marL="342900" indent="-342900">
+              <a:buFont typeface="Arial" panose="020B0604020202020204" pitchFamily="34" charset="0"/>
+              <a:buChar char="•"/>
+            </a:pPr>
+            <a:r>
+              <a:rPr lang="en-US" sz="2400" i="1" dirty="0"/>
+              <a:t>Your Final CSSE220 Project Repo</a:t>
+            </a:r>
+          </a:p>
+        </p:txBody>
+      </p:sp>
     </p:spTree>
     <p:extLst>
       <p:ext uri="{BB962C8B-B14F-4D97-AF65-F5344CB8AC3E}">
@@ -4416,8 +4428,8 @@
           </a:prstGeom>
         </p:spPr>
       </p:pic>
-      <mc:AlternateContent xmlns:mc="http://schemas.openxmlformats.org/markup-compatibility/2006">
-        <mc:Choice xmlns:p14="http://schemas.microsoft.com/office/powerpoint/2010/main" Requires="p14">
+      <mc:AlternateContent xmlns:mc="http://schemas.openxmlformats.org/markup-compatibility/2006" xmlns:p14="http://schemas.microsoft.com/office/powerpoint/2010/main">
+        <mc:Choice Requires="p14">
           <p:contentPart p14:bwMode="auto" r:id="rId4">
             <p14:nvContentPartPr>
               <p14:cNvPr id="9" name="Ink 8">
@@ -4436,7 +4448,7 @@
             </p14:xfrm>
           </p:contentPart>
         </mc:Choice>
-        <mc:Fallback>
+        <mc:Fallback xmlns="">
           <p:pic>
             <p:nvPicPr>
               <p:cNvPr id="9" name="Ink 8">
@@ -4467,8 +4479,8 @@
           </p:pic>
         </mc:Fallback>
       </mc:AlternateContent>
-      <mc:AlternateContent xmlns:mc="http://schemas.openxmlformats.org/markup-compatibility/2006">
-        <mc:Choice xmlns:p14="http://schemas.microsoft.com/office/powerpoint/2010/main" Requires="p14">
+      <mc:AlternateContent xmlns:mc="http://schemas.openxmlformats.org/markup-compatibility/2006" xmlns:p14="http://schemas.microsoft.com/office/powerpoint/2010/main">
+        <mc:Choice Requires="p14">
           <p:contentPart p14:bwMode="auto" r:id="rId6">
             <p14:nvContentPartPr>
               <p14:cNvPr id="10" name="Ink 9">
@@ -4487,7 +4499,7 @@
             </p14:xfrm>
           </p:contentPart>
         </mc:Choice>
-        <mc:Fallback>
+        <mc:Fallback xmlns="">
           <p:pic>
             <p:nvPicPr>
               <p:cNvPr id="10" name="Ink 9">
@@ -4518,8 +4530,8 @@
           </p:pic>
         </mc:Fallback>
       </mc:AlternateContent>
-      <mc:AlternateContent xmlns:mc="http://schemas.openxmlformats.org/markup-compatibility/2006">
-        <mc:Choice xmlns:p14="http://schemas.microsoft.com/office/powerpoint/2010/main" Requires="p14">
+      <mc:AlternateContent xmlns:mc="http://schemas.openxmlformats.org/markup-compatibility/2006" xmlns:p14="http://schemas.microsoft.com/office/powerpoint/2010/main">
+        <mc:Choice Requires="p14">
           <p:contentPart p14:bwMode="auto" r:id="rId8">
             <p14:nvContentPartPr>
               <p14:cNvPr id="16" name="Ink 15">
@@ -4538,7 +4550,7 @@
             </p14:xfrm>
           </p:contentPart>
         </mc:Choice>
-        <mc:Fallback>
+        <mc:Fallback xmlns="">
           <p:pic>
             <p:nvPicPr>
               <p:cNvPr id="16" name="Ink 15">
@@ -4865,8 +4877,8 @@
           </a:prstGeom>
         </p:spPr>
       </p:pic>
-      <mc:AlternateContent xmlns:mc="http://schemas.openxmlformats.org/markup-compatibility/2006">
-        <mc:Choice xmlns:p14="http://schemas.microsoft.com/office/powerpoint/2010/main" Requires="p14">
+      <mc:AlternateContent xmlns:mc="http://schemas.openxmlformats.org/markup-compatibility/2006" xmlns:p14="http://schemas.microsoft.com/office/powerpoint/2010/main">
+        <mc:Choice Requires="p14">
           <p:contentPart p14:bwMode="auto" r:id="rId4">
             <p14:nvContentPartPr>
               <p14:cNvPr id="9" name="Ink 8">
@@ -4885,7 +4897,7 @@
             </p14:xfrm>
           </p:contentPart>
         </mc:Choice>
-        <mc:Fallback>
+        <mc:Fallback xmlns="">
           <p:pic>
             <p:nvPicPr>
               <p:cNvPr id="9" name="Ink 8">
@@ -4916,8 +4928,8 @@
           </p:pic>
         </mc:Fallback>
       </mc:AlternateContent>
-      <mc:AlternateContent xmlns:mc="http://schemas.openxmlformats.org/markup-compatibility/2006">
-        <mc:Choice xmlns:p14="http://schemas.microsoft.com/office/powerpoint/2010/main" Requires="p14">
+      <mc:AlternateContent xmlns:mc="http://schemas.openxmlformats.org/markup-compatibility/2006" xmlns:p14="http://schemas.microsoft.com/office/powerpoint/2010/main">
+        <mc:Choice Requires="p14">
           <p:contentPart p14:bwMode="auto" r:id="rId6">
             <p14:nvContentPartPr>
               <p14:cNvPr id="10" name="Ink 9">
@@ -4936,7 +4948,7 @@
             </p14:xfrm>
           </p:contentPart>
         </mc:Choice>
-        <mc:Fallback>
+        <mc:Fallback xmlns="">
           <p:pic>
             <p:nvPicPr>
               <p:cNvPr id="10" name="Ink 9">
@@ -4967,8 +4979,8 @@
           </p:pic>
         </mc:Fallback>
       </mc:AlternateContent>
-      <mc:AlternateContent xmlns:mc="http://schemas.openxmlformats.org/markup-compatibility/2006">
-        <mc:Choice xmlns:p14="http://schemas.microsoft.com/office/powerpoint/2010/main" Requires="p14">
+      <mc:AlternateContent xmlns:mc="http://schemas.openxmlformats.org/markup-compatibility/2006" xmlns:p14="http://schemas.microsoft.com/office/powerpoint/2010/main">
+        <mc:Choice Requires="p14">
           <p:contentPart p14:bwMode="auto" r:id="rId8">
             <p14:nvContentPartPr>
               <p14:cNvPr id="12" name="Ink 11">
@@ -4987,7 +4999,7 @@
             </p14:xfrm>
           </p:contentPart>
         </mc:Choice>
-        <mc:Fallback>
+        <mc:Fallback xmlns="">
           <p:pic>
             <p:nvPicPr>
               <p:cNvPr id="12" name="Ink 11">
@@ -5018,8 +5030,8 @@
           </p:pic>
         </mc:Fallback>
       </mc:AlternateContent>
-      <mc:AlternateContent xmlns:mc="http://schemas.openxmlformats.org/markup-compatibility/2006">
-        <mc:Choice xmlns:p14="http://schemas.microsoft.com/office/powerpoint/2010/main" Requires="p14">
+      <mc:AlternateContent xmlns:mc="http://schemas.openxmlformats.org/markup-compatibility/2006" xmlns:p14="http://schemas.microsoft.com/office/powerpoint/2010/main">
+        <mc:Choice Requires="p14">
           <p:contentPart p14:bwMode="auto" r:id="rId10">
             <p14:nvContentPartPr>
               <p14:cNvPr id="13" name="Ink 12">
@@ -5038,7 +5050,7 @@
             </p14:xfrm>
           </p:contentPart>
         </mc:Choice>
-        <mc:Fallback>
+        <mc:Fallback xmlns="">
           <p:pic>
             <p:nvPicPr>
               <p:cNvPr id="13" name="Ink 12">
@@ -5069,8 +5081,8 @@
           </p:pic>
         </mc:Fallback>
       </mc:AlternateContent>
-      <mc:AlternateContent xmlns:mc="http://schemas.openxmlformats.org/markup-compatibility/2006">
-        <mc:Choice xmlns:p14="http://schemas.microsoft.com/office/powerpoint/2010/main" Requires="p14">
+      <mc:AlternateContent xmlns:mc="http://schemas.openxmlformats.org/markup-compatibility/2006" xmlns:p14="http://schemas.microsoft.com/office/powerpoint/2010/main">
+        <mc:Choice Requires="p14">
           <p:contentPart p14:bwMode="auto" r:id="rId12">
             <p14:nvContentPartPr>
               <p14:cNvPr id="15" name="Ink 14">
@@ -5089,7 +5101,7 @@
             </p14:xfrm>
           </p:contentPart>
         </mc:Choice>
-        <mc:Fallback>
+        <mc:Fallback xmlns="">
           <p:pic>
             <p:nvPicPr>
               <p:cNvPr id="15" name="Ink 14">
@@ -5120,8 +5132,8 @@
           </p:pic>
         </mc:Fallback>
       </mc:AlternateContent>
-      <mc:AlternateContent xmlns:mc="http://schemas.openxmlformats.org/markup-compatibility/2006">
-        <mc:Choice xmlns:p14="http://schemas.microsoft.com/office/powerpoint/2010/main" Requires="p14">
+      <mc:AlternateContent xmlns:mc="http://schemas.openxmlformats.org/markup-compatibility/2006" xmlns:p14="http://schemas.microsoft.com/office/powerpoint/2010/main">
+        <mc:Choice Requires="p14">
           <p:contentPart p14:bwMode="auto" r:id="rId14">
             <p14:nvContentPartPr>
               <p14:cNvPr id="16" name="Ink 15">
@@ -5140,7 +5152,7 @@
             </p14:xfrm>
           </p:contentPart>
         </mc:Choice>
-        <mc:Fallback>
+        <mc:Fallback xmlns="">
           <p:pic>
             <p:nvPicPr>
               <p:cNvPr id="16" name="Ink 15">
@@ -5171,8 +5183,8 @@
           </p:pic>
         </mc:Fallback>
       </mc:AlternateContent>
-      <mc:AlternateContent xmlns:mc="http://schemas.openxmlformats.org/markup-compatibility/2006">
-        <mc:Choice xmlns:p14="http://schemas.microsoft.com/office/powerpoint/2010/main" Requires="p14">
+      <mc:AlternateContent xmlns:mc="http://schemas.openxmlformats.org/markup-compatibility/2006" xmlns:p14="http://schemas.microsoft.com/office/powerpoint/2010/main">
+        <mc:Choice Requires="p14">
           <p:contentPart p14:bwMode="auto" r:id="rId16">
             <p14:nvContentPartPr>
               <p14:cNvPr id="17" name="Ink 16">
@@ -5191,7 +5203,7 @@
             </p14:xfrm>
           </p:contentPart>
         </mc:Choice>
-        <mc:Fallback>
+        <mc:Fallback xmlns="">
           <p:pic>
             <p:nvPicPr>
               <p:cNvPr id="17" name="Ink 16">
@@ -5222,8 +5234,8 @@
           </p:pic>
         </mc:Fallback>
       </mc:AlternateContent>
-      <mc:AlternateContent xmlns:mc="http://schemas.openxmlformats.org/markup-compatibility/2006">
-        <mc:Choice xmlns:p14="http://schemas.microsoft.com/office/powerpoint/2010/main" Requires="p14">
+      <mc:AlternateContent xmlns:mc="http://schemas.openxmlformats.org/markup-compatibility/2006" xmlns:p14="http://schemas.microsoft.com/office/powerpoint/2010/main">
+        <mc:Choice Requires="p14">
           <p:contentPart p14:bwMode="auto" r:id="rId18">
             <p14:nvContentPartPr>
               <p14:cNvPr id="18" name="Ink 17">
@@ -5242,7 +5254,7 @@
             </p14:xfrm>
           </p:contentPart>
         </mc:Choice>
-        <mc:Fallback>
+        <mc:Fallback xmlns="">
           <p:pic>
             <p:nvPicPr>
               <p:cNvPr id="18" name="Ink 17">
@@ -5273,8 +5285,8 @@
           </p:pic>
         </mc:Fallback>
       </mc:AlternateContent>
-      <mc:AlternateContent xmlns:mc="http://schemas.openxmlformats.org/markup-compatibility/2006">
-        <mc:Choice xmlns:p14="http://schemas.microsoft.com/office/powerpoint/2010/main" Requires="p14">
+      <mc:AlternateContent xmlns:mc="http://schemas.openxmlformats.org/markup-compatibility/2006" xmlns:p14="http://schemas.microsoft.com/office/powerpoint/2010/main">
+        <mc:Choice Requires="p14">
           <p:contentPart p14:bwMode="auto" r:id="rId20">
             <p14:nvContentPartPr>
               <p14:cNvPr id="19" name="Ink 18">
@@ -5293,7 +5305,7 @@
             </p14:xfrm>
           </p:contentPart>
         </mc:Choice>
-        <mc:Fallback>
+        <mc:Fallback xmlns="">
           <p:pic>
             <p:nvPicPr>
               <p:cNvPr id="19" name="Ink 18">
@@ -5324,8 +5336,8 @@
           </p:pic>
         </mc:Fallback>
       </mc:AlternateContent>
-      <mc:AlternateContent xmlns:mc="http://schemas.openxmlformats.org/markup-compatibility/2006">
-        <mc:Choice xmlns:p14="http://schemas.microsoft.com/office/powerpoint/2010/main" Requires="p14">
+      <mc:AlternateContent xmlns:mc="http://schemas.openxmlformats.org/markup-compatibility/2006" xmlns:p14="http://schemas.microsoft.com/office/powerpoint/2010/main">
+        <mc:Choice Requires="p14">
           <p:contentPart p14:bwMode="auto" r:id="rId22">
             <p14:nvContentPartPr>
               <p14:cNvPr id="21" name="Ink 20">
@@ -5344,7 +5356,7 @@
             </p14:xfrm>
           </p:contentPart>
         </mc:Choice>
-        <mc:Fallback>
+        <mc:Fallback xmlns="">
           <p:pic>
             <p:nvPicPr>
               <p:cNvPr id="21" name="Ink 20">
@@ -5490,7 +5502,7 @@
           <a:p>
             <a:r>
               <a:rPr lang="en-US" dirty="0"/>
-              <a:t>Now the files are considered part of the root and you don’t need to reference the folder:</a:t>
+              <a:t>Now the files are considered part of the root and you don’t need to reference the folder (in our examples we use resources/images):</a:t>
             </a:r>
           </a:p>
           <a:p>
@@ -5607,10 +5619,10 @@
       </p:grpSpPr>
       <p:pic>
         <p:nvPicPr>
-          <p:cNvPr id="5" name="Picture 4">
-            <a:extLst>
-              <a:ext uri="{FF2B5EF4-FFF2-40B4-BE49-F238E27FC236}">
-                <a16:creationId xmlns:a16="http://schemas.microsoft.com/office/drawing/2014/main" id="{1CBAFFC8-FAA9-B9C3-3D65-DF91FC54B095}"/>
+          <p:cNvPr id="24" name="Picture 23">
+            <a:extLst>
+              <a:ext uri="{FF2B5EF4-FFF2-40B4-BE49-F238E27FC236}">
+                <a16:creationId xmlns:a16="http://schemas.microsoft.com/office/drawing/2014/main" id="{4130004A-F4F0-392A-8567-B4F9F8E14F8B}"/>
               </a:ext>
             </a:extLst>
           </p:cNvPr>
@@ -5621,14 +5633,87 @@
         </p:nvPicPr>
         <p:blipFill>
           <a:blip r:embed="rId2"/>
+          <a:srcRect b="19845"/>
           <a:stretch>
             <a:fillRect/>
           </a:stretch>
         </p:blipFill>
         <p:spPr>
           <a:xfrm>
-            <a:off x="0" y="0"/>
-            <a:ext cx="2726871" cy="6858000"/>
+            <a:off x="2475156" y="2406770"/>
+            <a:ext cx="9322818" cy="4262267"/>
+          </a:xfrm>
+          <a:prstGeom prst="rect">
+            <a:avLst/>
+          </a:prstGeom>
+        </p:spPr>
+      </p:pic>
+      <p:sp>
+        <p:nvSpPr>
+          <p:cNvPr id="4" name="TextBox 3">
+            <a:extLst>
+              <a:ext uri="{FF2B5EF4-FFF2-40B4-BE49-F238E27FC236}">
+                <a16:creationId xmlns:a16="http://schemas.microsoft.com/office/drawing/2014/main" id="{BEF6668A-F046-C668-ACAC-882C60B4A22A}"/>
+              </a:ext>
+            </a:extLst>
+          </p:cNvPr>
+          <p:cNvSpPr txBox="1"/>
+          <p:nvPr/>
+        </p:nvSpPr>
+        <p:spPr>
+          <a:xfrm>
+            <a:off x="72447" y="0"/>
+            <a:ext cx="8726033" cy="830997"/>
+          </a:xfrm>
+          <a:prstGeom prst="rect">
+            <a:avLst/>
+          </a:prstGeom>
+          <a:noFill/>
+        </p:spPr>
+        <p:txBody>
+          <a:bodyPr wrap="square" rtlCol="0">
+            <a:spAutoFit/>
+          </a:bodyPr>
+          <a:lstStyle/>
+          <a:p>
+            <a:r>
+              <a:rPr lang="en-US" sz="2400" dirty="0"/>
+              <a:t>Make sure you have a source folder (e.g. resources)</a:t>
+            </a:r>
+          </a:p>
+          <a:p>
+            <a:r>
+              <a:rPr lang="en-US" sz="2400" dirty="0"/>
+              <a:t>and add all files into it (images/audio/etc.)</a:t>
+            </a:r>
+          </a:p>
+        </p:txBody>
+      </p:sp>
+      <p:pic>
+        <p:nvPicPr>
+          <p:cNvPr id="26" name="Picture 25">
+            <a:extLst>
+              <a:ext uri="{FF2B5EF4-FFF2-40B4-BE49-F238E27FC236}">
+                <a16:creationId xmlns:a16="http://schemas.microsoft.com/office/drawing/2014/main" id="{3875961B-0DE9-2A38-0608-132035757D60}"/>
+              </a:ext>
+            </a:extLst>
+          </p:cNvPr>
+          <p:cNvPicPr>
+            <a:picLocks noChangeAspect="1"/>
+          </p:cNvPicPr>
+          <p:nvPr/>
+        </p:nvPicPr>
+        <p:blipFill>
+          <a:blip r:embed="rId3"/>
+          <a:srcRect r="37752"/>
+          <a:stretch>
+            <a:fillRect/>
+          </a:stretch>
+        </p:blipFill>
+        <p:spPr>
+          <a:xfrm>
+            <a:off x="156374" y="1018838"/>
+            <a:ext cx="2371976" cy="5706271"/>
           </a:xfrm>
           <a:prstGeom prst="rect">
             <a:avLst/>
@@ -5637,10 +5722,10 @@
       </p:pic>
       <p:pic>
         <p:nvPicPr>
-          <p:cNvPr id="7" name="Picture 6">
-            <a:extLst>
-              <a:ext uri="{FF2B5EF4-FFF2-40B4-BE49-F238E27FC236}">
-                <a16:creationId xmlns:a16="http://schemas.microsoft.com/office/drawing/2014/main" id="{5CD7CDB0-78E6-2519-CC99-BED65613E6CC}"/>
+          <p:cNvPr id="29" name="Picture 28">
+            <a:extLst>
+              <a:ext uri="{FF2B5EF4-FFF2-40B4-BE49-F238E27FC236}">
+                <a16:creationId xmlns:a16="http://schemas.microsoft.com/office/drawing/2014/main" id="{1A7C6D09-18E1-1C53-B957-E1B57FD3DBF0}"/>
               </a:ext>
             </a:extLst>
           </p:cNvPr>
@@ -5650,29 +5735,29 @@
           <p:nvPr/>
         </p:nvPicPr>
         <p:blipFill>
-          <a:blip r:embed="rId3"/>
+          <a:blip r:embed="rId4"/>
           <a:stretch>
             <a:fillRect/>
           </a:stretch>
         </p:blipFill>
         <p:spPr>
           <a:xfrm>
-            <a:off x="2876032" y="2220686"/>
-            <a:ext cx="9315968" cy="3495876"/>
+            <a:off x="7384211" y="54384"/>
+            <a:ext cx="4651415" cy="2101443"/>
           </a:xfrm>
           <a:prstGeom prst="rect">
             <a:avLst/>
           </a:prstGeom>
         </p:spPr>
       </p:pic>
-      <mc:AlternateContent xmlns:mc="http://schemas.openxmlformats.org/markup-compatibility/2006" xmlns:p14="http://schemas.microsoft.com/office/powerpoint/2010/main">
-        <mc:Choice Requires="p14">
-          <p:contentPart p14:bwMode="auto" r:id="rId4">
+      <mc:AlternateContent xmlns:mc="http://schemas.openxmlformats.org/markup-compatibility/2006">
+        <mc:Choice xmlns:p14="http://schemas.microsoft.com/office/powerpoint/2010/main" Requires="p14">
+          <p:contentPart p14:bwMode="auto" r:id="rId5">
             <p14:nvContentPartPr>
-              <p14:cNvPr id="8" name="Ink 7">
+              <p14:cNvPr id="33" name="Ink 32">
                 <a:extLst>
                   <a:ext uri="{FF2B5EF4-FFF2-40B4-BE49-F238E27FC236}">
-                    <a16:creationId xmlns:a16="http://schemas.microsoft.com/office/drawing/2014/main" id="{A249139E-391A-CDEB-5732-85A0CC010A44}"/>
+                    <a16:creationId xmlns:a16="http://schemas.microsoft.com/office/drawing/2014/main" id="{E5926DD7-90B6-C3D8-1C20-2E759C0D558C}"/>
                   </a:ext>
                 </a:extLst>
               </p14:cNvPr>
@@ -5680,18 +5765,18 @@
               <p14:nvPr/>
             </p14:nvContentPartPr>
             <p14:xfrm>
-              <a:off x="6176571" y="2680663"/>
-              <a:ext cx="315720" cy="253440"/>
+              <a:off x="11171024" y="1526658"/>
+              <a:ext cx="199440" cy="360"/>
             </p14:xfrm>
           </p:contentPart>
         </mc:Choice>
-        <mc:Fallback xmlns="">
+        <mc:Fallback>
           <p:pic>
             <p:nvPicPr>
-              <p:cNvPr id="8" name="Ink 7">
+              <p:cNvPr id="33" name="Ink 32">
                 <a:extLst>
                   <a:ext uri="{FF2B5EF4-FFF2-40B4-BE49-F238E27FC236}">
-                    <a16:creationId xmlns:a16="http://schemas.microsoft.com/office/drawing/2014/main" id="{A249139E-391A-CDEB-5732-85A0CC010A44}"/>
+                    <a16:creationId xmlns:a16="http://schemas.microsoft.com/office/drawing/2014/main" id="{E5926DD7-90B6-C3D8-1C20-2E759C0D558C}"/>
                   </a:ext>
                 </a:extLst>
               </p:cNvPr>
@@ -5699,15 +5784,15 @@
               <p:nvPr/>
             </p:nvPicPr>
             <p:blipFill>
-              <a:blip r:embed="rId5"/>
+              <a:blip r:embed="rId6"/>
               <a:stretch>
                 <a:fillRect/>
               </a:stretch>
             </p:blipFill>
             <p:spPr>
               <a:xfrm>
-                <a:off x="6158931" y="2663023"/>
-                <a:ext cx="351360" cy="289080"/>
+                <a:off x="11153024" y="1509018"/>
+                <a:ext cx="235080" cy="36000"/>
               </a:xfrm>
               <a:prstGeom prst="rect">
                 <a:avLst/>
@@ -5716,485 +5801,14 @@
           </p:pic>
         </mc:Fallback>
       </mc:AlternateContent>
-      <p:grpSp>
-        <p:nvGrpSpPr>
-          <p:cNvPr id="11" name="Group 10">
-            <a:extLst>
-              <a:ext uri="{FF2B5EF4-FFF2-40B4-BE49-F238E27FC236}">
-                <a16:creationId xmlns:a16="http://schemas.microsoft.com/office/drawing/2014/main" id="{64B3BDF1-0E54-5B2A-BE0D-AF01EA5CCE0C}"/>
-              </a:ext>
-            </a:extLst>
-          </p:cNvPr>
-          <p:cNvGrpSpPr/>
-          <p:nvPr/>
-        </p:nvGrpSpPr>
-        <p:grpSpPr>
-          <a:xfrm>
-            <a:off x="4672131" y="4389943"/>
-            <a:ext cx="7245720" cy="272160"/>
-            <a:chOff x="4672131" y="4389943"/>
-            <a:chExt cx="7245720" cy="272160"/>
-          </a:xfrm>
-        </p:grpSpPr>
-        <mc:AlternateContent xmlns:mc="http://schemas.openxmlformats.org/markup-compatibility/2006" xmlns:p14="http://schemas.microsoft.com/office/powerpoint/2010/main">
-          <mc:Choice Requires="p14">
-            <p:contentPart p14:bwMode="auto" r:id="rId6">
-              <p14:nvContentPartPr>
-                <p14:cNvPr id="9" name="Ink 8">
-                  <a:extLst>
-                    <a:ext uri="{FF2B5EF4-FFF2-40B4-BE49-F238E27FC236}">
-                      <a16:creationId xmlns:a16="http://schemas.microsoft.com/office/drawing/2014/main" id="{175C62D8-9839-EFEE-B528-1A45FE2169A2}"/>
-                    </a:ext>
-                  </a:extLst>
-                </p14:cNvPr>
-                <p14:cNvContentPartPr/>
-                <p14:nvPr/>
-              </p14:nvContentPartPr>
-              <p14:xfrm>
-                <a:off x="4672131" y="4389943"/>
-                <a:ext cx="7245720" cy="82440"/>
-              </p14:xfrm>
-            </p:contentPart>
-          </mc:Choice>
-          <mc:Fallback xmlns="">
-            <p:pic>
-              <p:nvPicPr>
-                <p:cNvPr id="9" name="Ink 8">
-                  <a:extLst>
-                    <a:ext uri="{FF2B5EF4-FFF2-40B4-BE49-F238E27FC236}">
-                      <a16:creationId xmlns:a16="http://schemas.microsoft.com/office/drawing/2014/main" id="{175C62D8-9839-EFEE-B528-1A45FE2169A2}"/>
-                    </a:ext>
-                  </a:extLst>
-                </p:cNvPr>
-                <p:cNvPicPr/>
-                <p:nvPr/>
-              </p:nvPicPr>
-              <p:blipFill>
-                <a:blip r:embed="rId7"/>
-                <a:stretch>
-                  <a:fillRect/>
-                </a:stretch>
-              </p:blipFill>
-              <p:spPr>
-                <a:xfrm>
-                  <a:off x="4654131" y="4372303"/>
-                  <a:ext cx="7281360" cy="118080"/>
-                </a:xfrm>
-                <a:prstGeom prst="rect">
-                  <a:avLst/>
-                </a:prstGeom>
-              </p:spPr>
-            </p:pic>
-          </mc:Fallback>
-        </mc:AlternateContent>
-        <mc:AlternateContent xmlns:mc="http://schemas.openxmlformats.org/markup-compatibility/2006" xmlns:p14="http://schemas.microsoft.com/office/powerpoint/2010/main">
-          <mc:Choice Requires="p14">
-            <p:contentPart p14:bwMode="auto" r:id="rId8">
-              <p14:nvContentPartPr>
-                <p14:cNvPr id="10" name="Ink 9">
-                  <a:extLst>
-                    <a:ext uri="{FF2B5EF4-FFF2-40B4-BE49-F238E27FC236}">
-                      <a16:creationId xmlns:a16="http://schemas.microsoft.com/office/drawing/2014/main" id="{8A2B327C-7F01-F54F-D206-B6F1AA1E5E42}"/>
-                    </a:ext>
-                  </a:extLst>
-                </p14:cNvPr>
-                <p14:cNvContentPartPr/>
-                <p14:nvPr/>
-              </p14:nvContentPartPr>
-              <p14:xfrm>
-                <a:off x="6845091" y="4641943"/>
-                <a:ext cx="841680" cy="20160"/>
-              </p14:xfrm>
-            </p:contentPart>
-          </mc:Choice>
-          <mc:Fallback xmlns="">
-            <p:pic>
-              <p:nvPicPr>
-                <p:cNvPr id="10" name="Ink 9">
-                  <a:extLst>
-                    <a:ext uri="{FF2B5EF4-FFF2-40B4-BE49-F238E27FC236}">
-                      <a16:creationId xmlns:a16="http://schemas.microsoft.com/office/drawing/2014/main" id="{8A2B327C-7F01-F54F-D206-B6F1AA1E5E42}"/>
-                    </a:ext>
-                  </a:extLst>
-                </p:cNvPr>
-                <p:cNvPicPr/>
-                <p:nvPr/>
-              </p:nvPicPr>
-              <p:blipFill>
-                <a:blip r:embed="rId9"/>
-                <a:stretch>
-                  <a:fillRect/>
-                </a:stretch>
-              </p:blipFill>
-              <p:spPr>
-                <a:xfrm>
-                  <a:off x="6827451" y="4624303"/>
-                  <a:ext cx="877320" cy="55800"/>
-                </a:xfrm>
-                <a:prstGeom prst="rect">
-                  <a:avLst/>
-                </a:prstGeom>
-              </p:spPr>
-            </p:pic>
-          </mc:Fallback>
-        </mc:AlternateContent>
-      </p:grpSp>
-      <p:grpSp>
-        <p:nvGrpSpPr>
-          <p:cNvPr id="21" name="Group 20">
-            <a:extLst>
-              <a:ext uri="{FF2B5EF4-FFF2-40B4-BE49-F238E27FC236}">
-                <a16:creationId xmlns:a16="http://schemas.microsoft.com/office/drawing/2014/main" id="{59FE9AE1-6257-2701-C273-1D3AE00A45E1}"/>
-              </a:ext>
-            </a:extLst>
-          </p:cNvPr>
-          <p:cNvGrpSpPr/>
-          <p:nvPr/>
-        </p:nvGrpSpPr>
-        <p:grpSpPr>
-          <a:xfrm>
-            <a:off x="3583851" y="2471503"/>
-            <a:ext cx="648720" cy="424440"/>
-            <a:chOff x="3583851" y="2471503"/>
-            <a:chExt cx="648720" cy="424440"/>
-          </a:xfrm>
-        </p:grpSpPr>
-        <mc:AlternateContent xmlns:mc="http://schemas.openxmlformats.org/markup-compatibility/2006" xmlns:p14="http://schemas.microsoft.com/office/powerpoint/2010/main">
-          <mc:Choice Requires="p14">
-            <p:contentPart p14:bwMode="auto" r:id="rId10">
-              <p14:nvContentPartPr>
-                <p14:cNvPr id="15" name="Ink 14">
-                  <a:extLst>
-                    <a:ext uri="{FF2B5EF4-FFF2-40B4-BE49-F238E27FC236}">
-                      <a16:creationId xmlns:a16="http://schemas.microsoft.com/office/drawing/2014/main" id="{5B8A8898-940D-31B1-009A-20C36E9DD9BC}"/>
-                    </a:ext>
-                  </a:extLst>
-                </p14:cNvPr>
-                <p14:cNvContentPartPr/>
-                <p14:nvPr/>
-              </p14:nvContentPartPr>
-              <p14:xfrm>
-                <a:off x="4029171" y="2471503"/>
-                <a:ext cx="203400" cy="131400"/>
-              </p14:xfrm>
-            </p:contentPart>
-          </mc:Choice>
-          <mc:Fallback xmlns="">
-            <p:pic>
-              <p:nvPicPr>
-                <p:cNvPr id="15" name="Ink 14">
-                  <a:extLst>
-                    <a:ext uri="{FF2B5EF4-FFF2-40B4-BE49-F238E27FC236}">
-                      <a16:creationId xmlns:a16="http://schemas.microsoft.com/office/drawing/2014/main" id="{5B8A8898-940D-31B1-009A-20C36E9DD9BC}"/>
-                    </a:ext>
-                  </a:extLst>
-                </p:cNvPr>
-                <p:cNvPicPr/>
-                <p:nvPr/>
-              </p:nvPicPr>
-              <p:blipFill>
-                <a:blip r:embed="rId11"/>
-                <a:stretch>
-                  <a:fillRect/>
-                </a:stretch>
-              </p:blipFill>
-              <p:spPr>
-                <a:xfrm>
-                  <a:off x="4011531" y="2453863"/>
-                  <a:ext cx="239040" cy="167040"/>
-                </a:xfrm>
-                <a:prstGeom prst="rect">
-                  <a:avLst/>
-                </a:prstGeom>
-              </p:spPr>
-            </p:pic>
-          </mc:Fallback>
-        </mc:AlternateContent>
-        <mc:AlternateContent xmlns:mc="http://schemas.openxmlformats.org/markup-compatibility/2006" xmlns:p14="http://schemas.microsoft.com/office/powerpoint/2010/main">
-          <mc:Choice Requires="p14">
-            <p:contentPart p14:bwMode="auto" r:id="rId12">
-              <p14:nvContentPartPr>
-                <p14:cNvPr id="16" name="Ink 15">
-                  <a:extLst>
-                    <a:ext uri="{FF2B5EF4-FFF2-40B4-BE49-F238E27FC236}">
-                      <a16:creationId xmlns:a16="http://schemas.microsoft.com/office/drawing/2014/main" id="{CAD9783E-8803-B6CF-E638-917C5331F34A}"/>
-                    </a:ext>
-                  </a:extLst>
-                </p14:cNvPr>
-                <p14:cNvContentPartPr/>
-                <p14:nvPr/>
-              </p14:nvContentPartPr>
-              <p14:xfrm>
-                <a:off x="3994251" y="2491663"/>
-                <a:ext cx="205560" cy="158400"/>
-              </p14:xfrm>
-            </p:contentPart>
-          </mc:Choice>
-          <mc:Fallback xmlns="">
-            <p:pic>
-              <p:nvPicPr>
-                <p:cNvPr id="16" name="Ink 15">
-                  <a:extLst>
-                    <a:ext uri="{FF2B5EF4-FFF2-40B4-BE49-F238E27FC236}">
-                      <a16:creationId xmlns:a16="http://schemas.microsoft.com/office/drawing/2014/main" id="{CAD9783E-8803-B6CF-E638-917C5331F34A}"/>
-                    </a:ext>
-                  </a:extLst>
-                </p:cNvPr>
-                <p:cNvPicPr/>
-                <p:nvPr/>
-              </p:nvPicPr>
-              <p:blipFill>
-                <a:blip r:embed="rId13"/>
-                <a:stretch>
-                  <a:fillRect/>
-                </a:stretch>
-              </p:blipFill>
-              <p:spPr>
-                <a:xfrm>
-                  <a:off x="3976611" y="2473663"/>
-                  <a:ext cx="241200" cy="194040"/>
-                </a:xfrm>
-                <a:prstGeom prst="rect">
-                  <a:avLst/>
-                </a:prstGeom>
-              </p:spPr>
-            </p:pic>
-          </mc:Fallback>
-        </mc:AlternateContent>
-        <mc:AlternateContent xmlns:mc="http://schemas.openxmlformats.org/markup-compatibility/2006" xmlns:p14="http://schemas.microsoft.com/office/powerpoint/2010/main">
-          <mc:Choice Requires="p14">
-            <p:contentPart p14:bwMode="auto" r:id="rId14">
-              <p14:nvContentPartPr>
-                <p14:cNvPr id="18" name="Ink 17">
-                  <a:extLst>
-                    <a:ext uri="{FF2B5EF4-FFF2-40B4-BE49-F238E27FC236}">
-                      <a16:creationId xmlns:a16="http://schemas.microsoft.com/office/drawing/2014/main" id="{ED367E2E-22AB-1384-4203-74B0F9DF7DA7}"/>
-                    </a:ext>
-                  </a:extLst>
-                </p14:cNvPr>
-                <p14:cNvContentPartPr/>
-                <p14:nvPr/>
-              </p14:nvContentPartPr>
-              <p14:xfrm>
-                <a:off x="3583851" y="2582383"/>
-                <a:ext cx="482040" cy="313560"/>
-              </p14:xfrm>
-            </p:contentPart>
-          </mc:Choice>
-          <mc:Fallback xmlns="">
-            <p:pic>
-              <p:nvPicPr>
-                <p:cNvPr id="18" name="Ink 17">
-                  <a:extLst>
-                    <a:ext uri="{FF2B5EF4-FFF2-40B4-BE49-F238E27FC236}">
-                      <a16:creationId xmlns:a16="http://schemas.microsoft.com/office/drawing/2014/main" id="{ED367E2E-22AB-1384-4203-74B0F9DF7DA7}"/>
-                    </a:ext>
-                  </a:extLst>
-                </p:cNvPr>
-                <p:cNvPicPr/>
-                <p:nvPr/>
-              </p:nvPicPr>
-              <p:blipFill>
-                <a:blip r:embed="rId15"/>
-                <a:stretch>
-                  <a:fillRect/>
-                </a:stretch>
-              </p:blipFill>
-              <p:spPr>
-                <a:xfrm>
-                  <a:off x="3565851" y="2564383"/>
-                  <a:ext cx="517680" cy="349200"/>
-                </a:xfrm>
-                <a:prstGeom prst="rect">
-                  <a:avLst/>
-                </a:prstGeom>
-              </p:spPr>
-            </p:pic>
-          </mc:Fallback>
-        </mc:AlternateContent>
-      </p:grpSp>
-      <p:grpSp>
-        <p:nvGrpSpPr>
-          <p:cNvPr id="20" name="Group 19">
-            <a:extLst>
-              <a:ext uri="{FF2B5EF4-FFF2-40B4-BE49-F238E27FC236}">
-                <a16:creationId xmlns:a16="http://schemas.microsoft.com/office/drawing/2014/main" id="{4F2CB43C-C2EC-AC3F-6551-89E6199A638F}"/>
-              </a:ext>
-            </a:extLst>
-          </p:cNvPr>
-          <p:cNvGrpSpPr/>
-          <p:nvPr/>
-        </p:nvGrpSpPr>
-        <p:grpSpPr>
-          <a:xfrm>
-            <a:off x="4168491" y="3918703"/>
-            <a:ext cx="644760" cy="411480"/>
-            <a:chOff x="4168491" y="3918703"/>
-            <a:chExt cx="644760" cy="411480"/>
-          </a:xfrm>
-        </p:grpSpPr>
-        <mc:AlternateContent xmlns:mc="http://schemas.openxmlformats.org/markup-compatibility/2006" xmlns:p14="http://schemas.microsoft.com/office/powerpoint/2010/main">
-          <mc:Choice Requires="p14">
-            <p:contentPart p14:bwMode="auto" r:id="rId16">
-              <p14:nvContentPartPr>
-                <p14:cNvPr id="12" name="Ink 11">
-                  <a:extLst>
-                    <a:ext uri="{FF2B5EF4-FFF2-40B4-BE49-F238E27FC236}">
-                      <a16:creationId xmlns:a16="http://schemas.microsoft.com/office/drawing/2014/main" id="{472D27CB-9C55-8550-5C91-E0947822ED72}"/>
-                    </a:ext>
-                  </a:extLst>
-                </p14:cNvPr>
-                <p14:cNvContentPartPr/>
-                <p14:nvPr/>
-              </p14:nvContentPartPr>
-              <p14:xfrm>
-                <a:off x="4571691" y="3948583"/>
-                <a:ext cx="148320" cy="97560"/>
-              </p14:xfrm>
-            </p:contentPart>
-          </mc:Choice>
-          <mc:Fallback xmlns="">
-            <p:pic>
-              <p:nvPicPr>
-                <p:cNvPr id="12" name="Ink 11">
-                  <a:extLst>
-                    <a:ext uri="{FF2B5EF4-FFF2-40B4-BE49-F238E27FC236}">
-                      <a16:creationId xmlns:a16="http://schemas.microsoft.com/office/drawing/2014/main" id="{472D27CB-9C55-8550-5C91-E0947822ED72}"/>
-                    </a:ext>
-                  </a:extLst>
-                </p:cNvPr>
-                <p:cNvPicPr/>
-                <p:nvPr/>
-              </p:nvPicPr>
-              <p:blipFill>
-                <a:blip r:embed="rId17"/>
-                <a:stretch>
-                  <a:fillRect/>
-                </a:stretch>
-              </p:blipFill>
-              <p:spPr>
-                <a:xfrm>
-                  <a:off x="4554051" y="3930583"/>
-                  <a:ext cx="183960" cy="133200"/>
-                </a:xfrm>
-                <a:prstGeom prst="rect">
-                  <a:avLst/>
-                </a:prstGeom>
-              </p:spPr>
-            </p:pic>
-          </mc:Fallback>
-        </mc:AlternateContent>
-        <mc:AlternateContent xmlns:mc="http://schemas.openxmlformats.org/markup-compatibility/2006" xmlns:p14="http://schemas.microsoft.com/office/powerpoint/2010/main">
-          <mc:Choice Requires="p14">
-            <p:contentPart p14:bwMode="auto" r:id="rId18">
-              <p14:nvContentPartPr>
-                <p14:cNvPr id="13" name="Ink 12">
-                  <a:extLst>
-                    <a:ext uri="{FF2B5EF4-FFF2-40B4-BE49-F238E27FC236}">
-                      <a16:creationId xmlns:a16="http://schemas.microsoft.com/office/drawing/2014/main" id="{823F79F5-280B-0D31-7872-918155D5BE37}"/>
-                    </a:ext>
-                  </a:extLst>
-                </p14:cNvPr>
-                <p14:cNvContentPartPr/>
-                <p14:nvPr/>
-              </p14:nvContentPartPr>
-              <p14:xfrm>
-                <a:off x="4516971" y="3918703"/>
-                <a:ext cx="296280" cy="168840"/>
-              </p14:xfrm>
-            </p:contentPart>
-          </mc:Choice>
-          <mc:Fallback xmlns="">
-            <p:pic>
-              <p:nvPicPr>
-                <p:cNvPr id="13" name="Ink 12">
-                  <a:extLst>
-                    <a:ext uri="{FF2B5EF4-FFF2-40B4-BE49-F238E27FC236}">
-                      <a16:creationId xmlns:a16="http://schemas.microsoft.com/office/drawing/2014/main" id="{823F79F5-280B-0D31-7872-918155D5BE37}"/>
-                    </a:ext>
-                  </a:extLst>
-                </p:cNvPr>
-                <p:cNvPicPr/>
-                <p:nvPr/>
-              </p:nvPicPr>
-              <p:blipFill>
-                <a:blip r:embed="rId19"/>
-                <a:stretch>
-                  <a:fillRect/>
-                </a:stretch>
-              </p:blipFill>
-              <p:spPr>
-                <a:xfrm>
-                  <a:off x="4499331" y="3900703"/>
-                  <a:ext cx="331920" cy="204480"/>
-                </a:xfrm>
-                <a:prstGeom prst="rect">
-                  <a:avLst/>
-                </a:prstGeom>
-              </p:spPr>
-            </p:pic>
-          </mc:Fallback>
-        </mc:AlternateContent>
-        <mc:AlternateContent xmlns:mc="http://schemas.openxmlformats.org/markup-compatibility/2006" xmlns:p14="http://schemas.microsoft.com/office/powerpoint/2010/main">
-          <mc:Choice Requires="p14">
-            <p:contentPart p14:bwMode="auto" r:id="rId20">
-              <p14:nvContentPartPr>
-                <p14:cNvPr id="19" name="Ink 18">
-                  <a:extLst>
-                    <a:ext uri="{FF2B5EF4-FFF2-40B4-BE49-F238E27FC236}">
-                      <a16:creationId xmlns:a16="http://schemas.microsoft.com/office/drawing/2014/main" id="{C8422A7E-F78A-DBB4-92A0-96463EC734EC}"/>
-                    </a:ext>
-                  </a:extLst>
-                </p14:cNvPr>
-                <p14:cNvContentPartPr/>
-                <p14:nvPr/>
-              </p14:nvContentPartPr>
-              <p14:xfrm>
-                <a:off x="4168491" y="4009423"/>
-                <a:ext cx="366840" cy="320760"/>
-              </p14:xfrm>
-            </p:contentPart>
-          </mc:Choice>
-          <mc:Fallback xmlns="">
-            <p:pic>
-              <p:nvPicPr>
-                <p:cNvPr id="19" name="Ink 18">
-                  <a:extLst>
-                    <a:ext uri="{FF2B5EF4-FFF2-40B4-BE49-F238E27FC236}">
-                      <a16:creationId xmlns:a16="http://schemas.microsoft.com/office/drawing/2014/main" id="{C8422A7E-F78A-DBB4-92A0-96463EC734EC}"/>
-                    </a:ext>
-                  </a:extLst>
-                </p:cNvPr>
-                <p:cNvPicPr/>
-                <p:nvPr/>
-              </p:nvPicPr>
-              <p:blipFill>
-                <a:blip r:embed="rId21"/>
-                <a:stretch>
-                  <a:fillRect/>
-                </a:stretch>
-              </p:blipFill>
-              <p:spPr>
-                <a:xfrm>
-                  <a:off x="4150491" y="3991423"/>
-                  <a:ext cx="402480" cy="356400"/>
-                </a:xfrm>
-                <a:prstGeom prst="rect">
-                  <a:avLst/>
-                </a:prstGeom>
-              </p:spPr>
-            </p:pic>
-          </mc:Fallback>
-        </mc:AlternateContent>
-      </p:grpSp>
-      <mc:AlternateContent xmlns:mc="http://schemas.openxmlformats.org/markup-compatibility/2006" xmlns:p14="http://schemas.microsoft.com/office/powerpoint/2010/main">
-        <mc:Choice Requires="p14">
-          <p:contentPart p14:bwMode="auto" r:id="rId22">
+      <mc:AlternateContent xmlns:mc="http://schemas.openxmlformats.org/markup-compatibility/2006">
+        <mc:Choice xmlns:p14="http://schemas.microsoft.com/office/powerpoint/2010/main" Requires="p14">
+          <p:contentPart p14:bwMode="auto" r:id="rId7">
             <p14:nvContentPartPr>
-              <p14:cNvPr id="2" name="Ink 1">
+              <p14:cNvPr id="34" name="Ink 33">
                 <a:extLst>
                   <a:ext uri="{FF2B5EF4-FFF2-40B4-BE49-F238E27FC236}">
-                    <a16:creationId xmlns:a16="http://schemas.microsoft.com/office/drawing/2014/main" id="{9C29EC1F-F6F5-3684-0715-C4E03099D2B9}"/>
+                    <a16:creationId xmlns:a16="http://schemas.microsoft.com/office/drawing/2014/main" id="{8F1DB112-9CF5-1809-AE2A-9C1CE82A3E84}"/>
                   </a:ext>
                 </a:extLst>
               </p14:cNvPr>
@@ -6202,18 +5816,18 @@
               <p14:nvPr/>
             </p14:nvContentPartPr>
             <p14:xfrm>
-              <a:off x="84217" y="4136988"/>
-              <a:ext cx="1006560" cy="288720"/>
+              <a:off x="11179664" y="1742298"/>
+              <a:ext cx="590400" cy="360"/>
             </p14:xfrm>
           </p:contentPart>
         </mc:Choice>
-        <mc:Fallback xmlns="">
+        <mc:Fallback>
           <p:pic>
             <p:nvPicPr>
-              <p:cNvPr id="2" name="Ink 1">
+              <p:cNvPr id="34" name="Ink 33">
                 <a:extLst>
                   <a:ext uri="{FF2B5EF4-FFF2-40B4-BE49-F238E27FC236}">
-                    <a16:creationId xmlns:a16="http://schemas.microsoft.com/office/drawing/2014/main" id="{9C29EC1F-F6F5-3684-0715-C4E03099D2B9}"/>
+                    <a16:creationId xmlns:a16="http://schemas.microsoft.com/office/drawing/2014/main" id="{8F1DB112-9CF5-1809-AE2A-9C1CE82A3E84}"/>
                   </a:ext>
                 </a:extLst>
               </p:cNvPr>
@@ -6221,15 +5835,15 @@
               <p:nvPr/>
             </p:nvPicPr>
             <p:blipFill>
-              <a:blip r:embed="rId23"/>
+              <a:blip r:embed="rId8"/>
               <a:stretch>
                 <a:fillRect/>
               </a:stretch>
             </p:blipFill>
             <p:spPr>
               <a:xfrm>
-                <a:off x="75577" y="4127988"/>
-                <a:ext cx="1024200" cy="306360"/>
+                <a:off x="11161664" y="1724658"/>
+                <a:ext cx="626040" cy="36000"/>
               </a:xfrm>
               <a:prstGeom prst="rect">
                 <a:avLst/>
@@ -6238,14 +5852,14 @@
           </p:pic>
         </mc:Fallback>
       </mc:AlternateContent>
-      <mc:AlternateContent xmlns:mc="http://schemas.openxmlformats.org/markup-compatibility/2006" xmlns:p14="http://schemas.microsoft.com/office/powerpoint/2010/main">
-        <mc:Choice Requires="p14">
-          <p:contentPart p14:bwMode="auto" r:id="rId24">
+      <mc:AlternateContent xmlns:mc="http://schemas.openxmlformats.org/markup-compatibility/2006">
+        <mc:Choice xmlns:p14="http://schemas.microsoft.com/office/powerpoint/2010/main" Requires="p14">
+          <p:contentPart p14:bwMode="auto" r:id="rId9">
             <p14:nvContentPartPr>
-              <p14:cNvPr id="3" name="Ink 2">
+              <p14:cNvPr id="35" name="Ink 34">
                 <a:extLst>
                   <a:ext uri="{FF2B5EF4-FFF2-40B4-BE49-F238E27FC236}">
-                    <a16:creationId xmlns:a16="http://schemas.microsoft.com/office/drawing/2014/main" id="{E8DF11A4-1E9B-1676-4DDF-0604C9D019BA}"/>
+                    <a16:creationId xmlns:a16="http://schemas.microsoft.com/office/drawing/2014/main" id="{47B4C199-FB2D-6724-CB5E-C391D40C1603}"/>
                   </a:ext>
                 </a:extLst>
               </p14:cNvPr>
@@ -6253,18 +5867,18 @@
               <p14:nvPr/>
             </p14:nvContentPartPr>
             <p14:xfrm>
-              <a:off x="-21263" y="1535988"/>
-              <a:ext cx="645120" cy="2606400"/>
+              <a:off x="360584" y="3380658"/>
+              <a:ext cx="1099440" cy="269280"/>
             </p14:xfrm>
           </p:contentPart>
         </mc:Choice>
-        <mc:Fallback xmlns="">
+        <mc:Fallback>
           <p:pic>
             <p:nvPicPr>
-              <p:cNvPr id="3" name="Ink 2">
+              <p:cNvPr id="35" name="Ink 34">
                 <a:extLst>
                   <a:ext uri="{FF2B5EF4-FFF2-40B4-BE49-F238E27FC236}">
-                    <a16:creationId xmlns:a16="http://schemas.microsoft.com/office/drawing/2014/main" id="{E8DF11A4-1E9B-1676-4DDF-0604C9D019BA}"/>
+                    <a16:creationId xmlns:a16="http://schemas.microsoft.com/office/drawing/2014/main" id="{47B4C199-FB2D-6724-CB5E-C391D40C1603}"/>
                   </a:ext>
                 </a:extLst>
               </p:cNvPr>
@@ -6272,15 +5886,15 @@
               <p:nvPr/>
             </p:nvPicPr>
             <p:blipFill>
-              <a:blip r:embed="rId25"/>
+              <a:blip r:embed="rId10"/>
               <a:stretch>
                 <a:fillRect/>
               </a:stretch>
             </p:blipFill>
             <p:spPr>
               <a:xfrm>
-                <a:off x="-30263" y="1526988"/>
-                <a:ext cx="662760" cy="2624040"/>
+                <a:off x="342944" y="3363018"/>
+                <a:ext cx="1135080" cy="304920"/>
               </a:xfrm>
               <a:prstGeom prst="rect">
                 <a:avLst/>
@@ -6289,65 +5903,14 @@
           </p:pic>
         </mc:Fallback>
       </mc:AlternateContent>
-      <p:sp>
-        <p:nvSpPr>
-          <p:cNvPr id="4" name="TextBox 3">
-            <a:extLst>
-              <a:ext uri="{FF2B5EF4-FFF2-40B4-BE49-F238E27FC236}">
-                <a16:creationId xmlns:a16="http://schemas.microsoft.com/office/drawing/2014/main" id="{BEF6668A-F046-C668-ACAC-882C60B4A22A}"/>
-              </a:ext>
-            </a:extLst>
-          </p:cNvPr>
-          <p:cNvSpPr txBox="1"/>
-          <p:nvPr/>
-        </p:nvSpPr>
-        <p:spPr>
-          <a:xfrm>
-            <a:off x="2876032" y="307033"/>
-            <a:ext cx="8726033" cy="830997"/>
-          </a:xfrm>
-          <a:prstGeom prst="rect">
-            <a:avLst/>
-          </a:prstGeom>
-          <a:noFill/>
-        </p:spPr>
-        <p:txBody>
-          <a:bodyPr wrap="square" rtlCol="0">
-            <a:spAutoFit/>
-          </a:bodyPr>
-          <a:lstStyle/>
-          <a:p>
-            <a:r>
-              <a:rPr lang="en-US" sz="2400" dirty="0"/>
-              <a:t>Another way to make sure you have access to all your resources (images/audio/</a:t>
-            </a:r>
-            <a:r>
-              <a:rPr lang="en-US" sz="2400" dirty="0" err="1"/>
-              <a:t>etc</a:t>
-            </a:r>
-            <a:r>
-              <a:rPr lang="en-US" sz="2400" dirty="0"/>
-              <a:t>) is to copy them into the </a:t>
-            </a:r>
-            <a:r>
-              <a:rPr lang="en-US" sz="2400" dirty="0" err="1"/>
-              <a:t>src</a:t>
-            </a:r>
-            <a:r>
-              <a:rPr lang="en-US" sz="2400" dirty="0"/>
-              <a:t> folder.</a:t>
-            </a:r>
-          </a:p>
-        </p:txBody>
-      </p:sp>
-      <mc:AlternateContent xmlns:mc="http://schemas.openxmlformats.org/markup-compatibility/2006" xmlns:p14="http://schemas.microsoft.com/office/powerpoint/2010/main">
-        <mc:Choice Requires="p14">
-          <p:contentPart p14:bwMode="auto" r:id="rId26">
+      <mc:AlternateContent xmlns:mc="http://schemas.openxmlformats.org/markup-compatibility/2006">
+        <mc:Choice xmlns:p14="http://schemas.microsoft.com/office/powerpoint/2010/main" Requires="p14">
+          <p:contentPart p14:bwMode="auto" r:id="rId11">
             <p14:nvContentPartPr>
-              <p14:cNvPr id="14" name="Ink 13">
+              <p14:cNvPr id="36" name="Ink 35">
                 <a:extLst>
                   <a:ext uri="{FF2B5EF4-FFF2-40B4-BE49-F238E27FC236}">
-                    <a16:creationId xmlns:a16="http://schemas.microsoft.com/office/drawing/2014/main" id="{22F9C95E-0D8B-DA2D-1877-90197BE72B3B}"/>
+                    <a16:creationId xmlns:a16="http://schemas.microsoft.com/office/drawing/2014/main" id="{81F99EC2-A40F-C567-3645-E00F0E2C0206}"/>
                   </a:ext>
                 </a:extLst>
               </p14:cNvPr>
@@ -6355,18 +5918,18 @@
               <p14:nvPr/>
             </p14:nvContentPartPr>
             <p14:xfrm>
-              <a:off x="373297" y="205428"/>
-              <a:ext cx="672480" cy="297360"/>
+              <a:off x="250424" y="1233258"/>
+              <a:ext cx="821160" cy="252360"/>
             </p14:xfrm>
           </p:contentPart>
         </mc:Choice>
-        <mc:Fallback xmlns="">
+        <mc:Fallback>
           <p:pic>
             <p:nvPicPr>
-              <p:cNvPr id="14" name="Ink 13">
+              <p:cNvPr id="36" name="Ink 35">
                 <a:extLst>
                   <a:ext uri="{FF2B5EF4-FFF2-40B4-BE49-F238E27FC236}">
-                    <a16:creationId xmlns:a16="http://schemas.microsoft.com/office/drawing/2014/main" id="{22F9C95E-0D8B-DA2D-1877-90197BE72B3B}"/>
+                    <a16:creationId xmlns:a16="http://schemas.microsoft.com/office/drawing/2014/main" id="{81F99EC2-A40F-C567-3645-E00F0E2C0206}"/>
                   </a:ext>
                 </a:extLst>
               </p:cNvPr>
@@ -6374,15 +5937,15 @@
               <p:nvPr/>
             </p:nvPicPr>
             <p:blipFill>
-              <a:blip r:embed="rId27"/>
+              <a:blip r:embed="rId12"/>
               <a:stretch>
                 <a:fillRect/>
               </a:stretch>
             </p:blipFill>
             <p:spPr>
               <a:xfrm>
-                <a:off x="364297" y="196428"/>
-                <a:ext cx="690120" cy="315000"/>
+                <a:off x="232424" y="1215618"/>
+                <a:ext cx="856800" cy="288000"/>
               </a:xfrm>
               <a:prstGeom prst="rect">
                 <a:avLst/>
@@ -6391,14 +5954,14 @@
           </p:pic>
         </mc:Fallback>
       </mc:AlternateContent>
-      <mc:AlternateContent xmlns:mc="http://schemas.openxmlformats.org/markup-compatibility/2006" xmlns:p14="http://schemas.microsoft.com/office/powerpoint/2010/main">
-        <mc:Choice Requires="p14">
-          <p:contentPart p14:bwMode="auto" r:id="rId28">
+      <mc:AlternateContent xmlns:mc="http://schemas.openxmlformats.org/markup-compatibility/2006">
+        <mc:Choice xmlns:p14="http://schemas.microsoft.com/office/powerpoint/2010/main" Requires="p14">
+          <p:contentPart p14:bwMode="auto" r:id="rId13">
             <p14:nvContentPartPr>
-              <p14:cNvPr id="17" name="Ink 16">
+              <p14:cNvPr id="37" name="Ink 36">
                 <a:extLst>
                   <a:ext uri="{FF2B5EF4-FFF2-40B4-BE49-F238E27FC236}">
-                    <a16:creationId xmlns:a16="http://schemas.microsoft.com/office/drawing/2014/main" id="{D488FFB0-72EB-03D1-67F5-8F23521682F7}"/>
+                    <a16:creationId xmlns:a16="http://schemas.microsoft.com/office/drawing/2014/main" id="{BEB15D39-996A-EABD-4E6A-34340E623D6D}"/>
                   </a:ext>
                 </a:extLst>
               </p14:cNvPr>
@@ -6406,18 +5969,18 @@
               <p14:nvPr/>
             </p14:nvContentPartPr>
             <p14:xfrm>
-              <a:off x="1095817" y="235668"/>
-              <a:ext cx="7704720" cy="1321200"/>
+              <a:off x="7634384" y="1569858"/>
+              <a:ext cx="781920" cy="360"/>
             </p14:xfrm>
           </p:contentPart>
         </mc:Choice>
-        <mc:Fallback xmlns="">
+        <mc:Fallback>
           <p:pic>
             <p:nvPicPr>
-              <p:cNvPr id="17" name="Ink 16">
+              <p:cNvPr id="37" name="Ink 36">
                 <a:extLst>
                   <a:ext uri="{FF2B5EF4-FFF2-40B4-BE49-F238E27FC236}">
-                    <a16:creationId xmlns:a16="http://schemas.microsoft.com/office/drawing/2014/main" id="{D488FFB0-72EB-03D1-67F5-8F23521682F7}"/>
+                    <a16:creationId xmlns:a16="http://schemas.microsoft.com/office/drawing/2014/main" id="{BEB15D39-996A-EABD-4E6A-34340E623D6D}"/>
                   </a:ext>
                 </a:extLst>
               </p:cNvPr>
@@ -6425,15 +5988,270 @@
               <p:nvPr/>
             </p:nvPicPr>
             <p:blipFill>
-              <a:blip r:embed="rId29"/>
+              <a:blip r:embed="rId14"/>
               <a:stretch>
                 <a:fillRect/>
               </a:stretch>
             </p:blipFill>
             <p:spPr>
               <a:xfrm>
-                <a:off x="1086817" y="227028"/>
-                <a:ext cx="7722360" cy="1338840"/>
+                <a:off x="7616384" y="1552218"/>
+                <a:ext cx="817560" cy="36000"/>
+              </a:xfrm>
+              <a:prstGeom prst="rect">
+                <a:avLst/>
+              </a:prstGeom>
+            </p:spPr>
+          </p:pic>
+        </mc:Fallback>
+      </mc:AlternateContent>
+      <mc:AlternateContent xmlns:mc="http://schemas.openxmlformats.org/markup-compatibility/2006">
+        <mc:Choice xmlns:p14="http://schemas.microsoft.com/office/powerpoint/2010/main" Requires="p14">
+          <p:contentPart p14:bwMode="auto" r:id="rId15">
+            <p14:nvContentPartPr>
+              <p14:cNvPr id="38" name="Ink 37">
+                <a:extLst>
+                  <a:ext uri="{FF2B5EF4-FFF2-40B4-BE49-F238E27FC236}">
+                    <a16:creationId xmlns:a16="http://schemas.microsoft.com/office/drawing/2014/main" id="{BC6C6D13-A216-43A9-9A08-97B815B46D38}"/>
+                  </a:ext>
+                </a:extLst>
+              </p14:cNvPr>
+              <p14:cNvContentPartPr/>
+              <p14:nvPr/>
+            </p14:nvContentPartPr>
+            <p14:xfrm>
+              <a:off x="9040184" y="594978"/>
+              <a:ext cx="999000" cy="360"/>
+            </p14:xfrm>
+          </p:contentPart>
+        </mc:Choice>
+        <mc:Fallback>
+          <p:pic>
+            <p:nvPicPr>
+              <p:cNvPr id="38" name="Ink 37">
+                <a:extLst>
+                  <a:ext uri="{FF2B5EF4-FFF2-40B4-BE49-F238E27FC236}">
+                    <a16:creationId xmlns:a16="http://schemas.microsoft.com/office/drawing/2014/main" id="{BC6C6D13-A216-43A9-9A08-97B815B46D38}"/>
+                  </a:ext>
+                </a:extLst>
+              </p:cNvPr>
+              <p:cNvPicPr/>
+              <p:nvPr/>
+            </p:nvPicPr>
+            <p:blipFill>
+              <a:blip r:embed="rId16"/>
+              <a:stretch>
+                <a:fillRect/>
+              </a:stretch>
+            </p:blipFill>
+            <p:spPr>
+              <a:xfrm>
+                <a:off x="9022544" y="577338"/>
+                <a:ext cx="1034640" cy="36000"/>
+              </a:xfrm>
+              <a:prstGeom prst="rect">
+                <a:avLst/>
+              </a:prstGeom>
+            </p:spPr>
+          </p:pic>
+        </mc:Fallback>
+      </mc:AlternateContent>
+      <mc:AlternateContent xmlns:mc="http://schemas.openxmlformats.org/markup-compatibility/2006">
+        <mc:Choice xmlns:p14="http://schemas.microsoft.com/office/powerpoint/2010/main" Requires="p14">
+          <p:contentPart p14:bwMode="auto" r:id="rId17">
+            <p14:nvContentPartPr>
+              <p14:cNvPr id="43" name="Ink 42">
+                <a:extLst>
+                  <a:ext uri="{FF2B5EF4-FFF2-40B4-BE49-F238E27FC236}">
+                    <a16:creationId xmlns:a16="http://schemas.microsoft.com/office/drawing/2014/main" id="{1CBDE168-6A09-EA1A-FC3F-3818063835A5}"/>
+                  </a:ext>
+                </a:extLst>
+              </p14:cNvPr>
+              <p14:cNvContentPartPr/>
+              <p14:nvPr/>
+            </p14:nvContentPartPr>
+            <p14:xfrm>
+              <a:off x="627704" y="3655338"/>
+              <a:ext cx="849960" cy="218160"/>
+            </p14:xfrm>
+          </p:contentPart>
+        </mc:Choice>
+        <mc:Fallback>
+          <p:pic>
+            <p:nvPicPr>
+              <p:cNvPr id="43" name="Ink 42">
+                <a:extLst>
+                  <a:ext uri="{FF2B5EF4-FFF2-40B4-BE49-F238E27FC236}">
+                    <a16:creationId xmlns:a16="http://schemas.microsoft.com/office/drawing/2014/main" id="{1CBDE168-6A09-EA1A-FC3F-3818063835A5}"/>
+                  </a:ext>
+                </a:extLst>
+              </p:cNvPr>
+              <p:cNvPicPr/>
+              <p:nvPr/>
+            </p:nvPicPr>
+            <p:blipFill>
+              <a:blip r:embed="rId18"/>
+              <a:stretch>
+                <a:fillRect/>
+              </a:stretch>
+            </p:blipFill>
+            <p:spPr>
+              <a:xfrm>
+                <a:off x="618704" y="3646338"/>
+                <a:ext cx="867600" cy="235800"/>
+              </a:xfrm>
+              <a:prstGeom prst="rect">
+                <a:avLst/>
+              </a:prstGeom>
+            </p:spPr>
+          </p:pic>
+        </mc:Fallback>
+      </mc:AlternateContent>
+      <mc:AlternateContent xmlns:mc="http://schemas.openxmlformats.org/markup-compatibility/2006">
+        <mc:Choice xmlns:p14="http://schemas.microsoft.com/office/powerpoint/2010/main" Requires="p14">
+          <p:contentPart p14:bwMode="auto" r:id="rId19">
+            <p14:nvContentPartPr>
+              <p14:cNvPr id="46" name="Ink 45">
+                <a:extLst>
+                  <a:ext uri="{FF2B5EF4-FFF2-40B4-BE49-F238E27FC236}">
+                    <a16:creationId xmlns:a16="http://schemas.microsoft.com/office/drawing/2014/main" id="{9A67C0C6-7F69-2649-9FF5-E5A8A8E5F5D7}"/>
+                  </a:ext>
+                </a:extLst>
+              </p14:cNvPr>
+              <p14:cNvContentPartPr/>
+              <p14:nvPr/>
+            </p14:nvContentPartPr>
+            <p14:xfrm>
+              <a:off x="5270624" y="3698538"/>
+              <a:ext cx="1330200" cy="262080"/>
+            </p14:xfrm>
+          </p:contentPart>
+        </mc:Choice>
+        <mc:Fallback>
+          <p:pic>
+            <p:nvPicPr>
+              <p:cNvPr id="46" name="Ink 45">
+                <a:extLst>
+                  <a:ext uri="{FF2B5EF4-FFF2-40B4-BE49-F238E27FC236}">
+                    <a16:creationId xmlns:a16="http://schemas.microsoft.com/office/drawing/2014/main" id="{9A67C0C6-7F69-2649-9FF5-E5A8A8E5F5D7}"/>
+                  </a:ext>
+                </a:extLst>
+              </p:cNvPr>
+              <p:cNvPicPr/>
+              <p:nvPr/>
+            </p:nvPicPr>
+            <p:blipFill>
+              <a:blip r:embed="rId20"/>
+              <a:stretch>
+                <a:fillRect/>
+              </a:stretch>
+            </p:blipFill>
+            <p:spPr>
+              <a:xfrm>
+                <a:off x="5261624" y="3689538"/>
+                <a:ext cx="1347840" cy="279720"/>
+              </a:xfrm>
+              <a:prstGeom prst="rect">
+                <a:avLst/>
+              </a:prstGeom>
+            </p:spPr>
+          </p:pic>
+        </mc:Fallback>
+      </mc:AlternateContent>
+      <mc:AlternateContent xmlns:mc="http://schemas.openxmlformats.org/markup-compatibility/2006">
+        <mc:Choice xmlns:p14="http://schemas.microsoft.com/office/powerpoint/2010/main" Requires="p14">
+          <p:contentPart p14:bwMode="auto" r:id="rId21">
+            <p14:nvContentPartPr>
+              <p14:cNvPr id="47" name="Ink 46">
+                <a:extLst>
+                  <a:ext uri="{FF2B5EF4-FFF2-40B4-BE49-F238E27FC236}">
+                    <a16:creationId xmlns:a16="http://schemas.microsoft.com/office/drawing/2014/main" id="{056C0585-7295-24D5-5AB6-773ED230F36E}"/>
+                  </a:ext>
+                </a:extLst>
+              </p14:cNvPr>
+              <p14:cNvContentPartPr/>
+              <p14:nvPr/>
+            </p14:nvContentPartPr>
+            <p14:xfrm>
+              <a:off x="555344" y="1103298"/>
+              <a:ext cx="2032560" cy="18360"/>
+            </p14:xfrm>
+          </p:contentPart>
+        </mc:Choice>
+        <mc:Fallback>
+          <p:pic>
+            <p:nvPicPr>
+              <p:cNvPr id="47" name="Ink 46">
+                <a:extLst>
+                  <a:ext uri="{FF2B5EF4-FFF2-40B4-BE49-F238E27FC236}">
+                    <a16:creationId xmlns:a16="http://schemas.microsoft.com/office/drawing/2014/main" id="{056C0585-7295-24D5-5AB6-773ED230F36E}"/>
+                  </a:ext>
+                </a:extLst>
+              </p:cNvPr>
+              <p:cNvPicPr/>
+              <p:nvPr/>
+            </p:nvPicPr>
+            <p:blipFill>
+              <a:blip r:embed="rId22"/>
+              <a:stretch>
+                <a:fillRect/>
+              </a:stretch>
+            </p:blipFill>
+            <p:spPr>
+              <a:xfrm>
+                <a:off x="501704" y="995298"/>
+                <a:ext cx="2140200" cy="234000"/>
+              </a:xfrm>
+              <a:prstGeom prst="rect">
+                <a:avLst/>
+              </a:prstGeom>
+            </p:spPr>
+          </p:pic>
+        </mc:Fallback>
+      </mc:AlternateContent>
+      <mc:AlternateContent xmlns:mc="http://schemas.openxmlformats.org/markup-compatibility/2006">
+        <mc:Choice xmlns:p14="http://schemas.microsoft.com/office/powerpoint/2010/main" xmlns:aink="http://schemas.microsoft.com/office/drawing/2016/ink" Requires="p14 aink">
+          <p:contentPart p14:bwMode="auto" r:id="rId23">
+            <p14:nvContentPartPr>
+              <p14:cNvPr id="57" name="Ink 56">
+                <a:extLst>
+                  <a:ext uri="{FF2B5EF4-FFF2-40B4-BE49-F238E27FC236}">
+                    <a16:creationId xmlns:a16="http://schemas.microsoft.com/office/drawing/2014/main" id="{E3CC6A2D-4C81-A4EC-DB97-44A09D3A3DBA}"/>
+                  </a:ext>
+                </a:extLst>
+              </p14:cNvPr>
+              <p14:cNvContentPartPr/>
+              <p14:nvPr/>
+            </p14:nvContentPartPr>
+            <p14:xfrm>
+              <a:off x="3397184" y="5184258"/>
+              <a:ext cx="8447400" cy="458640"/>
+            </p14:xfrm>
+          </p:contentPart>
+        </mc:Choice>
+        <mc:Fallback>
+          <p:pic>
+            <p:nvPicPr>
+              <p:cNvPr id="57" name="Ink 56">
+                <a:extLst>
+                  <a:ext uri="{FF2B5EF4-FFF2-40B4-BE49-F238E27FC236}">
+                    <a16:creationId xmlns:a16="http://schemas.microsoft.com/office/drawing/2014/main" id="{E3CC6A2D-4C81-A4EC-DB97-44A09D3A3DBA}"/>
+                  </a:ext>
+                </a:extLst>
+              </p:cNvPr>
+              <p:cNvPicPr/>
+              <p:nvPr/>
+            </p:nvPicPr>
+            <p:blipFill>
+              <a:blip r:embed="rId24"/>
+              <a:stretch>
+                <a:fillRect/>
+              </a:stretch>
+            </p:blipFill>
+            <p:spPr>
+              <a:xfrm>
+                <a:off x="3379544" y="5166258"/>
+                <a:ext cx="8483040" cy="494280"/>
               </a:xfrm>
               <a:prstGeom prst="rect">
                 <a:avLst/>
@@ -6446,1079 +6264,6 @@
     <p:extLst>
       <p:ext uri="{BB962C8B-B14F-4D97-AF65-F5344CB8AC3E}">
         <p14:creationId xmlns:p14="http://schemas.microsoft.com/office/powerpoint/2010/main" val="3348316470"/>
-      </p:ext>
-    </p:extLst>
-  </p:cSld>
-  <p:clrMapOvr>
-    <a:masterClrMapping/>
-  </p:clrMapOvr>
-</p:sld>
-</file>
-
-<file path=ppt/slides/slide8.xml><?xml version="1.0" encoding="utf-8"?>
-<p:sld xmlns:a="http://schemas.openxmlformats.org/drawingml/2006/main" xmlns:r="http://schemas.openxmlformats.org/officeDocument/2006/relationships" xmlns:p="http://schemas.openxmlformats.org/presentationml/2006/main">
-  <p:cSld>
-    <p:spTree>
-      <p:nvGrpSpPr>
-        <p:cNvPr id="1" name=""/>
-        <p:cNvGrpSpPr/>
-        <p:nvPr/>
-      </p:nvGrpSpPr>
-      <p:grpSpPr>
-        <a:xfrm>
-          <a:off x="0" y="0"/>
-          <a:ext cx="0" cy="0"/>
-          <a:chOff x="0" y="0"/>
-          <a:chExt cx="0" cy="0"/>
-        </a:xfrm>
-      </p:grpSpPr>
-      <p:sp>
-        <p:nvSpPr>
-          <p:cNvPr id="2" name="Title 1">
-            <a:extLst>
-              <a:ext uri="{FF2B5EF4-FFF2-40B4-BE49-F238E27FC236}">
-                <a16:creationId xmlns:a16="http://schemas.microsoft.com/office/drawing/2014/main" id="{816DDDE4-660D-5918-3440-C4F1A29D932E}"/>
-              </a:ext>
-            </a:extLst>
-          </p:cNvPr>
-          <p:cNvSpPr>
-            <a:spLocks noGrp="1"/>
-          </p:cNvSpPr>
-          <p:nvPr>
-            <p:ph type="title"/>
-          </p:nvPr>
-        </p:nvSpPr>
-        <p:spPr/>
-        <p:txBody>
-          <a:bodyPr/>
-          <a:lstStyle/>
-          <a:p>
-            <a:r>
-              <a:rPr lang="en-US" dirty="0"/>
-              <a:t>Demo Code – ChessPiece.java</a:t>
-            </a:r>
-          </a:p>
-        </p:txBody>
-      </p:sp>
-      <p:sp>
-        <p:nvSpPr>
-          <p:cNvPr id="3" name="Content Placeholder 2">
-            <a:extLst>
-              <a:ext uri="{FF2B5EF4-FFF2-40B4-BE49-F238E27FC236}">
-                <a16:creationId xmlns:a16="http://schemas.microsoft.com/office/drawing/2014/main" id="{19A8C662-B3AA-A23B-DC1E-5C6154E24F0C}"/>
-              </a:ext>
-            </a:extLst>
-          </p:cNvPr>
-          <p:cNvSpPr>
-            <a:spLocks noGrp="1"/>
-          </p:cNvSpPr>
-          <p:nvPr>
-            <p:ph idx="1"/>
-          </p:nvPr>
-        </p:nvSpPr>
-        <p:spPr/>
-        <p:txBody>
-          <a:bodyPr>
-            <a:normAutofit fontScale="92500" lnSpcReduction="10000"/>
-          </a:bodyPr>
-          <a:lstStyle/>
-          <a:p>
-            <a:pPr marL="0" marR="0">
-              <a:buNone/>
-            </a:pPr>
-            <a:r>
-              <a:rPr lang="en-US" sz="1800" dirty="0">
-                <a:solidFill>
-                  <a:srgbClr val="3F7F5F"/>
-                </a:solidFill>
-                <a:effectLst/>
-                <a:latin typeface="Consolas" panose="020B0609020204030204" pitchFamily="49" charset="0"/>
-              </a:rPr>
-              <a:t>//String </a:t>
-            </a:r>
-            <a:r>
-              <a:rPr lang="en-US" sz="1800" dirty="0" err="1">
-                <a:solidFill>
-                  <a:srgbClr val="3F7F5F"/>
-                </a:solidFill>
-                <a:effectLst/>
-                <a:latin typeface="Consolas" panose="020B0609020204030204" pitchFamily="49" charset="0"/>
-              </a:rPr>
-              <a:t>fileName</a:t>
-            </a:r>
-            <a:r>
-              <a:rPr lang="en-US" sz="1800" dirty="0">
-                <a:solidFill>
-                  <a:srgbClr val="3F7F5F"/>
-                </a:solidFill>
-                <a:effectLst/>
-                <a:latin typeface="Consolas" panose="020B0609020204030204" pitchFamily="49" charset="0"/>
-              </a:rPr>
-              <a:t> = "images/" + </a:t>
-            </a:r>
-            <a:r>
-              <a:rPr lang="en-US" sz="1800" dirty="0" err="1">
-                <a:solidFill>
-                  <a:srgbClr val="3F7F5F"/>
-                </a:solidFill>
-                <a:effectLst/>
-                <a:latin typeface="Consolas" panose="020B0609020204030204" pitchFamily="49" charset="0"/>
-              </a:rPr>
-              <a:t>name.toLowerCase</a:t>
-            </a:r>
-            <a:r>
-              <a:rPr lang="en-US" sz="1800" dirty="0">
-                <a:solidFill>
-                  <a:srgbClr val="3F7F5F"/>
-                </a:solidFill>
-                <a:effectLst/>
-                <a:latin typeface="Consolas" panose="020B0609020204030204" pitchFamily="49" charset="0"/>
-              </a:rPr>
-              <a:t>() + "-";</a:t>
-            </a:r>
-            <a:endParaRPr lang="en-US" sz="1800" dirty="0">
-              <a:solidFill>
-                <a:srgbClr val="000000"/>
-              </a:solidFill>
-              <a:effectLst/>
-              <a:latin typeface="Consolas" panose="020B0609020204030204" pitchFamily="49" charset="0"/>
-            </a:endParaRPr>
-          </a:p>
-          <a:p>
-            <a:pPr marL="0" marR="0">
-              <a:buNone/>
-            </a:pPr>
-            <a:r>
-              <a:rPr lang="en-US" sz="1800" dirty="0">
-                <a:solidFill>
-                  <a:srgbClr val="000000"/>
-                </a:solidFill>
-                <a:effectLst/>
-                <a:latin typeface="Consolas" panose="020B0609020204030204" pitchFamily="49" charset="0"/>
-              </a:rPr>
-              <a:t>String </a:t>
-            </a:r>
-            <a:r>
-              <a:rPr lang="en-US" sz="1800" dirty="0" err="1">
-                <a:solidFill>
-                  <a:srgbClr val="6A3E3E"/>
-                </a:solidFill>
-                <a:effectLst/>
-                <a:latin typeface="Consolas" panose="020B0609020204030204" pitchFamily="49" charset="0"/>
-              </a:rPr>
-              <a:t>fileName</a:t>
-            </a:r>
-            <a:r>
-              <a:rPr lang="en-US" sz="1800" dirty="0">
-                <a:solidFill>
-                  <a:srgbClr val="000000"/>
-                </a:solidFill>
-                <a:effectLst/>
-                <a:latin typeface="Consolas" panose="020B0609020204030204" pitchFamily="49" charset="0"/>
-              </a:rPr>
-              <a:t> = </a:t>
-            </a:r>
-            <a:r>
-              <a:rPr lang="en-US" sz="1800" dirty="0">
-                <a:solidFill>
-                  <a:srgbClr val="2A00FF"/>
-                </a:solidFill>
-                <a:effectLst/>
-                <a:latin typeface="Consolas" panose="020B0609020204030204" pitchFamily="49" charset="0"/>
-              </a:rPr>
-              <a:t>"/images/"</a:t>
-            </a:r>
-            <a:r>
-              <a:rPr lang="en-US" sz="1800" dirty="0">
-                <a:solidFill>
-                  <a:srgbClr val="000000"/>
-                </a:solidFill>
-                <a:effectLst/>
-                <a:latin typeface="Consolas" panose="020B0609020204030204" pitchFamily="49" charset="0"/>
-              </a:rPr>
-              <a:t> + </a:t>
-            </a:r>
-            <a:r>
-              <a:rPr lang="en-US" sz="1800" dirty="0" err="1">
-                <a:solidFill>
-                  <a:srgbClr val="0000C0"/>
-                </a:solidFill>
-                <a:effectLst/>
-                <a:latin typeface="Consolas" panose="020B0609020204030204" pitchFamily="49" charset="0"/>
-              </a:rPr>
-              <a:t>name</a:t>
-            </a:r>
-            <a:r>
-              <a:rPr lang="en-US" sz="1800" dirty="0" err="1">
-                <a:solidFill>
-                  <a:srgbClr val="000000"/>
-                </a:solidFill>
-                <a:effectLst/>
-                <a:latin typeface="Consolas" panose="020B0609020204030204" pitchFamily="49" charset="0"/>
-              </a:rPr>
-              <a:t>.toLowerCase</a:t>
-            </a:r>
-            <a:r>
-              <a:rPr lang="en-US" sz="1800" dirty="0">
-                <a:solidFill>
-                  <a:srgbClr val="000000"/>
-                </a:solidFill>
-                <a:effectLst/>
-                <a:latin typeface="Consolas" panose="020B0609020204030204" pitchFamily="49" charset="0"/>
-              </a:rPr>
-              <a:t>() + </a:t>
-            </a:r>
-            <a:r>
-              <a:rPr lang="en-US" sz="1800" dirty="0">
-                <a:solidFill>
-                  <a:srgbClr val="2A00FF"/>
-                </a:solidFill>
-                <a:effectLst/>
-                <a:latin typeface="Consolas" panose="020B0609020204030204" pitchFamily="49" charset="0"/>
-              </a:rPr>
-              <a:t>"-"</a:t>
-            </a:r>
-            <a:r>
-              <a:rPr lang="en-US" sz="1800" dirty="0">
-                <a:solidFill>
-                  <a:srgbClr val="000000"/>
-                </a:solidFill>
-                <a:effectLst/>
-                <a:latin typeface="Consolas" panose="020B0609020204030204" pitchFamily="49" charset="0"/>
-              </a:rPr>
-              <a:t>;</a:t>
-            </a:r>
-          </a:p>
-          <a:p>
-            <a:pPr marL="0" marR="0">
-              <a:buNone/>
-            </a:pPr>
-            <a:r>
-              <a:rPr lang="en-US" sz="1800" dirty="0" err="1">
-                <a:solidFill>
-                  <a:srgbClr val="6A3E3E"/>
-                </a:solidFill>
-                <a:effectLst/>
-                <a:latin typeface="Consolas" panose="020B0609020204030204" pitchFamily="49" charset="0"/>
-              </a:rPr>
-              <a:t>fileName</a:t>
-            </a:r>
-            <a:r>
-              <a:rPr lang="en-US" sz="1800" dirty="0">
-                <a:solidFill>
-                  <a:srgbClr val="000000"/>
-                </a:solidFill>
-                <a:effectLst/>
-                <a:latin typeface="Consolas" panose="020B0609020204030204" pitchFamily="49" charset="0"/>
-              </a:rPr>
-              <a:t> += </a:t>
-            </a:r>
-            <a:r>
-              <a:rPr lang="en-US" sz="1800" b="1" dirty="0" err="1">
-                <a:solidFill>
-                  <a:srgbClr val="7F0055"/>
-                </a:solidFill>
-                <a:effectLst/>
-                <a:latin typeface="Consolas" panose="020B0609020204030204" pitchFamily="49" charset="0"/>
-              </a:rPr>
-              <a:t>this</a:t>
-            </a:r>
-            <a:r>
-              <a:rPr lang="en-US" sz="1800" dirty="0" err="1">
-                <a:solidFill>
-                  <a:srgbClr val="000000"/>
-                </a:solidFill>
-                <a:effectLst/>
-                <a:latin typeface="Consolas" panose="020B0609020204030204" pitchFamily="49" charset="0"/>
-              </a:rPr>
-              <a:t>.isWhite</a:t>
-            </a:r>
-            <a:r>
-              <a:rPr lang="en-US" sz="1800" dirty="0">
-                <a:solidFill>
-                  <a:srgbClr val="000000"/>
-                </a:solidFill>
-                <a:effectLst/>
-                <a:latin typeface="Consolas" panose="020B0609020204030204" pitchFamily="49" charset="0"/>
-              </a:rPr>
-              <a:t>() ? </a:t>
-            </a:r>
-            <a:r>
-              <a:rPr lang="en-US" sz="1800" dirty="0">
-                <a:solidFill>
-                  <a:srgbClr val="2A00FF"/>
-                </a:solidFill>
-                <a:effectLst/>
-                <a:latin typeface="Consolas" panose="020B0609020204030204" pitchFamily="49" charset="0"/>
-              </a:rPr>
-              <a:t>"white"</a:t>
-            </a:r>
-            <a:r>
-              <a:rPr lang="en-US" sz="1800" dirty="0">
-                <a:solidFill>
-                  <a:srgbClr val="000000"/>
-                </a:solidFill>
-                <a:effectLst/>
-                <a:latin typeface="Consolas" panose="020B0609020204030204" pitchFamily="49" charset="0"/>
-              </a:rPr>
-              <a:t> : </a:t>
-            </a:r>
-            <a:r>
-              <a:rPr lang="en-US" sz="1800" dirty="0">
-                <a:solidFill>
-                  <a:srgbClr val="2A00FF"/>
-                </a:solidFill>
-                <a:effectLst/>
-                <a:latin typeface="Consolas" panose="020B0609020204030204" pitchFamily="49" charset="0"/>
-              </a:rPr>
-              <a:t>"black"</a:t>
-            </a:r>
-            <a:r>
-              <a:rPr lang="en-US" sz="1800" dirty="0">
-                <a:solidFill>
-                  <a:srgbClr val="000000"/>
-                </a:solidFill>
-                <a:effectLst/>
-                <a:latin typeface="Consolas" panose="020B0609020204030204" pitchFamily="49" charset="0"/>
-              </a:rPr>
-              <a:t>;</a:t>
-            </a:r>
-          </a:p>
-          <a:p>
-            <a:pPr marL="0" marR="0">
-              <a:buNone/>
-            </a:pPr>
-            <a:r>
-              <a:rPr lang="en-US" sz="1800" dirty="0" err="1">
-                <a:solidFill>
-                  <a:srgbClr val="6A3E3E"/>
-                </a:solidFill>
-                <a:effectLst/>
-                <a:latin typeface="Consolas" panose="020B0609020204030204" pitchFamily="49" charset="0"/>
-              </a:rPr>
-              <a:t>fileName</a:t>
-            </a:r>
-            <a:r>
-              <a:rPr lang="en-US" sz="1800" dirty="0">
-                <a:solidFill>
-                  <a:srgbClr val="000000"/>
-                </a:solidFill>
-                <a:effectLst/>
-                <a:latin typeface="Consolas" panose="020B0609020204030204" pitchFamily="49" charset="0"/>
-              </a:rPr>
-              <a:t> += </a:t>
-            </a:r>
-            <a:r>
-              <a:rPr lang="en-US" sz="1800" dirty="0">
-                <a:solidFill>
-                  <a:srgbClr val="2A00FF"/>
-                </a:solidFill>
-                <a:effectLst/>
-                <a:latin typeface="Consolas" panose="020B0609020204030204" pitchFamily="49" charset="0"/>
-              </a:rPr>
-              <a:t>".</a:t>
-            </a:r>
-            <a:r>
-              <a:rPr lang="en-US" sz="1800" dirty="0" err="1">
-                <a:solidFill>
-                  <a:srgbClr val="2A00FF"/>
-                </a:solidFill>
-                <a:effectLst/>
-                <a:latin typeface="Consolas" panose="020B0609020204030204" pitchFamily="49" charset="0"/>
-              </a:rPr>
-              <a:t>png</a:t>
-            </a:r>
-            <a:r>
-              <a:rPr lang="en-US" sz="1800" dirty="0">
-                <a:solidFill>
-                  <a:srgbClr val="2A00FF"/>
-                </a:solidFill>
-                <a:effectLst/>
-                <a:latin typeface="Consolas" panose="020B0609020204030204" pitchFamily="49" charset="0"/>
-              </a:rPr>
-              <a:t>"</a:t>
-            </a:r>
-            <a:r>
-              <a:rPr lang="en-US" sz="1800" dirty="0">
-                <a:solidFill>
-                  <a:srgbClr val="000000"/>
-                </a:solidFill>
-                <a:effectLst/>
-                <a:latin typeface="Consolas" panose="020B0609020204030204" pitchFamily="49" charset="0"/>
-              </a:rPr>
-              <a:t>;</a:t>
-            </a:r>
-          </a:p>
-          <a:p>
-            <a:pPr marL="0" marR="0">
-              <a:buNone/>
-            </a:pPr>
-            <a:r>
-              <a:rPr lang="en-US" sz="1800" dirty="0" err="1">
-                <a:solidFill>
-                  <a:srgbClr val="000000"/>
-                </a:solidFill>
-                <a:effectLst/>
-                <a:latin typeface="Consolas" panose="020B0609020204030204" pitchFamily="49" charset="0"/>
-              </a:rPr>
-              <a:t>BufferedImage</a:t>
-            </a:r>
-            <a:r>
-              <a:rPr lang="en-US" sz="1800" dirty="0">
-                <a:solidFill>
-                  <a:srgbClr val="000000"/>
-                </a:solidFill>
-                <a:effectLst/>
-                <a:latin typeface="Consolas" panose="020B0609020204030204" pitchFamily="49" charset="0"/>
-              </a:rPr>
-              <a:t> </a:t>
-            </a:r>
-            <a:r>
-              <a:rPr lang="en-US" sz="1800" dirty="0" err="1">
-                <a:solidFill>
-                  <a:srgbClr val="6A3E3E"/>
-                </a:solidFill>
-                <a:effectLst/>
-                <a:latin typeface="Consolas" panose="020B0609020204030204" pitchFamily="49" charset="0"/>
-              </a:rPr>
-              <a:t>img</a:t>
-            </a:r>
-            <a:r>
-              <a:rPr lang="en-US" sz="1800" dirty="0">
-                <a:solidFill>
-                  <a:srgbClr val="000000"/>
-                </a:solidFill>
-                <a:effectLst/>
-                <a:latin typeface="Consolas" panose="020B0609020204030204" pitchFamily="49" charset="0"/>
-              </a:rPr>
-              <a:t>;</a:t>
-            </a:r>
-          </a:p>
-          <a:p>
-            <a:pPr marL="0" marR="0">
-              <a:buNone/>
-            </a:pPr>
-            <a:r>
-              <a:rPr lang="en-US" sz="1800" b="1" dirty="0">
-                <a:solidFill>
-                  <a:srgbClr val="7F0055"/>
-                </a:solidFill>
-                <a:effectLst/>
-                <a:latin typeface="Consolas" panose="020B0609020204030204" pitchFamily="49" charset="0"/>
-              </a:rPr>
-              <a:t>try</a:t>
-            </a:r>
-            <a:r>
-              <a:rPr lang="en-US" sz="1800" dirty="0">
-                <a:solidFill>
-                  <a:srgbClr val="000000"/>
-                </a:solidFill>
-                <a:effectLst/>
-                <a:latin typeface="Consolas" panose="020B0609020204030204" pitchFamily="49" charset="0"/>
-              </a:rPr>
-              <a:t> {</a:t>
-            </a:r>
-          </a:p>
-          <a:p>
-            <a:pPr marL="0" marR="0">
-              <a:buNone/>
-            </a:pPr>
-            <a:r>
-              <a:rPr lang="en-US" sz="1800" dirty="0">
-                <a:solidFill>
-                  <a:srgbClr val="3F7F5F"/>
-                </a:solidFill>
-                <a:effectLst/>
-                <a:latin typeface="Consolas" panose="020B0609020204030204" pitchFamily="49" charset="0"/>
-              </a:rPr>
-              <a:t>    //</a:t>
-            </a:r>
-            <a:r>
-              <a:rPr lang="en-US" sz="1800" u="sng" dirty="0" err="1">
-                <a:solidFill>
-                  <a:srgbClr val="3F7F5F"/>
-                </a:solidFill>
-                <a:effectLst/>
-                <a:latin typeface="Consolas" panose="020B0609020204030204" pitchFamily="49" charset="0"/>
-              </a:rPr>
-              <a:t>img</a:t>
-            </a:r>
-            <a:r>
-              <a:rPr lang="en-US" sz="1800" dirty="0">
-                <a:solidFill>
-                  <a:srgbClr val="3F7F5F"/>
-                </a:solidFill>
-                <a:effectLst/>
-                <a:latin typeface="Consolas" panose="020B0609020204030204" pitchFamily="49" charset="0"/>
-              </a:rPr>
-              <a:t> = </a:t>
-            </a:r>
-            <a:r>
-              <a:rPr lang="en-US" sz="1800" dirty="0" err="1">
-                <a:solidFill>
-                  <a:srgbClr val="3F7F5F"/>
-                </a:solidFill>
-                <a:effectLst/>
-                <a:latin typeface="Consolas" panose="020B0609020204030204" pitchFamily="49" charset="0"/>
-              </a:rPr>
-              <a:t>ImageIO.read</a:t>
-            </a:r>
-            <a:r>
-              <a:rPr lang="en-US" sz="1800" dirty="0">
-                <a:solidFill>
-                  <a:srgbClr val="3F7F5F"/>
-                </a:solidFill>
-                <a:effectLst/>
-                <a:latin typeface="Consolas" panose="020B0609020204030204" pitchFamily="49" charset="0"/>
-              </a:rPr>
-              <a:t>(new File(</a:t>
-            </a:r>
-            <a:r>
-              <a:rPr lang="en-US" sz="1800" dirty="0" err="1">
-                <a:solidFill>
-                  <a:srgbClr val="3F7F5F"/>
-                </a:solidFill>
-                <a:effectLst/>
-                <a:latin typeface="Consolas" panose="020B0609020204030204" pitchFamily="49" charset="0"/>
-              </a:rPr>
-              <a:t>fileName</a:t>
-            </a:r>
-            <a:r>
-              <a:rPr lang="en-US" sz="1800" dirty="0">
-                <a:solidFill>
-                  <a:srgbClr val="3F7F5F"/>
-                </a:solidFill>
-                <a:effectLst/>
-                <a:latin typeface="Consolas" panose="020B0609020204030204" pitchFamily="49" charset="0"/>
-              </a:rPr>
-              <a:t>));</a:t>
-            </a:r>
-            <a:endParaRPr lang="en-US" sz="1800" dirty="0">
-              <a:solidFill>
-                <a:srgbClr val="000000"/>
-              </a:solidFill>
-              <a:effectLst/>
-              <a:latin typeface="Consolas" panose="020B0609020204030204" pitchFamily="49" charset="0"/>
-            </a:endParaRPr>
-          </a:p>
-          <a:p>
-            <a:pPr marL="0" marR="0">
-              <a:buNone/>
-            </a:pPr>
-            <a:r>
-              <a:rPr lang="en-US" sz="1800" dirty="0">
-                <a:solidFill>
-                  <a:srgbClr val="000000"/>
-                </a:solidFill>
-                <a:effectLst/>
-                <a:latin typeface="Consolas" panose="020B0609020204030204" pitchFamily="49" charset="0"/>
-              </a:rPr>
-              <a:t>    </a:t>
-            </a:r>
-            <a:r>
-              <a:rPr lang="en-US" sz="1800" dirty="0" err="1">
-                <a:solidFill>
-                  <a:srgbClr val="000000"/>
-                </a:solidFill>
-                <a:effectLst/>
-                <a:latin typeface="Consolas" panose="020B0609020204030204" pitchFamily="49" charset="0"/>
-              </a:rPr>
-              <a:t>InputStream</a:t>
-            </a:r>
-            <a:r>
-              <a:rPr lang="en-US" sz="1800" dirty="0">
-                <a:solidFill>
-                  <a:srgbClr val="000000"/>
-                </a:solidFill>
-                <a:effectLst/>
-                <a:latin typeface="Consolas" panose="020B0609020204030204" pitchFamily="49" charset="0"/>
-              </a:rPr>
-              <a:t> </a:t>
-            </a:r>
-            <a:r>
-              <a:rPr lang="en-US" sz="1800" dirty="0">
-                <a:solidFill>
-                  <a:srgbClr val="6A3E3E"/>
-                </a:solidFill>
-                <a:effectLst/>
-                <a:latin typeface="Consolas" panose="020B0609020204030204" pitchFamily="49" charset="0"/>
-              </a:rPr>
-              <a:t>stream</a:t>
-            </a:r>
-            <a:r>
-              <a:rPr lang="en-US" sz="1800" dirty="0">
-                <a:solidFill>
-                  <a:srgbClr val="000000"/>
-                </a:solidFill>
-                <a:effectLst/>
-                <a:latin typeface="Consolas" panose="020B0609020204030204" pitchFamily="49" charset="0"/>
-              </a:rPr>
-              <a:t> = </a:t>
-            </a:r>
-            <a:r>
-              <a:rPr lang="en-US" sz="1800" dirty="0" err="1">
-                <a:solidFill>
-                  <a:srgbClr val="000000"/>
-                </a:solidFill>
-                <a:effectLst/>
-                <a:latin typeface="Consolas" panose="020B0609020204030204" pitchFamily="49" charset="0"/>
-              </a:rPr>
-              <a:t>getClass</a:t>
-            </a:r>
-            <a:r>
-              <a:rPr lang="en-US" sz="1800" dirty="0">
-                <a:solidFill>
-                  <a:srgbClr val="000000"/>
-                </a:solidFill>
-                <a:effectLst/>
-                <a:latin typeface="Consolas" panose="020B0609020204030204" pitchFamily="49" charset="0"/>
-              </a:rPr>
-              <a:t>().</a:t>
-            </a:r>
-            <a:r>
-              <a:rPr lang="en-US" sz="1800" dirty="0" err="1">
-                <a:solidFill>
-                  <a:srgbClr val="000000"/>
-                </a:solidFill>
-                <a:effectLst/>
-                <a:latin typeface="Consolas" panose="020B0609020204030204" pitchFamily="49" charset="0"/>
-              </a:rPr>
-              <a:t>getResourceAsStream</a:t>
-            </a:r>
-            <a:r>
-              <a:rPr lang="en-US" sz="1800" dirty="0">
-                <a:solidFill>
-                  <a:srgbClr val="000000"/>
-                </a:solidFill>
-                <a:effectLst/>
-                <a:latin typeface="Consolas" panose="020B0609020204030204" pitchFamily="49" charset="0"/>
-              </a:rPr>
-              <a:t>( </a:t>
-            </a:r>
-            <a:r>
-              <a:rPr lang="en-US" sz="1800" dirty="0" err="1">
-                <a:solidFill>
-                  <a:srgbClr val="6A3E3E"/>
-                </a:solidFill>
-                <a:effectLst/>
-                <a:latin typeface="Consolas" panose="020B0609020204030204" pitchFamily="49" charset="0"/>
-              </a:rPr>
-              <a:t>fileName</a:t>
-            </a:r>
-            <a:r>
-              <a:rPr lang="en-US" sz="1800" dirty="0">
-                <a:solidFill>
-                  <a:srgbClr val="000000"/>
-                </a:solidFill>
-                <a:effectLst/>
-                <a:latin typeface="Consolas" panose="020B0609020204030204" pitchFamily="49" charset="0"/>
-              </a:rPr>
-              <a:t> );</a:t>
-            </a:r>
-          </a:p>
-          <a:p>
-            <a:pPr marL="0" marR="0">
-              <a:buNone/>
-            </a:pPr>
-            <a:r>
-              <a:rPr lang="en-US" sz="1800" dirty="0">
-                <a:solidFill>
-                  <a:srgbClr val="6A3E3E"/>
-                </a:solidFill>
-                <a:latin typeface="Consolas" panose="020B0609020204030204" pitchFamily="49" charset="0"/>
-              </a:rPr>
-              <a:t>    </a:t>
-            </a:r>
-            <a:r>
-              <a:rPr lang="en-US" sz="1800" dirty="0" err="1">
-                <a:solidFill>
-                  <a:srgbClr val="6A3E3E"/>
-                </a:solidFill>
-                <a:effectLst/>
-                <a:latin typeface="Consolas" panose="020B0609020204030204" pitchFamily="49" charset="0"/>
-              </a:rPr>
-              <a:t>img</a:t>
-            </a:r>
-            <a:r>
-              <a:rPr lang="en-US" sz="1800" dirty="0">
-                <a:solidFill>
-                  <a:srgbClr val="000000"/>
-                </a:solidFill>
-                <a:effectLst/>
-                <a:latin typeface="Consolas" panose="020B0609020204030204" pitchFamily="49" charset="0"/>
-              </a:rPr>
-              <a:t> = </a:t>
-            </a:r>
-            <a:r>
-              <a:rPr lang="en-US" sz="1800" dirty="0" err="1">
-                <a:solidFill>
-                  <a:srgbClr val="000000"/>
-                </a:solidFill>
-                <a:effectLst/>
-                <a:latin typeface="Consolas" panose="020B0609020204030204" pitchFamily="49" charset="0"/>
-              </a:rPr>
-              <a:t>ImageIO.</a:t>
-            </a:r>
-            <a:r>
-              <a:rPr lang="en-US" sz="1800" i="1" dirty="0" err="1">
-                <a:solidFill>
-                  <a:srgbClr val="000000"/>
-                </a:solidFill>
-                <a:effectLst/>
-                <a:latin typeface="Consolas" panose="020B0609020204030204" pitchFamily="49" charset="0"/>
-              </a:rPr>
-              <a:t>read</a:t>
-            </a:r>
-            <a:r>
-              <a:rPr lang="en-US" sz="1800" dirty="0">
-                <a:solidFill>
-                  <a:srgbClr val="000000"/>
-                </a:solidFill>
-                <a:effectLst/>
-                <a:latin typeface="Consolas" panose="020B0609020204030204" pitchFamily="49" charset="0"/>
-              </a:rPr>
-              <a:t>( </a:t>
-            </a:r>
-            <a:r>
-              <a:rPr lang="en-US" sz="1800" dirty="0">
-                <a:solidFill>
-                  <a:srgbClr val="6A3E3E"/>
-                </a:solidFill>
-                <a:effectLst/>
-                <a:latin typeface="Consolas" panose="020B0609020204030204" pitchFamily="49" charset="0"/>
-              </a:rPr>
-              <a:t>stream</a:t>
-            </a:r>
-            <a:r>
-              <a:rPr lang="en-US" sz="1800" dirty="0">
-                <a:solidFill>
-                  <a:srgbClr val="000000"/>
-                </a:solidFill>
-                <a:effectLst/>
-                <a:latin typeface="Consolas" panose="020B0609020204030204" pitchFamily="49" charset="0"/>
-              </a:rPr>
-              <a:t> );</a:t>
-            </a:r>
-          </a:p>
-          <a:p>
-            <a:pPr marL="0" marR="0">
-              <a:buNone/>
-            </a:pPr>
-            <a:r>
-              <a:rPr lang="en-US" sz="1800" dirty="0">
-                <a:solidFill>
-                  <a:srgbClr val="6A3E3E"/>
-                </a:solidFill>
-                <a:effectLst/>
-                <a:latin typeface="Consolas" panose="020B0609020204030204" pitchFamily="49" charset="0"/>
-              </a:rPr>
-              <a:t>    graphics2</a:t>
-            </a:r>
-            <a:r>
-              <a:rPr lang="en-US" sz="1800" dirty="0">
-                <a:solidFill>
-                  <a:srgbClr val="000000"/>
-                </a:solidFill>
-                <a:effectLst/>
-                <a:latin typeface="Consolas" panose="020B0609020204030204" pitchFamily="49" charset="0"/>
-              </a:rPr>
-              <a:t>.drawImage(</a:t>
-            </a:r>
-            <a:r>
-              <a:rPr lang="en-US" sz="1800" dirty="0" err="1">
-                <a:solidFill>
-                  <a:srgbClr val="6A3E3E"/>
-                </a:solidFill>
-                <a:effectLst/>
-                <a:latin typeface="Consolas" panose="020B0609020204030204" pitchFamily="49" charset="0"/>
-              </a:rPr>
-              <a:t>img</a:t>
-            </a:r>
-            <a:r>
-              <a:rPr lang="en-US" sz="1800" dirty="0">
-                <a:solidFill>
-                  <a:srgbClr val="000000"/>
-                </a:solidFill>
-                <a:effectLst/>
-                <a:latin typeface="Consolas" panose="020B0609020204030204" pitchFamily="49" charset="0"/>
-              </a:rPr>
-              <a:t>, </a:t>
-            </a:r>
-            <a:r>
-              <a:rPr lang="en-US" sz="1800" dirty="0">
-                <a:solidFill>
-                  <a:srgbClr val="6A3E3E"/>
-                </a:solidFill>
-                <a:effectLst/>
-                <a:latin typeface="Consolas" panose="020B0609020204030204" pitchFamily="49" charset="0"/>
-              </a:rPr>
-              <a:t>x</a:t>
-            </a:r>
-            <a:r>
-              <a:rPr lang="en-US" sz="1800" dirty="0">
-                <a:solidFill>
-                  <a:srgbClr val="000000"/>
-                </a:solidFill>
-                <a:effectLst/>
-                <a:latin typeface="Consolas" panose="020B0609020204030204" pitchFamily="49" charset="0"/>
-              </a:rPr>
-              <a:t>, </a:t>
-            </a:r>
-            <a:r>
-              <a:rPr lang="en-US" sz="1800" dirty="0">
-                <a:solidFill>
-                  <a:srgbClr val="6A3E3E"/>
-                </a:solidFill>
-                <a:effectLst/>
-                <a:latin typeface="Consolas" panose="020B0609020204030204" pitchFamily="49" charset="0"/>
-              </a:rPr>
-              <a:t>y</a:t>
-            </a:r>
-            <a:r>
-              <a:rPr lang="en-US" sz="1800" dirty="0">
-                <a:solidFill>
-                  <a:srgbClr val="000000"/>
-                </a:solidFill>
-                <a:effectLst/>
-                <a:latin typeface="Consolas" panose="020B0609020204030204" pitchFamily="49" charset="0"/>
-              </a:rPr>
-              <a:t>, </a:t>
-            </a:r>
-            <a:r>
-              <a:rPr lang="en-US" sz="1800" dirty="0" err="1">
-                <a:solidFill>
-                  <a:srgbClr val="6A3E3E"/>
-                </a:solidFill>
-                <a:effectLst/>
-                <a:latin typeface="Consolas" panose="020B0609020204030204" pitchFamily="49" charset="0"/>
-              </a:rPr>
-              <a:t>squareSize</a:t>
-            </a:r>
-            <a:r>
-              <a:rPr lang="en-US" sz="1800" dirty="0">
-                <a:solidFill>
-                  <a:srgbClr val="000000"/>
-                </a:solidFill>
-                <a:effectLst/>
-                <a:latin typeface="Consolas" panose="020B0609020204030204" pitchFamily="49" charset="0"/>
-              </a:rPr>
-              <a:t>, </a:t>
-            </a:r>
-            <a:r>
-              <a:rPr lang="en-US" sz="1800" dirty="0" err="1">
-                <a:solidFill>
-                  <a:srgbClr val="6A3E3E"/>
-                </a:solidFill>
-                <a:effectLst/>
-                <a:latin typeface="Consolas" panose="020B0609020204030204" pitchFamily="49" charset="0"/>
-              </a:rPr>
-              <a:t>squareSize</a:t>
-            </a:r>
-            <a:r>
-              <a:rPr lang="en-US" sz="1800" dirty="0">
-                <a:solidFill>
-                  <a:srgbClr val="000000"/>
-                </a:solidFill>
-                <a:effectLst/>
-                <a:latin typeface="Consolas" panose="020B0609020204030204" pitchFamily="49" charset="0"/>
-              </a:rPr>
-              <a:t>, </a:t>
-            </a:r>
-            <a:r>
-              <a:rPr lang="en-US" sz="1800" b="1" dirty="0">
-                <a:solidFill>
-                  <a:srgbClr val="7F0055"/>
-                </a:solidFill>
-                <a:effectLst/>
-                <a:latin typeface="Consolas" panose="020B0609020204030204" pitchFamily="49" charset="0"/>
-              </a:rPr>
-              <a:t>null</a:t>
-            </a:r>
-            <a:r>
-              <a:rPr lang="en-US" sz="1800" dirty="0">
-                <a:solidFill>
-                  <a:srgbClr val="000000"/>
-                </a:solidFill>
-                <a:effectLst/>
-                <a:latin typeface="Consolas" panose="020B0609020204030204" pitchFamily="49" charset="0"/>
-              </a:rPr>
-              <a:t>);</a:t>
-            </a:r>
-          </a:p>
-          <a:p>
-            <a:pPr marL="0" marR="0">
-              <a:buNone/>
-            </a:pPr>
-            <a:r>
-              <a:rPr lang="en-US" sz="1800" dirty="0">
-                <a:solidFill>
-                  <a:srgbClr val="000000"/>
-                </a:solidFill>
-                <a:effectLst/>
-                <a:latin typeface="Consolas" panose="020B0609020204030204" pitchFamily="49" charset="0"/>
-              </a:rPr>
-              <a:t>} </a:t>
-            </a:r>
-            <a:r>
-              <a:rPr lang="en-US" sz="1800" b="1" dirty="0">
-                <a:solidFill>
-                  <a:srgbClr val="7F0055"/>
-                </a:solidFill>
-                <a:effectLst/>
-                <a:latin typeface="Consolas" panose="020B0609020204030204" pitchFamily="49" charset="0"/>
-              </a:rPr>
-              <a:t>catch</a:t>
-            </a:r>
-            <a:r>
-              <a:rPr lang="en-US" sz="1800" dirty="0">
-                <a:solidFill>
-                  <a:srgbClr val="000000"/>
-                </a:solidFill>
-                <a:effectLst/>
-                <a:latin typeface="Consolas" panose="020B0609020204030204" pitchFamily="49" charset="0"/>
-              </a:rPr>
-              <a:t> (</a:t>
-            </a:r>
-            <a:r>
-              <a:rPr lang="en-US" sz="1800" dirty="0" err="1">
-                <a:solidFill>
-                  <a:srgbClr val="000000"/>
-                </a:solidFill>
-                <a:effectLst/>
-                <a:latin typeface="Consolas" panose="020B0609020204030204" pitchFamily="49" charset="0"/>
-              </a:rPr>
-              <a:t>IOException</a:t>
-            </a:r>
-            <a:r>
-              <a:rPr lang="en-US" sz="1800" dirty="0">
-                <a:solidFill>
-                  <a:srgbClr val="000000"/>
-                </a:solidFill>
-                <a:effectLst/>
-                <a:latin typeface="Consolas" panose="020B0609020204030204" pitchFamily="49" charset="0"/>
-              </a:rPr>
-              <a:t> </a:t>
-            </a:r>
-            <a:r>
-              <a:rPr lang="en-US" sz="1800" dirty="0">
-                <a:solidFill>
-                  <a:srgbClr val="6A3E3E"/>
-                </a:solidFill>
-                <a:effectLst/>
-                <a:latin typeface="Consolas" panose="020B0609020204030204" pitchFamily="49" charset="0"/>
-              </a:rPr>
-              <a:t>e</a:t>
-            </a:r>
-            <a:r>
-              <a:rPr lang="en-US" sz="1800" dirty="0">
-                <a:solidFill>
-                  <a:srgbClr val="000000"/>
-                </a:solidFill>
-                <a:effectLst/>
-                <a:latin typeface="Consolas" panose="020B0609020204030204" pitchFamily="49" charset="0"/>
-              </a:rPr>
-              <a:t>) {</a:t>
-            </a:r>
-          </a:p>
-          <a:p>
-            <a:pPr marL="0" marR="0">
-              <a:buNone/>
-            </a:pPr>
-            <a:r>
-              <a:rPr lang="en-US" sz="1800" dirty="0">
-                <a:solidFill>
-                  <a:srgbClr val="6A3E3E"/>
-                </a:solidFill>
-                <a:effectLst/>
-                <a:latin typeface="Consolas" panose="020B0609020204030204" pitchFamily="49" charset="0"/>
-              </a:rPr>
-              <a:t>    </a:t>
-            </a:r>
-            <a:r>
-              <a:rPr lang="en-US" sz="1800" dirty="0" err="1">
-                <a:solidFill>
-                  <a:srgbClr val="6A3E3E"/>
-                </a:solidFill>
-                <a:effectLst/>
-                <a:latin typeface="Consolas" panose="020B0609020204030204" pitchFamily="49" charset="0"/>
-              </a:rPr>
-              <a:t>e</a:t>
-            </a:r>
-            <a:r>
-              <a:rPr lang="en-US" sz="1800" dirty="0" err="1">
-                <a:solidFill>
-                  <a:srgbClr val="000000"/>
-                </a:solidFill>
-                <a:effectLst/>
-                <a:latin typeface="Consolas" panose="020B0609020204030204" pitchFamily="49" charset="0"/>
-              </a:rPr>
-              <a:t>.printStackTrace</a:t>
-            </a:r>
-            <a:r>
-              <a:rPr lang="en-US" sz="1800" dirty="0">
-                <a:solidFill>
-                  <a:srgbClr val="000000"/>
-                </a:solidFill>
-                <a:effectLst/>
-                <a:latin typeface="Consolas" panose="020B0609020204030204" pitchFamily="49" charset="0"/>
-              </a:rPr>
-              <a:t>();</a:t>
-            </a:r>
-          </a:p>
-          <a:p>
-            <a:pPr marL="0" marR="0" indent="0">
-              <a:buNone/>
-            </a:pPr>
-            <a:r>
-              <a:rPr lang="en-US" sz="1800" dirty="0">
-                <a:solidFill>
-                  <a:srgbClr val="000000"/>
-                </a:solidFill>
-                <a:effectLst/>
-                <a:latin typeface="Consolas" panose="020B0609020204030204" pitchFamily="49" charset="0"/>
-              </a:rPr>
-              <a:t>}</a:t>
-            </a:r>
-          </a:p>
-          <a:p>
-            <a:endParaRPr lang="en-US" dirty="0"/>
-          </a:p>
-        </p:txBody>
-      </p:sp>
-      <p:pic>
-        <p:nvPicPr>
-          <p:cNvPr id="5" name="Picture 4">
-            <a:extLst>
-              <a:ext uri="{FF2B5EF4-FFF2-40B4-BE49-F238E27FC236}">
-                <a16:creationId xmlns:a16="http://schemas.microsoft.com/office/drawing/2014/main" id="{E1C9A317-F829-808C-68FA-028199914F1B}"/>
-              </a:ext>
-            </a:extLst>
-          </p:cNvPr>
-          <p:cNvPicPr>
-            <a:picLocks noChangeAspect="1"/>
-          </p:cNvPicPr>
-          <p:nvPr/>
-        </p:nvPicPr>
-        <p:blipFill>
-          <a:blip r:embed="rId2"/>
-          <a:stretch>
-            <a:fillRect/>
-          </a:stretch>
-        </p:blipFill>
-        <p:spPr>
-          <a:xfrm>
-            <a:off x="2004622" y="140484"/>
-            <a:ext cx="4508860" cy="449281"/>
-          </a:xfrm>
-          <a:prstGeom prst="rect">
-            <a:avLst/>
-          </a:prstGeom>
-        </p:spPr>
-      </p:pic>
-    </p:spTree>
-    <p:extLst>
-      <p:ext uri="{BB962C8B-B14F-4D97-AF65-F5344CB8AC3E}">
-        <p14:creationId xmlns:p14="http://schemas.microsoft.com/office/powerpoint/2010/main" val="801041304"/>
       </p:ext>
     </p:extLst>
   </p:cSld>
